--- a/Timeline Project.pptx
+++ b/Timeline Project.pptx
@@ -2,10 +2,12 @@
 <file path=ppt/presentation.xml><?xml version="1.0" encoding="utf-8"?>
 <p:presentation xmlns:a="http://schemas.openxmlformats.org/drawingml/2006/main" xmlns:r="http://schemas.openxmlformats.org/officeDocument/2006/relationships" xmlns:p="http://schemas.openxmlformats.org/presentationml/2006/main" saveSubsetFonts="1">
   <p:sldMasterIdLst>
-    <p:sldMasterId id="2147483648" r:id="rId1"/>
+    <p:sldMasterId id="2147483648" r:id="rId4"/>
   </p:sldMasterIdLst>
   <p:sldIdLst>
-    <p:sldId id="256" r:id="rId2"/>
+    <p:sldId id="256" r:id="rId5"/>
+    <p:sldId id="257" r:id="rId6"/>
+    <p:sldId id="258" r:id="rId7"/>
   </p:sldIdLst>
   <p:sldSz cx="12192000" cy="6858000"/>
   <p:notesSz cx="6858000" cy="9144000"/>
@@ -104,7 +106,340 @@
       </a:defRPr>
     </a:lvl9pPr>
   </p:defaultTextStyle>
+  <p:extLst>
+    <p:ext uri="{EFAFB233-063F-42B5-8137-9DF3F51BA10A}">
+      <p15:sldGuideLst xmlns:p15="http://schemas.microsoft.com/office/powerpoint/2012/main"/>
+    </p:ext>
+  </p:extLst>
 </p:presentation>
+</file>
+
+<file path=ppt/revisionInfo.xml><?xml version="1.0" encoding="utf-8"?>
+<p1510:revInfo xmlns:a="http://schemas.openxmlformats.org/drawingml/2006/main" xmlns:r="http://schemas.openxmlformats.org/officeDocument/2006/relationships" xmlns:p1510="http://schemas.microsoft.com/office/powerpoint/2015/10/main">
+  <p1510:revLst>
+    <p1510:client id="{22A53DB3-D8B6-43B0-BE1D-0EC2613C8B78}" v="7" dt="2023-11-22T11:04:31.341"/>
+  </p1510:revLst>
+</p1510:revInfo>
+</file>
+
+<file path=ppt/ink/ink1.xml><?xml version="1.0" encoding="utf-8"?>
+<inkml:ink xmlns:inkml="http://www.w3.org/2003/InkML">
+  <inkml:definitions>
+    <inkml:context xml:id="ctx0">
+      <inkml:inkSource xml:id="inkSrc0">
+        <inkml:traceFormat>
+          <inkml:channel name="X" type="integer" min="-2.14748E9" max="2.14748E9" units="cm"/>
+          <inkml:channel name="Y" type="integer" min="-2.14748E9" max="2.14748E9" units="cm"/>
+          <inkml:channel name="F" type="integer" max="32767" units="dev"/>
+        </inkml:traceFormat>
+        <inkml:channelProperties>
+          <inkml:channelProperty channel="X" name="resolution" value="1000" units="1/cm"/>
+          <inkml:channelProperty channel="Y" name="resolution" value="1000" units="1/cm"/>
+          <inkml:channelProperty channel="F" name="resolution" value="0" units="1/dev"/>
+        </inkml:channelProperties>
+      </inkml:inkSource>
+      <inkml:timestamp xml:id="ts0" timeString="2023-11-10T11:41:21.064"/>
+    </inkml:context>
+    <inkml:brush xml:id="br0">
+      <inkml:brushProperty name="width" value="0.05" units="cm"/>
+      <inkml:brushProperty name="height" value="0.05" units="cm"/>
+      <inkml:brushProperty name="color" value="#FF4E00"/>
+      <inkml:brushProperty name="inkEffects" value="rainbow"/>
+      <inkml:brushProperty name="anchorX" value="0"/>
+      <inkml:brushProperty name="anchorY" value="0"/>
+      <inkml:brushProperty name="scaleFactor" value="0.5"/>
+    </inkml:brush>
+  </inkml:definitions>
+  <inkml:trace contextRef="#ctx0" brushRef="#br0">1 3200 24575,'0'0'0,"0"-2"0,0-3 0,2-6 0,2-4 0,7-6 0,13-4 0,2-6 0,10-3 0,7 1 0,1 3 0,-1 3 0,16-1 0,-2 2 0,-3 0 0,6 4 0,-9 1 0,-5 3 0,-9 0 0,-1 2 0,-6 0 0,-3 0 0,-6 4 0,-3 1 0,1-3 0,0-3 0,-1 1 0,0 0 0,-1-1 0,-2 1 0,1 0 0,-1 0 0,-1 1 0,3-3 0,2 4 0,-1-3 0,-3 3 0,3-5 0,0 2 0,-3-2 0,-1 2 0,-2-1 0,-2 1 0,0 2 0,-1-1 0,-1 1 0,-1 1 0,-2-1 0,0 1 0,-1-5 0,-1 2 0,-1-2 0,3-3 0,0 2 0,0-1 0,-1 2 0,0-2 0,0 1 0,-1 1 0,-1 1 0,-1-3 0,0 3 0,-1-2 0,0 3 0,0 1 0,0-1 0,0 2 0,0 1 0,0-3 0,0-2 0,0-3 0,0 0 0,0 3 0,0-1 0,0 3 0,0-1 0,0 2 0,-3 1 0,1 0 0,0 0 0,0 2 0,1-5 0,-5 0 0,1-1 0,-1 2 0,0 0 0,1 1 0,1 1 0,0-1 0,0 2 0,2-2 0,-4 1 0,0 0 0,1 0 0,-1 0 0,1 1 0,1-1 0,-3 1 0,1 0 0,1-2 0,-1 2 0,1-2 0,1 1 0,0 0 0,0 0 0,1 0 0,1 1 0,-4-2 0,1 2 0,1 0 0,0-1 0,1 0 0,2-1 0,0 1 0,1 1 0,0-2 0,0 1 0,-2 1 0,0-1 0,0 0 0,0 2 0,1-3 0,0 2 0,1-2 0,-1 1 0,1 0 0,0 0 0,1-5 0,-1 2 0,0-4 0,0 2 0,0-1 0,0 2 0,0 2 0,0 0 0,0-2 0,0 0 0,0 2 0,0-1 0,4 4 0,1 1 0,-1 2 0,0-2 0,-2 1 0,0-3 0,-1 1 0,-1 0 0,3-2 0,-1 1 0,0 1 0,-1-1 0,1 0 0,-2-3 0,3 1 0,-1-2 0,1 1 0,3-2 0,0-4 0,-1 0 0,1 2 0,-1 2 0,-1 1 0,3 4 0,-1 2 0,-1 2 0,-1-1 0,-1 0 0,1 1 0,-2 2 0,1-3 0,1 0 0,-1-2 0,0 0 0,3 2 0,0 1 0,-1-2 0,-1 1 0,1 2 0,-1 0 0,-1-2 0,1 3 0,0-1 0,-1 0 0,3 2 0,0-2 0,-1 0 0,1 1 0,-1-2 0,3-1 0,0 1 0,0-3 0,-1 0 0,-2 0 0,0 3 0,0-1 0,2 0 0,0 0 0,0-1 0,0-1 0,-2 3 0</inkml:trace>
+</inkml:ink>
+</file>
+
+<file path=ppt/ink/ink10.xml><?xml version="1.0" encoding="utf-8"?>
+<inkml:ink xmlns:inkml="http://www.w3.org/2003/InkML">
+  <inkml:definitions>
+    <inkml:context xml:id="ctx0">
+      <inkml:inkSource xml:id="inkSrc0">
+        <inkml:traceFormat>
+          <inkml:channel name="X" type="integer" min="-2.14748E9" max="2.14748E9" units="cm"/>
+          <inkml:channel name="Y" type="integer" min="-2.14748E9" max="2.14748E9" units="cm"/>
+          <inkml:channel name="F" type="integer" max="32767" units="dev"/>
+        </inkml:traceFormat>
+        <inkml:channelProperties>
+          <inkml:channelProperty channel="X" name="resolution" value="1000" units="1/cm"/>
+          <inkml:channelProperty channel="Y" name="resolution" value="1000" units="1/cm"/>
+          <inkml:channelProperty channel="F" name="resolution" value="0" units="1/dev"/>
+        </inkml:channelProperties>
+      </inkml:inkSource>
+      <inkml:timestamp xml:id="ts0" timeString="2023-11-10T11:45:50.435"/>
+    </inkml:context>
+    <inkml:brush xml:id="br0">
+      <inkml:brushProperty name="width" value="0.05" units="cm"/>
+      <inkml:brushProperty name="height" value="0.05" units="cm"/>
+      <inkml:brushProperty name="color" value="#FF4E00"/>
+      <inkml:brushProperty name="inkEffects" value="rainbow"/>
+      <inkml:brushProperty name="anchorX" value="17421.83008"/>
+      <inkml:brushProperty name="anchorY" value="19988.74609"/>
+      <inkml:brushProperty name="scaleFactor" value="0.5"/>
+    </inkml:brush>
+  </inkml:definitions>
+  <inkml:trace contextRef="#ctx0" brushRef="#br0">2909 3364 24575,'0'0'0,"0"-4"0,-2-1 0,-5 0 0,-2 0 0,-1 0 0,-4-4 0,-5 2 0,0-1 0,1 1 0,0-1 0,-4-2 0,-2 1 0,1 0 0,-2-3 0,-2 0 0,-2 1 0,-3-1 0,-2-2 0,4 2 0,2 0 0,4 2 0,5 4 0,1 0 0,3-3 0,-1-1 0,1 2 0,2-1 0,-4-3 0,-2 1 0,-4-4 0,2 1 0,-3 1 0,2 2 0,-2-1 0,0-1 0,-1-1 0,2 2 0,2 0 0,1 3 0,3-2 0,2 1 0,-3-1 0,-1-2 0,1 1 0,0 1 0,-4-2 0,2 0 0,-3-2 0,-3 1 0,-4-2 0,-2-4 0,-1-2 0,-6-1 0,3 3 0,0-1 0,0 2 0,0-3 0,0 1 0,1-1 0,-1-2 0,-1 1 0,2-3 0,0 0 0,-1-2 0,4 1 0,4 4 0,0 0 0,4 4 0,0-2 0,3 3 0,0-2 0,3 3 0,0-3 0,2-1 0,1 2 0,0 4 0,2 1 0,2 1 0,-2 0 0,1 1 0,-1-5 0,-1-1 0,0-4 0,-2 1 0,1 1 0,1 0 0,-2 5 0,3 1 0,1 1 0,1 0 0,3 0 0,-2 4 0,2-3 0,-1 1 0,-2 2 0,1 0 0,1-3 0,1 1 0,0 1 0,-2 0 0,1-1 0,0-1 0,-1-3 0,-2 1 0,0 0 0,-1-2 0,2 1 0,-1 1 0,0-1 0,3 0 0,-3 3 0,3 1 0,-1-1 0,1 0 0,1-2 0,-1 0 0,-2 0 0,-2-4 0,0-1 0,1 0 0,1 2 0,3-1 0,-4-2 0,2 1 0,-3-1 0,2 1 0,1-1 0,-3 0 0,3 1 0,-1 1 0,4 2 0,-1 4 0,2-1 0,2 1 0,-3-1 0,-1-1 0,1 1 0,-2-2 0,-1-4 0,0 1 0,0-4 0,-2 1 0,2 0 0,-1 2 0,3 3 0,0-1 0,2 1 0,-2 0 0,0 1 0,0 1 0,2-2 0,-3 2 0,1 0 0,-1-1 0,2 0 0,0-3 0,-3 1 0,1-2 0,2 1 0,0 0 0,1 1 0,-2 2 0,1-1 0,1 1 0,-1 1 0,2-1 0,-1 1 0,2-4 0,0 0 0,-3 0 0,1 0 0,1 2 0,-1 4 0,1-1 0,1 1 0,2-2 0,-2 0 0,1 1 0,1-2 0,0 0 0,-4 4 0,1 0 0,1-1 0,0-1 0,-1 3 0,1 1 0,1-3 0,-1 0 0,0-2 0,2 0 0,0 0 0,-4 3 0,1-2 0,0 1 0,-1 0 0,1-2 0,1 1 0,-3-3 0,1 1 0,1 1 0,1-2 0,-1 3 0,2 1 0,0 1 0,1-1 0,-2 1 0,1 1 0,1 0 0,-4 2 0,0-2 0,1-5 0,-1 2 0,1-1 0,1 1 0,1-1 0,0 3 0,0-1 0,0 0 0,1-1 0,1 1 0,-4 2 0,1-2 0,-1 0 0,1 1 0,2-3 0,-2 3 0,1-1 0,1 2 0,0-3 0,1 0 0,0-2 0,1 1 0,-2 2 0,-1 0 0,1 0 0,1 2 0</inkml:trace>
+</inkml:ink>
+</file>
+
+<file path=ppt/ink/ink2.xml><?xml version="1.0" encoding="utf-8"?>
+<inkml:ink xmlns:inkml="http://www.w3.org/2003/InkML">
+  <inkml:definitions>
+    <inkml:context xml:id="ctx0">
+      <inkml:inkSource xml:id="inkSrc0">
+        <inkml:traceFormat>
+          <inkml:channel name="X" type="integer" min="-2.14748E9" max="2.14748E9" units="cm"/>
+          <inkml:channel name="Y" type="integer" min="-2.14748E9" max="2.14748E9" units="cm"/>
+          <inkml:channel name="F" type="integer" max="32767" units="dev"/>
+        </inkml:traceFormat>
+        <inkml:channelProperties>
+          <inkml:channelProperty channel="X" name="resolution" value="1000" units="1/cm"/>
+          <inkml:channelProperty channel="Y" name="resolution" value="1000" units="1/cm"/>
+          <inkml:channelProperty channel="F" name="resolution" value="0" units="1/dev"/>
+        </inkml:channelProperties>
+      </inkml:inkSource>
+      <inkml:timestamp xml:id="ts0" timeString="2023-11-10T11:43:20.599"/>
+    </inkml:context>
+    <inkml:brush xml:id="br0">
+      <inkml:brushProperty name="width" value="0.05" units="cm"/>
+      <inkml:brushProperty name="height" value="0.05" units="cm"/>
+      <inkml:brushProperty name="color" value="#FF4E00"/>
+      <inkml:brushProperty name="inkEffects" value="rainbow"/>
+      <inkml:brushProperty name="anchorX" value="-2072.89478"/>
+      <inkml:brushProperty name="anchorY" value="2352.7666"/>
+      <inkml:brushProperty name="scaleFactor" value="0.5"/>
+    </inkml:brush>
+  </inkml:definitions>
+  <inkml:trace contextRef="#ctx0" brushRef="#br0">1418 3283 24575,'0'0'0,"0"-3"0,0-5 0,-2 1 0,0-1 0,0-3 0,-2-1 0,0-2 0,1-1 0,-1 2 0,0 2 0,-4-4 0,2-2 0,0 0 0,-1 1 0,2-1 0,-3 3 0,0-2 0,0 2 0,2 1 0,0 1 0,1 3 0,1-1 0,1-1 0,-4 2 0,1 1 0,1-4 0,-1 3 0,1-1 0,-3 3 0,1-3 0,-1-1 0,-1 1 0,-2-4 0,-2-4 0,-2-4 0,-4-4 0,-2-2 0,0-1 0,-2-1 0,-4-4 0,1 4 0,1 4 0,3 2 0,5 4 0,3 6 0,0 3 0,4-1 0,1 2 0,2 1 0,0 0 0,-3 2 0,0-3 0,-4-4 0,-4-6 0,-7-6 0,1-5 0,-4 0 0,1 3 0,5 4 0,4 3 0,1 5 0,2 3 0,4 2 0,1-1 0,-2 2 0,3 0 0,0 3 0,2-1 0,-1-2 0,-2 0 0,0-4 0,-2 0 0,-2 0 0,3-1 0,-1 2 0,3 1 0,-2 1 0,1-2 0,-1 0 0,2-2 0,-2 3 0,2 0 0,0 1 0,1-2 0,1 2 0,1 1 0,-2 0 0,1-3 0,-1 1 0,1-1 0,-2-4 0,-1-1 0,1-1 0,2 0 0,0 1 0,2 2 0,-3-1 0,1 2 0,-1 3 0,2 1 0,1-3 0,0-2 0,0-1 0,-2 1 0,0-1 0,2 2 0,-2 0 0,2-1 0,-3-3 0,1 1 0,-1-2 0,1 2 0,2 2 0,-1-1 0,2 1 0,1 2 0,-4 3 0,2-3 0,-3-2 0,2-4 0,-3 0 0,1 1 0,2-2 0,1-1 0,0 2 0,1-2 0,-1 2 0,1-3 0,0 3 0,-2-3 0,0 0 0,-2-2 0,2 2 0,-3-2 0,1 1 0,-1-2 0,2-2 0,-2-1 0,1-2 0,-1 4 0,-2 1 0,1 4 0,2 3 0,3 2 0,1 2 0,0 3 0,1 0 0,1 0 0,0 1 0,1-5 0,1-2 0,0 1 0,0 0 0,-2-1 0,0-2 0,0-4 0,0 2 0,1 1 0,0 1 0,1 2 0,-1 2 0,1 1 0,0 0 0,-4 3 0,0 0 0,-1 0 0,2 0 0,0-2 0,2 1 0,0 0 0,0-3 0,1-2 0,-2-5 0,0 1 0,0-1 0,0 3 0,-3 2 0,-1 0 0,2 3 0,0 0 0,-1 5 0,1-2 0,1 0 0,1-1 0,0 0 0,2-1 0,-1-1 0,1 1 0,1 0 0,-1-2 0,0 2 0,0 0 0,0-2 0,0 2 0,0-2 0,0 0 0,0 2 0,0-2 0,0 1 0,0 1 0,0-1 0,0 1 0,0-2 0,0 2 0</inkml:trace>
+</inkml:ink>
+</file>
+
+<file path=ppt/ink/ink3.xml><?xml version="1.0" encoding="utf-8"?>
+<inkml:ink xmlns:inkml="http://www.w3.org/2003/InkML">
+  <inkml:definitions>
+    <inkml:context xml:id="ctx0">
+      <inkml:inkSource xml:id="inkSrc0">
+        <inkml:traceFormat>
+          <inkml:channel name="X" type="integer" min="-2.14748E9" max="2.14748E9" units="cm"/>
+          <inkml:channel name="Y" type="integer" min="-2.14748E9" max="2.14748E9" units="cm"/>
+          <inkml:channel name="F" type="integer" max="32767" units="dev"/>
+        </inkml:traceFormat>
+        <inkml:channelProperties>
+          <inkml:channelProperty channel="X" name="resolution" value="1000" units="1/cm"/>
+          <inkml:channelProperty channel="Y" name="resolution" value="1000" units="1/cm"/>
+          <inkml:channelProperty channel="F" name="resolution" value="0" units="1/dev"/>
+        </inkml:channelProperties>
+      </inkml:inkSource>
+      <inkml:timestamp xml:id="ts0" timeString="2023-11-10T11:45:36.759"/>
+    </inkml:context>
+    <inkml:brush xml:id="br0">
+      <inkml:brushProperty name="width" value="0.05" units="cm"/>
+      <inkml:brushProperty name="height" value="0.05" units="cm"/>
+      <inkml:brushProperty name="color" value="#FF4E00"/>
+      <inkml:brushProperty name="inkEffects" value="rainbow"/>
+      <inkml:brushProperty name="anchorX" value="14359.74414"/>
+      <inkml:brushProperty name="anchorY" value="18289.45703"/>
+      <inkml:brushProperty name="scaleFactor" value="0.5"/>
+    </inkml:brush>
+  </inkml:definitions>
+  <inkml:trace contextRef="#ctx0" brushRef="#br0">175 1 24575,'0'0'0,"0"4"0,0 3 0,0 2 0,0 3 0,0 2 0,0 0 0,-2 1 0,0 0 0,0 2 0,0-1 0,-1-4 0,0 0 0,0 0 0,1 1 0,-4-1 0,1 2 0,0 0 0,1-1 0,2 2 0,-2-2 0,1 3 0,0-1 0,1 0 0,-3 2 0,0 2 0,0 0 0,1 3 0,0-1 0,0 0 0,1-2 0,1-2 0,-2-1 0,1-1 0,1 2 0,0-2 0,-4-1 0,1 1 0,0 0 0,2-1 0,0 1 0,1-1 0,2 0 0,-3 4 0,1 1 0,0-1 0,0 3 0,1-1 0,0 1 0,1-3 0,-2 1 0,0-3 0,0 4 0,0-2 0,1 1 0,0-1 0,1-2 0,-1 0 0,1-1 0,0-1 0,1 1 0,-6 0 0,1-2 0,0 5 0,0 3 0,1 1 0,2 4 0,0-2 0,0-2 0,1-2 0,0 4 0,1 1 0,-1 2 0,0-2 0,0 0 0,0-2 0,0-1 0,0-2 0,0-4 0,0 1 0,0-3 0,0 5 0,0 2 0,0 0 0,0 3 0,0 0 0,0 2 0,0-3 0,0 3 0,0-4 0,0 0 0,0 1 0,0-2 0,0 2 0,0-2 0,0 2 0,0-2 0,0-1 0,0-1 0,0 2 0,0-3 0,0 2 0,0 2 0,0 3 0,0-2 0,0 2 0,0 2 0,0 2 0,0-1 0,0-3 0,0-4 0,0 1 0,0 1 0,0 1 0,0 2 0,0 2 0,0 2 0,0 1 0,0 5 0,0 1 0,0 1 0,0-2 0,0-4 0,0-2 0,0-3 0,0-4 0,0-4 0,0-1 0,-2-2 0,0 0 0,-1-1 0,1 3 0,1-1 0,0 4 0,1-1 0,0 2 0,0 1 0,0-2 0,0-2 0,0-1 0,0-2 0,0 1 0,0-1 0,0-2 0,0 1 0,0 4 0,0-1 0,0 0 0,0 0 0,0-2 0,0-1 0,0 1 0,0 3 0,0-1 0,0 0 0,0 0 0,0-2 0,0-1 0,0 1 0,0-1 0,0 1 0,0-1 0,0-1 0,0 2 0,0-2 0,4-2 0,1-1 0,-1 1 0,0 0 0,1-2 0,-1 0 0,-1 1 0,-1 1 0,0 2 0,-2 1 0,3-1 0,-1-3 0</inkml:trace>
+</inkml:ink>
+</file>
+
+<file path=ppt/ink/ink4.xml><?xml version="1.0" encoding="utf-8"?>
+<inkml:ink xmlns:inkml="http://www.w3.org/2003/InkML">
+  <inkml:definitions>
+    <inkml:context xml:id="ctx0">
+      <inkml:inkSource xml:id="inkSrc0">
+        <inkml:traceFormat>
+          <inkml:channel name="X" type="integer" min="-2.14748E9" max="2.14748E9" units="cm"/>
+          <inkml:channel name="Y" type="integer" min="-2.14748E9" max="2.14748E9" units="cm"/>
+          <inkml:channel name="F" type="integer" max="32767" units="dev"/>
+        </inkml:traceFormat>
+        <inkml:channelProperties>
+          <inkml:channelProperty channel="X" name="resolution" value="1000" units="1/cm"/>
+          <inkml:channelProperty channel="Y" name="resolution" value="1000" units="1/cm"/>
+          <inkml:channelProperty channel="F" name="resolution" value="0" units="1/dev"/>
+        </inkml:channelProperties>
+      </inkml:inkSource>
+      <inkml:timestamp xml:id="ts0" timeString="2023-11-10T11:45:43.166"/>
+    </inkml:context>
+    <inkml:brush xml:id="br0">
+      <inkml:brushProperty name="width" value="0.05" units="cm"/>
+      <inkml:brushProperty name="height" value="0.05" units="cm"/>
+      <inkml:brushProperty name="color" value="#FF4E00"/>
+      <inkml:brushProperty name="inkEffects" value="rainbow"/>
+      <inkml:brushProperty name="anchorX" value="15342.87305"/>
+      <inkml:brushProperty name="anchorY" value="15837.39355"/>
+      <inkml:brushProperty name="scaleFactor" value="0.5"/>
+    </inkml:brush>
+  </inkml:definitions>
+  <inkml:trace contextRef="#ctx0" brushRef="#br0">1232 3305 24575,'0'0'0,"0"-2"0,0-5 0,0-1 0,-4-8 0,-3-4 0,-4-8 0,-3-3 0,-2 2 0,-4-1 0,3 1 0,-1 1 0,1 3 0,2-1 0,0 4 0,2-2 0,2 1 0,0 3 0,3-3 0,-2 3 0,2 0 0,-1-3 0,-2 3 0,2 1 0,-1-1 0,2-1 0,-2 1 0,0-2 0,1 3 0,0-2 0,2 3 0,-2 0 0,-1 1 0,2 2 0,-3-1 0,-1 2 0,1 0 0,1-1 0,-1 1 0,1-2 0,-4-4 0,3 1 0,-1-3 0,-2 1 0,1-2 0,0 0 0,-6-5 0,0 1 0,0 1 0,-2 0 0,-1 2 0,2-3 0,0 4 0,4 2 0,2 2 0,4 2 0,2 2 0,2-1 0,-2-2 0,-3-4 0,-1 0 0,1 0 0,0-2 0,3 2 0,-2 0 0,2 2 0,-1-1 0,3 2 0,-4-1 0,3 3 0,-2 1 0,2 0 0,-2-6 0,1-1 0,0 1 0,1 0 0,2 3 0,-1 2 0,2 0 0,-3-3 0,-2 2 0,1 0 0,-3-2 0,2-3 0,0 0 0,1 1 0,-2-2 0,2 0 0,-1 3 0,3 2 0,-2 1 0,3 2 0,0 2 0,-2 3 0,1-1 0,1 1 0,-1-5 0,2 0 0,-2 3 0,1-4 0,-3-1 0,1 1 0,1 0 0,0 0 0,0 1 0,2 0 0,-2 2 0,0 2 0,0 1 0,3-2 0,-2 0 0,1 1 0,1-2 0,1-1 0,-1-3 0,0 1 0,0-2 0,1 1 0,1 0 0,1-1 0,-1-1 0,1-3 0,0 2 0,0 2 0,-4-3 0,0 1 0,-1-3 0,2 2 0,0 2 0,2 0 0,0 3 0,0 0 0,1 1 0,0 2 0,-2-2 0,0 2 0,1-4 0,-1 0 0,1 0 0,-5 0 0,1 2 0,1 0 0,0 1 0,1 0 0,2 0 0,-2 1 0,0-4 0,1 0 0,-4-3 0,0-1 0,1-3 0,-1 2 0,1 3 0,1 0 0,2 2 0,0 1 0,1 1 0,-1 4 0,0 1 0,0-1 0,0 0 0,1 0 0,0-2 0,1 0 0,0-1 0,-5 2 0,1 0 0,0 2 0,0-2 0,1 0 0,0 0 0,-1-1 0,2-1 0,0 2 0,-1-3 0,0 2 0,0-2 0,1 0 0,1 2 0,1-2 0,-1 3 0,1 4 0</inkml:trace>
+</inkml:ink>
+</file>
+
+<file path=ppt/ink/ink5.xml><?xml version="1.0" encoding="utf-8"?>
+<inkml:ink xmlns:inkml="http://www.w3.org/2003/InkML">
+  <inkml:definitions>
+    <inkml:context xml:id="ctx0">
+      <inkml:inkSource xml:id="inkSrc0">
+        <inkml:traceFormat>
+          <inkml:channel name="X" type="integer" min="-2.14748E9" max="2.14748E9" units="cm"/>
+          <inkml:channel name="Y" type="integer" min="-2.14748E9" max="2.14748E9" units="cm"/>
+          <inkml:channel name="F" type="integer" max="32767" units="dev"/>
+        </inkml:traceFormat>
+        <inkml:channelProperties>
+          <inkml:channelProperty channel="X" name="resolution" value="1000" units="1/cm"/>
+          <inkml:channelProperty channel="Y" name="resolution" value="1000" units="1/cm"/>
+          <inkml:channelProperty channel="F" name="resolution" value="0" units="1/dev"/>
+        </inkml:channelProperties>
+      </inkml:inkSource>
+      <inkml:timestamp xml:id="ts0" timeString="2023-11-10T11:45:50.435"/>
+    </inkml:context>
+    <inkml:brush xml:id="br0">
+      <inkml:brushProperty name="width" value="0.05" units="cm"/>
+      <inkml:brushProperty name="height" value="0.05" units="cm"/>
+      <inkml:brushProperty name="color" value="#FF4E00"/>
+      <inkml:brushProperty name="inkEffects" value="rainbow"/>
+      <inkml:brushProperty name="anchorX" value="17421.83008"/>
+      <inkml:brushProperty name="anchorY" value="19988.74609"/>
+      <inkml:brushProperty name="scaleFactor" value="0.5"/>
+    </inkml:brush>
+  </inkml:definitions>
+  <inkml:trace contextRef="#ctx0" brushRef="#br0">2909 3364 24575,'0'0'0,"0"-4"0,-2-1 0,-5 0 0,-2 0 0,-1 0 0,-4-4 0,-5 2 0,0-1 0,1 1 0,0-1 0,-4-2 0,-2 1 0,1 0 0,-2-3 0,-2 0 0,-2 1 0,-3-1 0,-2-2 0,4 2 0,2 0 0,4 2 0,5 4 0,1 0 0,3-3 0,-1-1 0,1 2 0,2-1 0,-4-3 0,-2 1 0,-4-4 0,2 1 0,-3 1 0,2 2 0,-2-1 0,0-1 0,-1-1 0,2 2 0,2 0 0,1 3 0,3-2 0,2 1 0,-3-1 0,-1-2 0,1 1 0,0 1 0,-4-2 0,2 0 0,-3-2 0,-3 1 0,-4-2 0,-2-4 0,-1-2 0,-6-1 0,3 3 0,0-1 0,0 2 0,0-3 0,0 1 0,1-1 0,-1-2 0,-1 1 0,2-3 0,0 0 0,-1-2 0,4 1 0,4 4 0,0 0 0,4 4 0,0-2 0,3 3 0,0-2 0,3 3 0,0-3 0,2-1 0,1 2 0,0 4 0,2 1 0,2 1 0,-2 0 0,1 1 0,-1-5 0,-1-1 0,0-4 0,-2 1 0,1 1 0,1 0 0,-2 5 0,3 1 0,1 1 0,1 0 0,3 0 0,-2 4 0,2-3 0,-1 1 0,-2 2 0,1 0 0,1-3 0,1 1 0,0 1 0,-2 0 0,1-1 0,0-1 0,-1-3 0,-2 1 0,0 0 0,-1-2 0,2 1 0,-1 1 0,0-1 0,3 0 0,-3 3 0,3 1 0,-1-1 0,1 0 0,1-2 0,-1 0 0,-2 0 0,-2-4 0,0-1 0,1 0 0,1 2 0,3-1 0,-4-2 0,2 1 0,-3-1 0,2 1 0,1-1 0,-3 0 0,3 1 0,-1 1 0,4 2 0,-1 4 0,2-1 0,2 1 0,-3-1 0,-1-1 0,1 1 0,-2-2 0,-1-4 0,0 1 0,0-4 0,-2 1 0,2 0 0,-1 2 0,3 3 0,0-1 0,2 1 0,-2 0 0,0 1 0,0 1 0,2-2 0,-3 2 0,1 0 0,-1-1 0,2 0 0,0-3 0,-3 1 0,1-2 0,2 1 0,0 0 0,1 1 0,-2 2 0,1-1 0,1 1 0,-1 1 0,2-1 0,-1 1 0,2-4 0,0 0 0,-3 0 0,1 0 0,1 2 0,-1 4 0,1-1 0,1 1 0,2-2 0,-2 0 0,1 1 0,1-2 0,0 0 0,-4 4 0,1 0 0,1-1 0,0-1 0,-1 3 0,1 1 0,1-3 0,-1 0 0,0-2 0,2 0 0,0 0 0,-4 3 0,1-2 0,0 1 0,-1 0 0,1-2 0,1 1 0,-3-3 0,1 1 0,1 1 0,1-2 0,-1 3 0,2 1 0,0 1 0,1-1 0,-2 1 0,1 1 0,1 0 0,-4 2 0,0-2 0,1-5 0,-1 2 0,1-1 0,1 1 0,1-1 0,0 3 0,0-1 0,0 0 0,1-1 0,1 1 0,-4 2 0,1-2 0,-1 0 0,1 1 0,2-3 0,-2 3 0,1-1 0,1 2 0,0-3 0,1 0 0,0-2 0,1 1 0,-2 2 0,-1 0 0,1 0 0,1 2 0</inkml:trace>
+</inkml:ink>
+</file>
+
+<file path=ppt/ink/ink6.xml><?xml version="1.0" encoding="utf-8"?>
+<inkml:ink xmlns:inkml="http://www.w3.org/2003/InkML">
+  <inkml:definitions>
+    <inkml:context xml:id="ctx0">
+      <inkml:inkSource xml:id="inkSrc0">
+        <inkml:traceFormat>
+          <inkml:channel name="X" type="integer" min="-2.14748E9" max="2.14748E9" units="cm"/>
+          <inkml:channel name="Y" type="integer" min="-2.14748E9" max="2.14748E9" units="cm"/>
+          <inkml:channel name="F" type="integer" max="32767" units="dev"/>
+        </inkml:traceFormat>
+        <inkml:channelProperties>
+          <inkml:channelProperty channel="X" name="resolution" value="1000" units="1/cm"/>
+          <inkml:channelProperty channel="Y" name="resolution" value="1000" units="1/cm"/>
+          <inkml:channelProperty channel="F" name="resolution" value="0" units="1/dev"/>
+        </inkml:channelProperties>
+      </inkml:inkSource>
+      <inkml:timestamp xml:id="ts0" timeString="2023-11-10T11:41:21.064"/>
+    </inkml:context>
+    <inkml:brush xml:id="br0">
+      <inkml:brushProperty name="width" value="0.05" units="cm"/>
+      <inkml:brushProperty name="height" value="0.05" units="cm"/>
+      <inkml:brushProperty name="color" value="#FF4E00"/>
+      <inkml:brushProperty name="inkEffects" value="rainbow"/>
+      <inkml:brushProperty name="anchorX" value="0"/>
+      <inkml:brushProperty name="anchorY" value="0"/>
+      <inkml:brushProperty name="scaleFactor" value="0.5"/>
+    </inkml:brush>
+  </inkml:definitions>
+  <inkml:trace contextRef="#ctx0" brushRef="#br0">1 3200 24575,'0'0'0,"0"-2"0,0-3 0,2-6 0,2-4 0,7-6 0,13-4 0,2-6 0,10-3 0,7 1 0,1 3 0,-1 3 0,16-1 0,-2 2 0,-3 0 0,6 4 0,-9 1 0,-5 3 0,-9 0 0,-1 2 0,-6 0 0,-3 0 0,-6 4 0,-3 1 0,1-3 0,0-3 0,-1 1 0,0 0 0,-1-1 0,-2 1 0,1 0 0,-1 0 0,-1 1 0,3-3 0,2 4 0,-1-3 0,-3 3 0,3-5 0,0 2 0,-3-2 0,-1 2 0,-2-1 0,-2 1 0,0 2 0,-1-1 0,-1 1 0,-1 1 0,-2-1 0,0 1 0,-1-5 0,-1 2 0,-1-2 0,3-3 0,0 2 0,0-1 0,-1 2 0,0-2 0,0 1 0,-1 1 0,-1 1 0,-1-3 0,0 3 0,-1-2 0,0 3 0,0 1 0,0-1 0,0 2 0,0 1 0,0-3 0,0-2 0,0-3 0,0 0 0,0 3 0,0-1 0,0 3 0,0-1 0,0 2 0,-3 1 0,1 0 0,0 0 0,0 2 0,1-5 0,-5 0 0,1-1 0,-1 2 0,0 0 0,1 1 0,1 1 0,0-1 0,0 2 0,2-2 0,-4 1 0,0 0 0,1 0 0,-1 0 0,1 1 0,1-1 0,-3 1 0,1 0 0,1-2 0,-1 2 0,1-2 0,1 1 0,0 0 0,0 0 0,1 0 0,1 1 0,-4-2 0,1 2 0,1 0 0,0-1 0,1 0 0,2-1 0,0 1 0,1 1 0,0-2 0,0 1 0,-2 1 0,0-1 0,0 0 0,0 2 0,1-3 0,0 2 0,1-2 0,-1 1 0,1 0 0,0 0 0,1-5 0,-1 2 0,0-4 0,0 2 0,0-1 0,0 2 0,0 2 0,0 0 0,0-2 0,0 0 0,0 2 0,0-1 0,4 4 0,1 1 0,-1 2 0,0-2 0,-2 1 0,0-3 0,-1 1 0,-1 0 0,3-2 0,-1 1 0,0 1 0,-1-1 0,1 0 0,-2-3 0,3 1 0,-1-2 0,1 1 0,3-2 0,0-4 0,-1 0 0,1 2 0,-1 2 0,-1 1 0,3 4 0,-1 2 0,-1 2 0,-1-1 0,-1 0 0,1 1 0,-2 2 0,1-3 0,1 0 0,-1-2 0,0 0 0,3 2 0,0 1 0,-1-2 0,-1 1 0,1 2 0,-1 0 0,-1-2 0,1 3 0,0-1 0,-1 0 0,3 2 0,0-2 0,-1 0 0,1 1 0,-1-2 0,3-1 0,0 1 0,0-3 0,-1 0 0,-2 0 0,0 3 0,0-1 0,2 0 0,0 0 0,0-1 0,0-1 0,-2 3 0</inkml:trace>
+</inkml:ink>
+</file>
+
+<file path=ppt/ink/ink7.xml><?xml version="1.0" encoding="utf-8"?>
+<inkml:ink xmlns:inkml="http://www.w3.org/2003/InkML">
+  <inkml:definitions>
+    <inkml:context xml:id="ctx0">
+      <inkml:inkSource xml:id="inkSrc0">
+        <inkml:traceFormat>
+          <inkml:channel name="X" type="integer" min="-2.14748E9" max="2.14748E9" units="cm"/>
+          <inkml:channel name="Y" type="integer" min="-2.14748E9" max="2.14748E9" units="cm"/>
+          <inkml:channel name="F" type="integer" max="32767" units="dev"/>
+        </inkml:traceFormat>
+        <inkml:channelProperties>
+          <inkml:channelProperty channel="X" name="resolution" value="1000" units="1/cm"/>
+          <inkml:channelProperty channel="Y" name="resolution" value="1000" units="1/cm"/>
+          <inkml:channelProperty channel="F" name="resolution" value="0" units="1/dev"/>
+        </inkml:channelProperties>
+      </inkml:inkSource>
+      <inkml:timestamp xml:id="ts0" timeString="2023-11-10T11:43:20.599"/>
+    </inkml:context>
+    <inkml:brush xml:id="br0">
+      <inkml:brushProperty name="width" value="0.05" units="cm"/>
+      <inkml:brushProperty name="height" value="0.05" units="cm"/>
+      <inkml:brushProperty name="color" value="#FF4E00"/>
+      <inkml:brushProperty name="inkEffects" value="rainbow"/>
+      <inkml:brushProperty name="anchorX" value="-2072.89478"/>
+      <inkml:brushProperty name="anchorY" value="2352.7666"/>
+      <inkml:brushProperty name="scaleFactor" value="0.5"/>
+    </inkml:brush>
+  </inkml:definitions>
+  <inkml:trace contextRef="#ctx0" brushRef="#br0">1418 3283 24575,'0'0'0,"0"-3"0,0-5 0,-2 1 0,0-1 0,0-3 0,-2-1 0,0-2 0,1-1 0,-1 2 0,0 2 0,-4-4 0,2-2 0,0 0 0,-1 1 0,2-1 0,-3 3 0,0-2 0,0 2 0,2 1 0,0 1 0,1 3 0,1-1 0,1-1 0,-4 2 0,1 1 0,1-4 0,-1 3 0,1-1 0,-3 3 0,1-3 0,-1-1 0,-1 1 0,-2-4 0,-2-4 0,-2-4 0,-4-4 0,-2-2 0,0-1 0,-2-1 0,-4-4 0,1 4 0,1 4 0,3 2 0,5 4 0,3 6 0,0 3 0,4-1 0,1 2 0,2 1 0,0 0 0,-3 2 0,0-3 0,-4-4 0,-4-6 0,-7-6 0,1-5 0,-4 0 0,1 3 0,5 4 0,4 3 0,1 5 0,2 3 0,4 2 0,1-1 0,-2 2 0,3 0 0,0 3 0,2-1 0,-1-2 0,-2 0 0,0-4 0,-2 0 0,-2 0 0,3-1 0,-1 2 0,3 1 0,-2 1 0,1-2 0,-1 0 0,2-2 0,-2 3 0,2 0 0,0 1 0,1-2 0,1 2 0,1 1 0,-2 0 0,1-3 0,-1 1 0,1-1 0,-2-4 0,-1-1 0,1-1 0,2 0 0,0 1 0,2 2 0,-3-1 0,1 2 0,-1 3 0,2 1 0,1-3 0,0-2 0,0-1 0,-2 1 0,0-1 0,2 2 0,-2 0 0,2-1 0,-3-3 0,1 1 0,-1-2 0,1 2 0,2 2 0,-1-1 0,2 1 0,1 2 0,-4 3 0,2-3 0,-3-2 0,2-4 0,-3 0 0,1 1 0,2-2 0,1-1 0,0 2 0,1-2 0,-1 2 0,1-3 0,0 3 0,-2-3 0,0 0 0,-2-2 0,2 2 0,-3-2 0,1 1 0,-1-2 0,2-2 0,-2-1 0,1-2 0,-1 4 0,-2 1 0,1 4 0,2 3 0,3 2 0,1 2 0,0 3 0,1 0 0,1 0 0,0 1 0,1-5 0,1-2 0,0 1 0,0 0 0,-2-1 0,0-2 0,0-4 0,0 2 0,1 1 0,0 1 0,1 2 0,-1 2 0,1 1 0,0 0 0,-4 3 0,0 0 0,-1 0 0,2 0 0,0-2 0,2 1 0,0 0 0,0-3 0,1-2 0,-2-5 0,0 1 0,0-1 0,0 3 0,-3 2 0,-1 0 0,2 3 0,0 0 0,-1 5 0,1-2 0,1 0 0,1-1 0,0 0 0,2-1 0,-1-1 0,1 1 0,1 0 0,-1-2 0,0 2 0,0 0 0,0-2 0,0 2 0,0-2 0,0 0 0,0 2 0,0-2 0,0 1 0,0 1 0,0-1 0,0 1 0,0-2 0,0 2 0</inkml:trace>
+</inkml:ink>
+</file>
+
+<file path=ppt/ink/ink8.xml><?xml version="1.0" encoding="utf-8"?>
+<inkml:ink xmlns:inkml="http://www.w3.org/2003/InkML">
+  <inkml:definitions>
+    <inkml:context xml:id="ctx0">
+      <inkml:inkSource xml:id="inkSrc0">
+        <inkml:traceFormat>
+          <inkml:channel name="X" type="integer" min="-2.14748E9" max="2.14748E9" units="cm"/>
+          <inkml:channel name="Y" type="integer" min="-2.14748E9" max="2.14748E9" units="cm"/>
+          <inkml:channel name="F" type="integer" max="32767" units="dev"/>
+        </inkml:traceFormat>
+        <inkml:channelProperties>
+          <inkml:channelProperty channel="X" name="resolution" value="1000" units="1/cm"/>
+          <inkml:channelProperty channel="Y" name="resolution" value="1000" units="1/cm"/>
+          <inkml:channelProperty channel="F" name="resolution" value="0" units="1/dev"/>
+        </inkml:channelProperties>
+      </inkml:inkSource>
+      <inkml:timestamp xml:id="ts0" timeString="2023-11-10T11:45:36.759"/>
+    </inkml:context>
+    <inkml:brush xml:id="br0">
+      <inkml:brushProperty name="width" value="0.05" units="cm"/>
+      <inkml:brushProperty name="height" value="0.05" units="cm"/>
+      <inkml:brushProperty name="color" value="#FF4E00"/>
+      <inkml:brushProperty name="inkEffects" value="rainbow"/>
+      <inkml:brushProperty name="anchorX" value="14359.74414"/>
+      <inkml:brushProperty name="anchorY" value="18289.45703"/>
+      <inkml:brushProperty name="scaleFactor" value="0.5"/>
+    </inkml:brush>
+  </inkml:definitions>
+  <inkml:trace contextRef="#ctx0" brushRef="#br0">175 1 24575,'0'0'0,"0"4"0,0 3 0,0 2 0,0 3 0,0 2 0,0 0 0,-2 1 0,0 0 0,0 2 0,0-1 0,-1-4 0,0 0 0,0 0 0,1 1 0,-4-1 0,1 2 0,0 0 0,1-1 0,2 2 0,-2-2 0,1 3 0,0-1 0,1 0 0,-3 2 0,0 2 0,0 0 0,1 3 0,0-1 0,0 0 0,1-2 0,1-2 0,-2-1 0,1-1 0,1 2 0,0-2 0,-4-1 0,1 1 0,0 0 0,2-1 0,0 1 0,1-1 0,2 0 0,-3 4 0,1 1 0,0-1 0,0 3 0,1-1 0,0 1 0,1-3 0,-2 1 0,0-3 0,0 4 0,0-2 0,1 1 0,0-1 0,1-2 0,-1 0 0,1-1 0,0-1 0,1 1 0,-6 0 0,1-2 0,0 5 0,0 3 0,1 1 0,2 4 0,0-2 0,0-2 0,1-2 0,0 4 0,1 1 0,-1 2 0,0-2 0,0 0 0,0-2 0,0-1 0,0-2 0,0-4 0,0 1 0,0-3 0,0 5 0,0 2 0,0 0 0,0 3 0,0 0 0,0 2 0,0-3 0,0 3 0,0-4 0,0 0 0,0 1 0,0-2 0,0 2 0,0-2 0,0 2 0,0-2 0,0-1 0,0-1 0,0 2 0,0-3 0,0 2 0,0 2 0,0 3 0,0-2 0,0 2 0,0 2 0,0 2 0,0-1 0,0-3 0,0-4 0,0 1 0,0 1 0,0 1 0,0 2 0,0 2 0,0 2 0,0 1 0,0 5 0,0 1 0,0 1 0,0-2 0,0-4 0,0-2 0,0-3 0,0-4 0,0-4 0,0-1 0,-2-2 0,0 0 0,-1-1 0,1 3 0,1-1 0,0 4 0,1-1 0,0 2 0,0 1 0,0-2 0,0-2 0,0-1 0,0-2 0,0 1 0,0-1 0,0-2 0,0 1 0,0 4 0,0-1 0,0 0 0,0 0 0,0-2 0,0-1 0,0 1 0,0 3 0,0-1 0,0 0 0,0 0 0,0-2 0,0-1 0,0 1 0,0-1 0,0 1 0,0-1 0,0-1 0,0 2 0,0-2 0,4-2 0,1-1 0,-1 1 0,0 0 0,1-2 0,-1 0 0,-1 1 0,-1 1 0,0 2 0,-2 1 0,3-1 0,-1-3 0</inkml:trace>
+</inkml:ink>
+</file>
+
+<file path=ppt/ink/ink9.xml><?xml version="1.0" encoding="utf-8"?>
+<inkml:ink xmlns:inkml="http://www.w3.org/2003/InkML">
+  <inkml:definitions>
+    <inkml:context xml:id="ctx0">
+      <inkml:inkSource xml:id="inkSrc0">
+        <inkml:traceFormat>
+          <inkml:channel name="X" type="integer" min="-2.14748E9" max="2.14748E9" units="cm"/>
+          <inkml:channel name="Y" type="integer" min="-2.14748E9" max="2.14748E9" units="cm"/>
+          <inkml:channel name="F" type="integer" max="32767" units="dev"/>
+        </inkml:traceFormat>
+        <inkml:channelProperties>
+          <inkml:channelProperty channel="X" name="resolution" value="1000" units="1/cm"/>
+          <inkml:channelProperty channel="Y" name="resolution" value="1000" units="1/cm"/>
+          <inkml:channelProperty channel="F" name="resolution" value="0" units="1/dev"/>
+        </inkml:channelProperties>
+      </inkml:inkSource>
+      <inkml:timestamp xml:id="ts0" timeString="2023-11-10T11:45:43.166"/>
+    </inkml:context>
+    <inkml:brush xml:id="br0">
+      <inkml:brushProperty name="width" value="0.05" units="cm"/>
+      <inkml:brushProperty name="height" value="0.05" units="cm"/>
+      <inkml:brushProperty name="color" value="#FF4E00"/>
+      <inkml:brushProperty name="inkEffects" value="rainbow"/>
+      <inkml:brushProperty name="anchorX" value="15342.87305"/>
+      <inkml:brushProperty name="anchorY" value="15837.39355"/>
+      <inkml:brushProperty name="scaleFactor" value="0.5"/>
+    </inkml:brush>
+  </inkml:definitions>
+  <inkml:trace contextRef="#ctx0" brushRef="#br0">1232 3305 24575,'0'0'0,"0"-2"0,0-5 0,0-1 0,-4-8 0,-3-4 0,-4-8 0,-3-3 0,-2 2 0,-4-1 0,3 1 0,-1 1 0,1 3 0,2-1 0,0 4 0,2-2 0,2 1 0,0 3 0,3-3 0,-2 3 0,2 0 0,-1-3 0,-2 3 0,2 1 0,-1-1 0,2-1 0,-2 1 0,0-2 0,1 3 0,0-2 0,2 3 0,-2 0 0,-1 1 0,2 2 0,-3-1 0,-1 2 0,1 0 0,1-1 0,-1 1 0,1-2 0,-4-4 0,3 1 0,-1-3 0,-2 1 0,1-2 0,0 0 0,-6-5 0,0 1 0,0 1 0,-2 0 0,-1 2 0,2-3 0,0 4 0,4 2 0,2 2 0,4 2 0,2 2 0,2-1 0,-2-2 0,-3-4 0,-1 0 0,1 0 0,0-2 0,3 2 0,-2 0 0,2 2 0,-1-1 0,3 2 0,-4-1 0,3 3 0,-2 1 0,2 0 0,-2-6 0,1-1 0,0 1 0,1 0 0,2 3 0,-1 2 0,2 0 0,-3-3 0,-2 2 0,1 0 0,-3-2 0,2-3 0,0 0 0,1 1 0,-2-2 0,2 0 0,-1 3 0,3 2 0,-2 1 0,3 2 0,0 2 0,-2 3 0,1-1 0,1 1 0,-1-5 0,2 0 0,-2 3 0,1-4 0,-3-1 0,1 1 0,1 0 0,0 0 0,0 1 0,2 0 0,-2 2 0,0 2 0,0 1 0,3-2 0,-2 0 0,1 1 0,1-2 0,1-1 0,-1-3 0,0 1 0,0-2 0,1 1 0,1 0 0,1-1 0,-1-1 0,1-3 0,0 2 0,0 2 0,-4-3 0,0 1 0,-1-3 0,2 2 0,0 2 0,2 0 0,0 3 0,0 0 0,1 1 0,0 2 0,-2-2 0,0 2 0,1-4 0,-1 0 0,1 0 0,-5 0 0,1 2 0,1 0 0,0 1 0,1 0 0,2 0 0,-2 1 0,0-4 0,1 0 0,-4-3 0,0-1 0,1-3 0,-1 2 0,1 3 0,1 0 0,2 2 0,0 1 0,1 1 0,-1 4 0,0 1 0,0-1 0,0 0 0,1 0 0,0-2 0,1 0 0,0-1 0,-5 2 0,1 0 0,0 2 0,0-2 0,1 0 0,0 0 0,-1-1 0,2-1 0,0 2 0,-1-3 0,0 2 0,0-2 0,1 0 0,1 2 0,1-2 0,-1 3 0,1 4 0</inkml:trace>
+</inkml:ink>
 </file>
 
 <file path=ppt/slideLayouts/slideLayout1.xml><?xml version="1.0" encoding="utf-8"?>
@@ -254,7 +589,7 @@
           <a:p>
             <a:fld id="{30300E16-DE0E-432C-94AA-490988F82965}" type="datetimeFigureOut">
               <a:rPr lang="de-DE" smtClean="0"/>
-              <a:t>08.11.2023</a:t>
+              <a:t>22.11.23</a:t>
             </a:fld>
             <a:endParaRPr lang="de-DE"/>
           </a:p>
@@ -452,7 +787,7 @@
           <a:p>
             <a:fld id="{30300E16-DE0E-432C-94AA-490988F82965}" type="datetimeFigureOut">
               <a:rPr lang="de-DE" smtClean="0"/>
-              <a:t>08.11.2023</a:t>
+              <a:t>22.11.23</a:t>
             </a:fld>
             <a:endParaRPr lang="de-DE"/>
           </a:p>
@@ -660,7 +995,7 @@
           <a:p>
             <a:fld id="{30300E16-DE0E-432C-94AA-490988F82965}" type="datetimeFigureOut">
               <a:rPr lang="de-DE" smtClean="0"/>
-              <a:t>08.11.2023</a:t>
+              <a:t>22.11.23</a:t>
             </a:fld>
             <a:endParaRPr lang="de-DE"/>
           </a:p>
@@ -858,7 +1193,7 @@
           <a:p>
             <a:fld id="{30300E16-DE0E-432C-94AA-490988F82965}" type="datetimeFigureOut">
               <a:rPr lang="de-DE" smtClean="0"/>
-              <a:t>08.11.2023</a:t>
+              <a:t>22.11.23</a:t>
             </a:fld>
             <a:endParaRPr lang="de-DE"/>
           </a:p>
@@ -1133,7 +1468,7 @@
           <a:p>
             <a:fld id="{30300E16-DE0E-432C-94AA-490988F82965}" type="datetimeFigureOut">
               <a:rPr lang="de-DE" smtClean="0"/>
-              <a:t>08.11.2023</a:t>
+              <a:t>22.11.23</a:t>
             </a:fld>
             <a:endParaRPr lang="de-DE"/>
           </a:p>
@@ -1398,7 +1733,7 @@
           <a:p>
             <a:fld id="{30300E16-DE0E-432C-94AA-490988F82965}" type="datetimeFigureOut">
               <a:rPr lang="de-DE" smtClean="0"/>
-              <a:t>08.11.2023</a:t>
+              <a:t>22.11.23</a:t>
             </a:fld>
             <a:endParaRPr lang="de-DE"/>
           </a:p>
@@ -1810,7 +2145,7 @@
           <a:p>
             <a:fld id="{30300E16-DE0E-432C-94AA-490988F82965}" type="datetimeFigureOut">
               <a:rPr lang="de-DE" smtClean="0"/>
-              <a:t>08.11.2023</a:t>
+              <a:t>22.11.23</a:t>
             </a:fld>
             <a:endParaRPr lang="de-DE"/>
           </a:p>
@@ -1951,7 +2286,7 @@
           <a:p>
             <a:fld id="{30300E16-DE0E-432C-94AA-490988F82965}" type="datetimeFigureOut">
               <a:rPr lang="de-DE" smtClean="0"/>
-              <a:t>08.11.2023</a:t>
+              <a:t>22.11.23</a:t>
             </a:fld>
             <a:endParaRPr lang="de-DE"/>
           </a:p>
@@ -2064,7 +2399,7 @@
           <a:p>
             <a:fld id="{30300E16-DE0E-432C-94AA-490988F82965}" type="datetimeFigureOut">
               <a:rPr lang="de-DE" smtClean="0"/>
-              <a:t>08.11.2023</a:t>
+              <a:t>22.11.23</a:t>
             </a:fld>
             <a:endParaRPr lang="de-DE"/>
           </a:p>
@@ -2375,7 +2710,7 @@
           <a:p>
             <a:fld id="{30300E16-DE0E-432C-94AA-490988F82965}" type="datetimeFigureOut">
               <a:rPr lang="de-DE" smtClean="0"/>
-              <a:t>08.11.2023</a:t>
+              <a:t>22.11.23</a:t>
             </a:fld>
             <a:endParaRPr lang="de-DE"/>
           </a:p>
@@ -2663,7 +2998,7 @@
           <a:p>
             <a:fld id="{30300E16-DE0E-432C-94AA-490988F82965}" type="datetimeFigureOut">
               <a:rPr lang="de-DE" smtClean="0"/>
-              <a:t>08.11.2023</a:t>
+              <a:t>22.11.23</a:t>
             </a:fld>
             <a:endParaRPr lang="de-DE"/>
           </a:p>
@@ -2904,7 +3239,7 @@
           <a:p>
             <a:fld id="{30300E16-DE0E-432C-94AA-490988F82965}" type="datetimeFigureOut">
               <a:rPr lang="de-DE" smtClean="0"/>
-              <a:t>08.11.2023</a:t>
+              <a:t>22.11.23</a:t>
             </a:fld>
             <a:endParaRPr lang="de-DE"/>
           </a:p>
@@ -5647,6 +5982,7000 @@
 </p:sld>
 </file>
 
+<file path=ppt/slides/slide2.xml><?xml version="1.0" encoding="utf-8"?>
+<p:sld xmlns:a="http://schemas.openxmlformats.org/drawingml/2006/main" xmlns:r="http://schemas.openxmlformats.org/officeDocument/2006/relationships" xmlns:p="http://schemas.openxmlformats.org/presentationml/2006/main">
+  <p:cSld>
+    <p:bg>
+      <p:bgPr>
+        <a:solidFill>
+          <a:srgbClr val="E8E9EB"/>
+        </a:solidFill>
+        <a:effectLst/>
+      </p:bgPr>
+    </p:bg>
+    <p:spTree>
+      <p:nvGrpSpPr>
+        <p:cNvPr id="1" name=""/>
+        <p:cNvGrpSpPr/>
+        <p:nvPr/>
+      </p:nvGrpSpPr>
+      <p:grpSpPr>
+        <a:xfrm>
+          <a:off x="0" y="0"/>
+          <a:ext cx="0" cy="0"/>
+          <a:chOff x="0" y="0"/>
+          <a:chExt cx="0" cy="0"/>
+        </a:xfrm>
+      </p:grpSpPr>
+      <p:sp>
+        <p:nvSpPr>
+          <p:cNvPr id="29" name="Rechteck 28">
+            <a:extLst>
+              <a:ext uri="{FF2B5EF4-FFF2-40B4-BE49-F238E27FC236}">
+                <a16:creationId xmlns:a16="http://schemas.microsoft.com/office/drawing/2014/main" id="{908F3E7E-7BDA-80DB-6A4C-54221170B9B4}"/>
+              </a:ext>
+            </a:extLst>
+          </p:cNvPr>
+          <p:cNvSpPr/>
+          <p:nvPr/>
+        </p:nvSpPr>
+        <p:spPr>
+          <a:xfrm>
+            <a:off x="4801528" y="853468"/>
+            <a:ext cx="2555637" cy="1579394"/>
+          </a:xfrm>
+          <a:prstGeom prst="rect">
+            <a:avLst/>
+          </a:prstGeom>
+          <a:solidFill>
+            <a:srgbClr val="E0DFD5"/>
+          </a:solidFill>
+          <a:ln>
+            <a:noFill/>
+          </a:ln>
+        </p:spPr>
+        <p:style>
+          <a:lnRef idx="2">
+            <a:schemeClr val="accent1">
+              <a:shade val="15000"/>
+            </a:schemeClr>
+          </a:lnRef>
+          <a:fillRef idx="1">
+            <a:schemeClr val="accent1"/>
+          </a:fillRef>
+          <a:effectRef idx="0">
+            <a:schemeClr val="accent1"/>
+          </a:effectRef>
+          <a:fontRef idx="minor">
+            <a:schemeClr val="lt1"/>
+          </a:fontRef>
+        </p:style>
+        <p:txBody>
+          <a:bodyPr rtlCol="0" anchor="ctr"/>
+          <a:lstStyle/>
+          <a:p>
+            <a:pPr algn="ctr"/>
+            <a:endParaRPr lang="de-DE"/>
+          </a:p>
+        </p:txBody>
+      </p:sp>
+      <p:sp>
+        <p:nvSpPr>
+          <p:cNvPr id="28" name="Rechteck 27">
+            <a:extLst>
+              <a:ext uri="{FF2B5EF4-FFF2-40B4-BE49-F238E27FC236}">
+                <a16:creationId xmlns:a16="http://schemas.microsoft.com/office/drawing/2014/main" id="{B829376F-5E50-8538-40D2-6C19DDE59146}"/>
+              </a:ext>
+            </a:extLst>
+          </p:cNvPr>
+          <p:cNvSpPr/>
+          <p:nvPr/>
+        </p:nvSpPr>
+        <p:spPr>
+          <a:xfrm>
+            <a:off x="783911" y="853468"/>
+            <a:ext cx="2555637" cy="1579394"/>
+          </a:xfrm>
+          <a:prstGeom prst="rect">
+            <a:avLst/>
+          </a:prstGeom>
+          <a:solidFill>
+            <a:srgbClr val="E0DFD5"/>
+          </a:solidFill>
+          <a:ln>
+            <a:noFill/>
+          </a:ln>
+        </p:spPr>
+        <p:style>
+          <a:lnRef idx="2">
+            <a:schemeClr val="accent1">
+              <a:shade val="15000"/>
+            </a:schemeClr>
+          </a:lnRef>
+          <a:fillRef idx="1">
+            <a:schemeClr val="accent1"/>
+          </a:fillRef>
+          <a:effectRef idx="0">
+            <a:schemeClr val="accent1"/>
+          </a:effectRef>
+          <a:fontRef idx="minor">
+            <a:schemeClr val="lt1"/>
+          </a:fontRef>
+        </p:style>
+        <p:txBody>
+          <a:bodyPr rtlCol="0" anchor="ctr"/>
+          <a:lstStyle/>
+          <a:p>
+            <a:pPr algn="ctr"/>
+            <a:endParaRPr lang="de-DE"/>
+          </a:p>
+        </p:txBody>
+      </p:sp>
+      <p:sp>
+        <p:nvSpPr>
+          <p:cNvPr id="4" name="Rechteck 3">
+            <a:extLst>
+              <a:ext uri="{FF2B5EF4-FFF2-40B4-BE49-F238E27FC236}">
+                <a16:creationId xmlns:a16="http://schemas.microsoft.com/office/drawing/2014/main" id="{504D0172-DBDF-8023-BA41-95A540E70CB2}"/>
+              </a:ext>
+            </a:extLst>
+          </p:cNvPr>
+          <p:cNvSpPr/>
+          <p:nvPr/>
+        </p:nvSpPr>
+        <p:spPr>
+          <a:xfrm>
+            <a:off x="1331874" y="4730459"/>
+            <a:ext cx="1743586" cy="1171466"/>
+          </a:xfrm>
+          <a:custGeom>
+            <a:avLst/>
+            <a:gdLst>
+              <a:gd name="connsiteX0" fmla="*/ 0 w 1743586"/>
+              <a:gd name="connsiteY0" fmla="*/ 0 h 1171466"/>
+              <a:gd name="connsiteX1" fmla="*/ 616067 w 1743586"/>
+              <a:gd name="connsiteY1" fmla="*/ 0 h 1171466"/>
+              <a:gd name="connsiteX2" fmla="*/ 1162391 w 1743586"/>
+              <a:gd name="connsiteY2" fmla="*/ 0 h 1171466"/>
+              <a:gd name="connsiteX3" fmla="*/ 1743586 w 1743586"/>
+              <a:gd name="connsiteY3" fmla="*/ 0 h 1171466"/>
+              <a:gd name="connsiteX4" fmla="*/ 1743586 w 1743586"/>
+              <a:gd name="connsiteY4" fmla="*/ 574018 h 1171466"/>
+              <a:gd name="connsiteX5" fmla="*/ 1743586 w 1743586"/>
+              <a:gd name="connsiteY5" fmla="*/ 1171466 h 1171466"/>
+              <a:gd name="connsiteX6" fmla="*/ 1197262 w 1743586"/>
+              <a:gd name="connsiteY6" fmla="*/ 1171466 h 1171466"/>
+              <a:gd name="connsiteX7" fmla="*/ 668375 w 1743586"/>
+              <a:gd name="connsiteY7" fmla="*/ 1171466 h 1171466"/>
+              <a:gd name="connsiteX8" fmla="*/ 0 w 1743586"/>
+              <a:gd name="connsiteY8" fmla="*/ 1171466 h 1171466"/>
+              <a:gd name="connsiteX9" fmla="*/ 0 w 1743586"/>
+              <a:gd name="connsiteY9" fmla="*/ 609162 h 1171466"/>
+              <a:gd name="connsiteX10" fmla="*/ 0 w 1743586"/>
+              <a:gd name="connsiteY10" fmla="*/ 0 h 1171466"/>
+            </a:gdLst>
+            <a:ahLst/>
+            <a:cxnLst>
+              <a:cxn ang="0">
+                <a:pos x="connsiteX0" y="connsiteY0"/>
+              </a:cxn>
+              <a:cxn ang="0">
+                <a:pos x="connsiteX1" y="connsiteY1"/>
+              </a:cxn>
+              <a:cxn ang="0">
+                <a:pos x="connsiteX2" y="connsiteY2"/>
+              </a:cxn>
+              <a:cxn ang="0">
+                <a:pos x="connsiteX3" y="connsiteY3"/>
+              </a:cxn>
+              <a:cxn ang="0">
+                <a:pos x="connsiteX4" y="connsiteY4"/>
+              </a:cxn>
+              <a:cxn ang="0">
+                <a:pos x="connsiteX5" y="connsiteY5"/>
+              </a:cxn>
+              <a:cxn ang="0">
+                <a:pos x="connsiteX6" y="connsiteY6"/>
+              </a:cxn>
+              <a:cxn ang="0">
+                <a:pos x="connsiteX7" y="connsiteY7"/>
+              </a:cxn>
+              <a:cxn ang="0">
+                <a:pos x="connsiteX8" y="connsiteY8"/>
+              </a:cxn>
+              <a:cxn ang="0">
+                <a:pos x="connsiteX9" y="connsiteY9"/>
+              </a:cxn>
+              <a:cxn ang="0">
+                <a:pos x="connsiteX10" y="connsiteY10"/>
+              </a:cxn>
+            </a:cxnLst>
+            <a:rect l="l" t="t" r="r" b="b"/>
+            <a:pathLst>
+              <a:path w="1743586" h="1171466" fill="none" extrusionOk="0">
+                <a:moveTo>
+                  <a:pt x="0" y="0"/>
+                </a:moveTo>
+                <a:cubicBezTo>
+                  <a:pt x="274349" y="25851"/>
+                  <a:pt x="341606" y="-27982"/>
+                  <a:pt x="616067" y="0"/>
+                </a:cubicBezTo>
+                <a:cubicBezTo>
+                  <a:pt x="890528" y="27982"/>
+                  <a:pt x="975615" y="-18792"/>
+                  <a:pt x="1162391" y="0"/>
+                </a:cubicBezTo>
+                <a:cubicBezTo>
+                  <a:pt x="1349167" y="18792"/>
+                  <a:pt x="1583239" y="-13247"/>
+                  <a:pt x="1743586" y="0"/>
+                </a:cubicBezTo>
+                <a:cubicBezTo>
+                  <a:pt x="1725715" y="140989"/>
+                  <a:pt x="1741514" y="402086"/>
+                  <a:pt x="1743586" y="574018"/>
+                </a:cubicBezTo>
+                <a:cubicBezTo>
+                  <a:pt x="1745658" y="745950"/>
+                  <a:pt x="1742955" y="901344"/>
+                  <a:pt x="1743586" y="1171466"/>
+                </a:cubicBezTo>
+                <a:cubicBezTo>
+                  <a:pt x="1601313" y="1148887"/>
+                  <a:pt x="1398548" y="1194528"/>
+                  <a:pt x="1197262" y="1171466"/>
+                </a:cubicBezTo>
+                <a:cubicBezTo>
+                  <a:pt x="995976" y="1148404"/>
+                  <a:pt x="810422" y="1150159"/>
+                  <a:pt x="668375" y="1171466"/>
+                </a:cubicBezTo>
+                <a:cubicBezTo>
+                  <a:pt x="526328" y="1192773"/>
+                  <a:pt x="238889" y="1174157"/>
+                  <a:pt x="0" y="1171466"/>
+                </a:cubicBezTo>
+                <a:cubicBezTo>
+                  <a:pt x="-22869" y="992116"/>
+                  <a:pt x="22781" y="838709"/>
+                  <a:pt x="0" y="609162"/>
+                </a:cubicBezTo>
+                <a:cubicBezTo>
+                  <a:pt x="-22781" y="379615"/>
+                  <a:pt x="580" y="144844"/>
+                  <a:pt x="0" y="0"/>
+                </a:cubicBezTo>
+                <a:close/>
+              </a:path>
+              <a:path w="1743586" h="1171466" stroke="0" extrusionOk="0">
+                <a:moveTo>
+                  <a:pt x="0" y="0"/>
+                </a:moveTo>
+                <a:cubicBezTo>
+                  <a:pt x="238368" y="15768"/>
+                  <a:pt x="338279" y="-3650"/>
+                  <a:pt x="546324" y="0"/>
+                </a:cubicBezTo>
+                <a:cubicBezTo>
+                  <a:pt x="754369" y="3650"/>
+                  <a:pt x="962257" y="16230"/>
+                  <a:pt x="1127519" y="0"/>
+                </a:cubicBezTo>
+                <a:cubicBezTo>
+                  <a:pt x="1292782" y="-16230"/>
+                  <a:pt x="1491215" y="12762"/>
+                  <a:pt x="1743586" y="0"/>
+                </a:cubicBezTo>
+                <a:cubicBezTo>
+                  <a:pt x="1746457" y="166353"/>
+                  <a:pt x="1749778" y="360348"/>
+                  <a:pt x="1743586" y="585733"/>
+                </a:cubicBezTo>
+                <a:cubicBezTo>
+                  <a:pt x="1737394" y="811118"/>
+                  <a:pt x="1761966" y="1014292"/>
+                  <a:pt x="1743586" y="1171466"/>
+                </a:cubicBezTo>
+                <a:cubicBezTo>
+                  <a:pt x="1486011" y="1155697"/>
+                  <a:pt x="1356535" y="1144477"/>
+                  <a:pt x="1179827" y="1171466"/>
+                </a:cubicBezTo>
+                <a:cubicBezTo>
+                  <a:pt x="1003119" y="1198455"/>
+                  <a:pt x="797226" y="1143764"/>
+                  <a:pt x="616067" y="1171466"/>
+                </a:cubicBezTo>
+                <a:cubicBezTo>
+                  <a:pt x="434908" y="1199168"/>
+                  <a:pt x="223998" y="1166339"/>
+                  <a:pt x="0" y="1171466"/>
+                </a:cubicBezTo>
+                <a:cubicBezTo>
+                  <a:pt x="16571" y="941373"/>
+                  <a:pt x="-23644" y="797750"/>
+                  <a:pt x="0" y="574018"/>
+                </a:cubicBezTo>
+                <a:cubicBezTo>
+                  <a:pt x="23644" y="350286"/>
+                  <a:pt x="4152" y="183500"/>
+                  <a:pt x="0" y="0"/>
+                </a:cubicBezTo>
+                <a:close/>
+              </a:path>
+            </a:pathLst>
+          </a:custGeom>
+          <a:solidFill>
+            <a:srgbClr val="E0DFD5"/>
+          </a:solidFill>
+          <a:ln>
+            <a:solidFill>
+              <a:srgbClr val="F09D51"/>
+            </a:solidFill>
+            <a:extLst>
+              <a:ext uri="{C807C97D-BFC1-408E-A445-0C87EB9F89A2}">
+                <ask:lineSketchStyleProps xmlns:ask="http://schemas.microsoft.com/office/drawing/2018/sketchyshapes" sd="277475729">
+                  <a:prstGeom prst="rect">
+                    <a:avLst/>
+                  </a:prstGeom>
+                  <ask:type>
+                    <ask:lineSketchFreehand/>
+                  </ask:type>
+                </ask:lineSketchStyleProps>
+              </a:ext>
+            </a:extLst>
+          </a:ln>
+          <a:effectLst>
+            <a:outerShdw blurRad="152400" dist="317500" dir="5400000" sx="90000" sy="-19000" rotWithShape="0">
+              <a:prstClr val="black">
+                <a:alpha val="15000"/>
+              </a:prstClr>
+            </a:outerShdw>
+          </a:effectLst>
+        </p:spPr>
+        <p:style>
+          <a:lnRef idx="2">
+            <a:schemeClr val="accent1">
+              <a:shade val="15000"/>
+            </a:schemeClr>
+          </a:lnRef>
+          <a:fillRef idx="1">
+            <a:schemeClr val="accent1"/>
+          </a:fillRef>
+          <a:effectRef idx="0">
+            <a:schemeClr val="accent1"/>
+          </a:effectRef>
+          <a:fontRef idx="minor">
+            <a:schemeClr val="lt1"/>
+          </a:fontRef>
+        </p:style>
+        <p:txBody>
+          <a:bodyPr rtlCol="0" anchor="t"/>
+          <a:lstStyle/>
+          <a:p>
+            <a:pPr algn="ctr"/>
+            <a:r>
+              <a:rPr lang="de-DE" sz="1400" dirty="0">
+                <a:solidFill>
+                  <a:srgbClr val="313638"/>
+                </a:solidFill>
+                <a:latin typeface="OCRB" panose="020B0609020202020204" pitchFamily="49" charset="0"/>
+              </a:rPr>
+              <a:t>Milestone 1:</a:t>
+            </a:r>
+            <a:br>
+              <a:rPr lang="de-DE" sz="1400" dirty="0">
+                <a:solidFill>
+                  <a:srgbClr val="313638"/>
+                </a:solidFill>
+                <a:latin typeface="OCRB" panose="020B0609020202020204" pitchFamily="49" charset="0"/>
+              </a:rPr>
+            </a:br>
+            <a:r>
+              <a:rPr lang="de-DE" sz="1400" dirty="0">
+                <a:solidFill>
+                  <a:srgbClr val="313638"/>
+                </a:solidFill>
+                <a:latin typeface="OCRB" panose="020B0609020202020204" pitchFamily="49" charset="0"/>
+              </a:rPr>
+              <a:t>Survey Design and </a:t>
+            </a:r>
+            <a:r>
+              <a:rPr lang="de-DE" sz="1400" dirty="0" err="1">
+                <a:solidFill>
+                  <a:srgbClr val="313638"/>
+                </a:solidFill>
+                <a:latin typeface="OCRB" panose="020B0609020202020204" pitchFamily="49" charset="0"/>
+              </a:rPr>
+              <a:t>Requirement</a:t>
+            </a:r>
+            <a:r>
+              <a:rPr lang="de-DE" sz="1400" dirty="0">
+                <a:solidFill>
+                  <a:srgbClr val="313638"/>
+                </a:solidFill>
+                <a:latin typeface="OCRB" panose="020B0609020202020204" pitchFamily="49" charset="0"/>
+              </a:rPr>
+              <a:t> Definition</a:t>
+            </a:r>
+          </a:p>
+        </p:txBody>
+      </p:sp>
+      <p:cxnSp>
+        <p:nvCxnSpPr>
+          <p:cNvPr id="6" name="Gerade Verbindung mit Pfeil 5">
+            <a:extLst>
+              <a:ext uri="{FF2B5EF4-FFF2-40B4-BE49-F238E27FC236}">
+                <a16:creationId xmlns:a16="http://schemas.microsoft.com/office/drawing/2014/main" id="{C577CD0B-6E23-879D-704F-F2F1C6D2D9A2}"/>
+              </a:ext>
+            </a:extLst>
+          </p:cNvPr>
+          <p:cNvCxnSpPr/>
+          <p:nvPr/>
+        </p:nvCxnSpPr>
+        <p:spPr>
+          <a:xfrm flipV="1">
+            <a:off x="658001" y="3324019"/>
+            <a:ext cx="10866840" cy="39245"/>
+          </a:xfrm>
+          <a:prstGeom prst="straightConnector1">
+            <a:avLst/>
+          </a:prstGeom>
+          <a:ln w="15875">
+            <a:solidFill>
+              <a:srgbClr val="C50E1F"/>
+            </a:solidFill>
+            <a:tailEnd type="triangle"/>
+          </a:ln>
+        </p:spPr>
+        <p:style>
+          <a:lnRef idx="1">
+            <a:schemeClr val="accent1"/>
+          </a:lnRef>
+          <a:fillRef idx="0">
+            <a:schemeClr val="accent1"/>
+          </a:fillRef>
+          <a:effectRef idx="0">
+            <a:schemeClr val="accent1"/>
+          </a:effectRef>
+          <a:fontRef idx="minor">
+            <a:schemeClr val="tx1"/>
+          </a:fontRef>
+        </p:style>
+      </p:cxnSp>
+      <p:cxnSp>
+        <p:nvCxnSpPr>
+          <p:cNvPr id="8" name="Gerader Verbinder 7">
+            <a:extLst>
+              <a:ext uri="{FF2B5EF4-FFF2-40B4-BE49-F238E27FC236}">
+                <a16:creationId xmlns:a16="http://schemas.microsoft.com/office/drawing/2014/main" id="{CB8F467F-7A04-8BDE-95D3-CBF2CBAC2271}"/>
+              </a:ext>
+            </a:extLst>
+          </p:cNvPr>
+          <p:cNvCxnSpPr/>
+          <p:nvPr/>
+        </p:nvCxnSpPr>
+        <p:spPr>
+          <a:xfrm flipV="1">
+            <a:off x="667159" y="2896746"/>
+            <a:ext cx="0" cy="451313"/>
+          </a:xfrm>
+          <a:prstGeom prst="line">
+            <a:avLst/>
+          </a:prstGeom>
+          <a:ln w="15875">
+            <a:solidFill>
+              <a:srgbClr val="F09D51"/>
+            </a:solidFill>
+          </a:ln>
+        </p:spPr>
+        <p:style>
+          <a:lnRef idx="1">
+            <a:schemeClr val="accent1"/>
+          </a:lnRef>
+          <a:fillRef idx="0">
+            <a:schemeClr val="accent1"/>
+          </a:fillRef>
+          <a:effectRef idx="0">
+            <a:schemeClr val="accent1"/>
+          </a:effectRef>
+          <a:fontRef idx="minor">
+            <a:schemeClr val="tx1"/>
+          </a:fontRef>
+        </p:style>
+      </p:cxnSp>
+      <p:sp>
+        <p:nvSpPr>
+          <p:cNvPr id="9" name="Textfeld 8">
+            <a:extLst>
+              <a:ext uri="{FF2B5EF4-FFF2-40B4-BE49-F238E27FC236}">
+                <a16:creationId xmlns:a16="http://schemas.microsoft.com/office/drawing/2014/main" id="{8F98C49E-A88F-B9D5-4FF8-A4158D22CBA8}"/>
+              </a:ext>
+            </a:extLst>
+          </p:cNvPr>
+          <p:cNvSpPr txBox="1"/>
+          <p:nvPr/>
+        </p:nvSpPr>
+        <p:spPr>
+          <a:xfrm>
+            <a:off x="237430" y="2565144"/>
+            <a:ext cx="851608" cy="400110"/>
+          </a:xfrm>
+          <a:prstGeom prst="rect">
+            <a:avLst/>
+          </a:prstGeom>
+          <a:noFill/>
+        </p:spPr>
+        <p:txBody>
+          <a:bodyPr wrap="square" rtlCol="0">
+            <a:spAutoFit/>
+          </a:bodyPr>
+          <a:lstStyle/>
+          <a:p>
+            <a:pPr algn="ctr"/>
+            <a:r>
+              <a:rPr lang="de-DE" sz="1000" dirty="0">
+                <a:latin typeface="OCRB" panose="020B0609020202020204" pitchFamily="49" charset="0"/>
+              </a:rPr>
+              <a:t>25.10.23</a:t>
+            </a:r>
+            <a:br>
+              <a:rPr lang="de-DE" sz="1000" dirty="0">
+                <a:latin typeface="OCRB" panose="020B0609020202020204" pitchFamily="49" charset="0"/>
+              </a:rPr>
+            </a:br>
+            <a:r>
+              <a:rPr lang="de-DE" sz="1000" dirty="0">
+                <a:latin typeface="OCRB" panose="020B0609020202020204" pitchFamily="49" charset="0"/>
+              </a:rPr>
+              <a:t>Kick-Off</a:t>
+            </a:r>
+          </a:p>
+        </p:txBody>
+      </p:sp>
+      <p:sp>
+        <p:nvSpPr>
+          <p:cNvPr id="11" name="Textfeld 10">
+            <a:extLst>
+              <a:ext uri="{FF2B5EF4-FFF2-40B4-BE49-F238E27FC236}">
+                <a16:creationId xmlns:a16="http://schemas.microsoft.com/office/drawing/2014/main" id="{4743E98A-04B8-6958-CB7F-E89D966F62F4}"/>
+              </a:ext>
+            </a:extLst>
+          </p:cNvPr>
+          <p:cNvSpPr txBox="1"/>
+          <p:nvPr/>
+        </p:nvSpPr>
+        <p:spPr>
+          <a:xfrm>
+            <a:off x="783911" y="262138"/>
+            <a:ext cx="6096654" cy="523220"/>
+          </a:xfrm>
+          <a:prstGeom prst="rect">
+            <a:avLst/>
+          </a:prstGeom>
+          <a:noFill/>
+        </p:spPr>
+        <p:txBody>
+          <a:bodyPr wrap="square">
+            <a:spAutoFit/>
+          </a:bodyPr>
+          <a:lstStyle/>
+          <a:p>
+            <a:r>
+              <a:rPr lang="en-US" sz="2800" kern="1400" spc="-50" dirty="0">
+                <a:solidFill>
+                  <a:srgbClr val="C50E1F"/>
+                </a:solidFill>
+                <a:effectLst/>
+                <a:latin typeface="OCRB" panose="020B0609020202020204" pitchFamily="49" charset="0"/>
+                <a:ea typeface="Times New Roman" panose="02020603050405020304" pitchFamily="18" charset="0"/>
+                <a:cs typeface="Times New Roman" panose="02020603050405020304" pitchFamily="18" charset="0"/>
+              </a:rPr>
+              <a:t>Meeting Check-In – </a:t>
+            </a:r>
+            <a:r>
+              <a:rPr lang="en-US" sz="2800" kern="1400" spc="-50" dirty="0">
+                <a:solidFill>
+                  <a:srgbClr val="C50E1F"/>
+                </a:solidFill>
+                <a:latin typeface="OCRB" panose="020B0609020202020204" pitchFamily="49" charset="0"/>
+                <a:ea typeface="Times New Roman" panose="02020603050405020304" pitchFamily="18" charset="0"/>
+                <a:cs typeface="Times New Roman" panose="02020603050405020304" pitchFamily="18" charset="0"/>
+              </a:rPr>
+              <a:t>15</a:t>
+            </a:r>
+            <a:r>
+              <a:rPr lang="en-US" sz="2800" kern="1400" spc="-50" dirty="0">
+                <a:solidFill>
+                  <a:srgbClr val="C50E1F"/>
+                </a:solidFill>
+                <a:effectLst/>
+                <a:latin typeface="OCRB" panose="020B0609020202020204" pitchFamily="49" charset="0"/>
+                <a:ea typeface="Times New Roman" panose="02020603050405020304" pitchFamily="18" charset="0"/>
+                <a:cs typeface="Times New Roman" panose="02020603050405020304" pitchFamily="18" charset="0"/>
+              </a:rPr>
+              <a:t>.11.23</a:t>
+            </a:r>
+            <a:endParaRPr lang="de-DE" sz="2800" kern="1400" spc="-50" dirty="0">
+              <a:solidFill>
+                <a:srgbClr val="C50E1F"/>
+              </a:solidFill>
+              <a:effectLst/>
+              <a:latin typeface="OCRB" panose="020B0609020202020204" pitchFamily="49" charset="0"/>
+              <a:ea typeface="Times New Roman" panose="02020603050405020304" pitchFamily="18" charset="0"/>
+              <a:cs typeface="Times New Roman" panose="02020603050405020304" pitchFamily="18" charset="0"/>
+            </a:endParaRPr>
+          </a:p>
+        </p:txBody>
+      </p:sp>
+      <p:sp>
+        <p:nvSpPr>
+          <p:cNvPr id="15" name="Textfeld 14">
+            <a:extLst>
+              <a:ext uri="{FF2B5EF4-FFF2-40B4-BE49-F238E27FC236}">
+                <a16:creationId xmlns:a16="http://schemas.microsoft.com/office/drawing/2014/main" id="{86DDC4EF-DBB0-3B7D-F03A-2FB38B08396A}"/>
+              </a:ext>
+            </a:extLst>
+          </p:cNvPr>
+          <p:cNvSpPr txBox="1"/>
+          <p:nvPr/>
+        </p:nvSpPr>
+        <p:spPr>
+          <a:xfrm>
+            <a:off x="783911" y="853468"/>
+            <a:ext cx="2065306" cy="366960"/>
+          </a:xfrm>
+          <a:prstGeom prst="rect">
+            <a:avLst/>
+          </a:prstGeom>
+          <a:noFill/>
+        </p:spPr>
+        <p:txBody>
+          <a:bodyPr wrap="square">
+            <a:spAutoFit/>
+          </a:bodyPr>
+          <a:lstStyle/>
+          <a:p>
+            <a:pPr>
+              <a:lnSpc>
+                <a:spcPct val="107000"/>
+              </a:lnSpc>
+              <a:spcBef>
+                <a:spcPts val="1200"/>
+              </a:spcBef>
+            </a:pPr>
+            <a:r>
+              <a:rPr lang="en-US" sz="1800" b="1" kern="100" dirty="0">
+                <a:solidFill>
+                  <a:srgbClr val="313638"/>
+                </a:solidFill>
+                <a:effectLst/>
+                <a:latin typeface="OCRB" panose="020B0609020202020204" pitchFamily="49" charset="0"/>
+                <a:ea typeface="Times New Roman" panose="02020603050405020304" pitchFamily="18" charset="0"/>
+                <a:cs typeface="Times New Roman" panose="02020603050405020304" pitchFamily="18" charset="0"/>
+              </a:rPr>
+              <a:t>Participants</a:t>
+            </a:r>
+            <a:endParaRPr lang="de-DE" sz="1800" b="1" kern="100" dirty="0">
+              <a:solidFill>
+                <a:srgbClr val="313638"/>
+              </a:solidFill>
+              <a:effectLst/>
+              <a:latin typeface="OCRB" panose="020B0609020202020204" pitchFamily="49" charset="0"/>
+              <a:ea typeface="Times New Roman" panose="02020603050405020304" pitchFamily="18" charset="0"/>
+              <a:cs typeface="Times New Roman" panose="02020603050405020304" pitchFamily="18" charset="0"/>
+            </a:endParaRPr>
+          </a:p>
+        </p:txBody>
+      </p:sp>
+      <p:sp>
+        <p:nvSpPr>
+          <p:cNvPr id="17" name="Textfeld 16">
+            <a:extLst>
+              <a:ext uri="{FF2B5EF4-FFF2-40B4-BE49-F238E27FC236}">
+                <a16:creationId xmlns:a16="http://schemas.microsoft.com/office/drawing/2014/main" id="{1C78BD14-24E6-87CC-A0AA-D745937BB738}"/>
+              </a:ext>
+            </a:extLst>
+          </p:cNvPr>
+          <p:cNvSpPr txBox="1"/>
+          <p:nvPr/>
+        </p:nvSpPr>
+        <p:spPr>
+          <a:xfrm>
+            <a:off x="783911" y="1438451"/>
+            <a:ext cx="2854066" cy="929773"/>
+          </a:xfrm>
+          <a:prstGeom prst="rect">
+            <a:avLst/>
+          </a:prstGeom>
+          <a:noFill/>
+        </p:spPr>
+        <p:txBody>
+          <a:bodyPr wrap="square" numCol="2">
+            <a:noAutofit/>
+          </a:bodyPr>
+          <a:lstStyle/>
+          <a:p>
+            <a:pPr marL="285750" lvl="0" indent="-285750">
+              <a:lnSpc>
+                <a:spcPct val="107000"/>
+              </a:lnSpc>
+              <a:spcAft>
+                <a:spcPts val="800"/>
+              </a:spcAft>
+              <a:buFont typeface="Arial" panose="020B0604020202020204" pitchFamily="34" charset="0"/>
+              <a:buChar char="•"/>
+            </a:pPr>
+            <a:r>
+              <a:rPr lang="de-DE" sz="1050" kern="100" dirty="0">
+                <a:solidFill>
+                  <a:srgbClr val="313638"/>
+                </a:solidFill>
+                <a:effectLst/>
+                <a:latin typeface="OCRB" panose="020B0609020202020204" pitchFamily="49" charset="0"/>
+                <a:ea typeface="Calibri" panose="020F0502020204030204" pitchFamily="34" charset="0"/>
+                <a:cs typeface="Times New Roman" panose="02020603050405020304" pitchFamily="18" charset="0"/>
+              </a:rPr>
+              <a:t>David </a:t>
+            </a:r>
+          </a:p>
+          <a:p>
+            <a:pPr marL="285750" lvl="0" indent="-285750">
+              <a:lnSpc>
+                <a:spcPct val="107000"/>
+              </a:lnSpc>
+              <a:spcAft>
+                <a:spcPts val="800"/>
+              </a:spcAft>
+              <a:buFont typeface="Arial" panose="020B0604020202020204" pitchFamily="34" charset="0"/>
+              <a:buChar char="•"/>
+            </a:pPr>
+            <a:r>
+              <a:rPr lang="de-DE" sz="1050" kern="100" dirty="0">
+                <a:solidFill>
+                  <a:srgbClr val="313638"/>
+                </a:solidFill>
+                <a:effectLst/>
+                <a:latin typeface="OCRB" panose="020B0609020202020204" pitchFamily="49" charset="0"/>
+                <a:ea typeface="Calibri" panose="020F0502020204030204" pitchFamily="34" charset="0"/>
+                <a:cs typeface="Times New Roman" panose="02020603050405020304" pitchFamily="18" charset="0"/>
+              </a:rPr>
+              <a:t>Ben	</a:t>
+            </a:r>
+          </a:p>
+          <a:p>
+            <a:pPr marL="285750" lvl="0" indent="-285750">
+              <a:lnSpc>
+                <a:spcPct val="107000"/>
+              </a:lnSpc>
+              <a:spcAft>
+                <a:spcPts val="800"/>
+              </a:spcAft>
+              <a:buFont typeface="Arial" panose="020B0604020202020204" pitchFamily="34" charset="0"/>
+              <a:buChar char="•"/>
+            </a:pPr>
+            <a:r>
+              <a:rPr lang="de-DE" sz="1050" kern="100" dirty="0">
+                <a:solidFill>
+                  <a:srgbClr val="313638"/>
+                </a:solidFill>
+                <a:effectLst/>
+                <a:latin typeface="OCRB" panose="020B0609020202020204" pitchFamily="49" charset="0"/>
+                <a:ea typeface="Calibri" panose="020F0502020204030204" pitchFamily="34" charset="0"/>
+                <a:cs typeface="Times New Roman" panose="02020603050405020304" pitchFamily="18" charset="0"/>
+              </a:rPr>
+              <a:t>Aylin </a:t>
+            </a:r>
+          </a:p>
+          <a:p>
+            <a:pPr marL="285750" lvl="0" indent="-285750">
+              <a:lnSpc>
+                <a:spcPct val="107000"/>
+              </a:lnSpc>
+              <a:spcAft>
+                <a:spcPts val="800"/>
+              </a:spcAft>
+              <a:buFont typeface="Arial" panose="020B0604020202020204" pitchFamily="34" charset="0"/>
+              <a:buChar char="•"/>
+            </a:pPr>
+            <a:r>
+              <a:rPr lang="en-US" sz="1050" kern="100" dirty="0">
+                <a:solidFill>
+                  <a:srgbClr val="313638"/>
+                </a:solidFill>
+                <a:effectLst/>
+                <a:latin typeface="OCRB" panose="020B0609020202020204" pitchFamily="49" charset="0"/>
+                <a:ea typeface="Calibri" panose="020F0502020204030204" pitchFamily="34" charset="0"/>
+                <a:cs typeface="Times New Roman" panose="02020603050405020304" pitchFamily="18" charset="0"/>
+              </a:rPr>
+              <a:t>Chandimal</a:t>
+            </a:r>
+            <a:endParaRPr lang="de-DE" sz="1050" kern="100" dirty="0">
+              <a:solidFill>
+                <a:srgbClr val="313638"/>
+              </a:solidFill>
+              <a:effectLst/>
+              <a:latin typeface="OCRB" panose="020B0609020202020204" pitchFamily="49" charset="0"/>
+              <a:ea typeface="Calibri" panose="020F0502020204030204" pitchFamily="34" charset="0"/>
+              <a:cs typeface="Times New Roman" panose="02020603050405020304" pitchFamily="18" charset="0"/>
+            </a:endParaRPr>
+          </a:p>
+          <a:p>
+            <a:pPr marL="285750" lvl="0" indent="-285750">
+              <a:lnSpc>
+                <a:spcPct val="107000"/>
+              </a:lnSpc>
+              <a:spcAft>
+                <a:spcPts val="800"/>
+              </a:spcAft>
+              <a:buFont typeface="Arial" panose="020B0604020202020204" pitchFamily="34" charset="0"/>
+              <a:buChar char="•"/>
+            </a:pPr>
+            <a:r>
+              <a:rPr lang="en-US" sz="1050" kern="100" dirty="0" err="1">
+                <a:solidFill>
+                  <a:srgbClr val="313638"/>
+                </a:solidFill>
+                <a:effectLst/>
+                <a:latin typeface="OCRB" panose="020B0609020202020204" pitchFamily="49" charset="0"/>
+                <a:ea typeface="Calibri" panose="020F0502020204030204" pitchFamily="34" charset="0"/>
+                <a:cs typeface="Times New Roman" panose="02020603050405020304" pitchFamily="18" charset="0"/>
+              </a:rPr>
+              <a:t>Jabora</a:t>
+            </a:r>
+            <a:r>
+              <a:rPr lang="en-US" sz="1050" kern="100" dirty="0">
+                <a:solidFill>
+                  <a:srgbClr val="313638"/>
+                </a:solidFill>
+                <a:effectLst/>
+                <a:latin typeface="OCRB" panose="020B0609020202020204" pitchFamily="49" charset="0"/>
+                <a:ea typeface="Calibri" panose="020F0502020204030204" pitchFamily="34" charset="0"/>
+                <a:cs typeface="Times New Roman" panose="02020603050405020304" pitchFamily="18" charset="0"/>
+              </a:rPr>
+              <a:t>	</a:t>
+            </a:r>
+            <a:endParaRPr lang="de-DE" sz="1050" kern="100" dirty="0">
+              <a:solidFill>
+                <a:srgbClr val="313638"/>
+              </a:solidFill>
+              <a:effectLst/>
+              <a:latin typeface="OCRB" panose="020B0609020202020204" pitchFamily="49" charset="0"/>
+              <a:ea typeface="Calibri" panose="020F0502020204030204" pitchFamily="34" charset="0"/>
+              <a:cs typeface="Times New Roman" panose="02020603050405020304" pitchFamily="18" charset="0"/>
+            </a:endParaRPr>
+          </a:p>
+          <a:p>
+            <a:pPr marL="285750" lvl="0" indent="-285750">
+              <a:lnSpc>
+                <a:spcPct val="107000"/>
+              </a:lnSpc>
+              <a:spcAft>
+                <a:spcPts val="800"/>
+              </a:spcAft>
+              <a:buFont typeface="Arial" panose="020B0604020202020204" pitchFamily="34" charset="0"/>
+              <a:buChar char="•"/>
+            </a:pPr>
+            <a:r>
+              <a:rPr lang="en-US" sz="1050" kern="100" dirty="0">
+                <a:solidFill>
+                  <a:srgbClr val="313638"/>
+                </a:solidFill>
+                <a:effectLst/>
+                <a:latin typeface="OCRB" panose="020B0609020202020204" pitchFamily="49" charset="0"/>
+                <a:ea typeface="Calibri" panose="020F0502020204030204" pitchFamily="34" charset="0"/>
+                <a:cs typeface="Times New Roman" panose="02020603050405020304" pitchFamily="18" charset="0"/>
+              </a:rPr>
+              <a:t>Beyda</a:t>
+            </a:r>
+            <a:endParaRPr lang="de-DE" sz="1050" kern="100" dirty="0">
+              <a:solidFill>
+                <a:srgbClr val="313638"/>
+              </a:solidFill>
+              <a:effectLst/>
+              <a:latin typeface="OCRB" panose="020B0609020202020204" pitchFamily="49" charset="0"/>
+              <a:ea typeface="Calibri" panose="020F0502020204030204" pitchFamily="34" charset="0"/>
+              <a:cs typeface="Times New Roman" panose="02020603050405020304" pitchFamily="18" charset="0"/>
+            </a:endParaRPr>
+          </a:p>
+        </p:txBody>
+      </p:sp>
+      <p:sp>
+        <p:nvSpPr>
+          <p:cNvPr id="18" name="Textfeld 17">
+            <a:extLst>
+              <a:ext uri="{FF2B5EF4-FFF2-40B4-BE49-F238E27FC236}">
+                <a16:creationId xmlns:a16="http://schemas.microsoft.com/office/drawing/2014/main" id="{375C4C69-2E95-B2AE-58EB-CE8526D951FC}"/>
+              </a:ext>
+            </a:extLst>
+          </p:cNvPr>
+          <p:cNvSpPr txBox="1"/>
+          <p:nvPr/>
+        </p:nvSpPr>
+        <p:spPr>
+          <a:xfrm>
+            <a:off x="4801528" y="853468"/>
+            <a:ext cx="1948245" cy="366960"/>
+          </a:xfrm>
+          <a:prstGeom prst="rect">
+            <a:avLst/>
+          </a:prstGeom>
+          <a:noFill/>
+        </p:spPr>
+        <p:txBody>
+          <a:bodyPr wrap="square">
+            <a:spAutoFit/>
+          </a:bodyPr>
+          <a:lstStyle/>
+          <a:p>
+            <a:pPr>
+              <a:lnSpc>
+                <a:spcPct val="107000"/>
+              </a:lnSpc>
+              <a:spcBef>
+                <a:spcPts val="1200"/>
+              </a:spcBef>
+            </a:pPr>
+            <a:r>
+              <a:rPr lang="en-US" b="1" kern="100" dirty="0">
+                <a:solidFill>
+                  <a:srgbClr val="313638"/>
+                </a:solidFill>
+                <a:latin typeface="OCRB" panose="020B0609020202020204" pitchFamily="49" charset="0"/>
+                <a:ea typeface="Times New Roman" panose="02020603050405020304" pitchFamily="18" charset="0"/>
+                <a:cs typeface="Times New Roman" panose="02020603050405020304" pitchFamily="18" charset="0"/>
+              </a:rPr>
+              <a:t>Tasks Due</a:t>
+            </a:r>
+            <a:endParaRPr lang="de-DE" sz="1800" b="1" kern="100" dirty="0">
+              <a:solidFill>
+                <a:srgbClr val="313638"/>
+              </a:solidFill>
+              <a:effectLst/>
+              <a:latin typeface="OCRB" panose="020B0609020202020204" pitchFamily="49" charset="0"/>
+              <a:ea typeface="Times New Roman" panose="02020603050405020304" pitchFamily="18" charset="0"/>
+              <a:cs typeface="Times New Roman" panose="02020603050405020304" pitchFamily="18" charset="0"/>
+            </a:endParaRPr>
+          </a:p>
+        </p:txBody>
+      </p:sp>
+      <p:sp>
+        <p:nvSpPr>
+          <p:cNvPr id="19" name="Textfeld 18">
+            <a:extLst>
+              <a:ext uri="{FF2B5EF4-FFF2-40B4-BE49-F238E27FC236}">
+                <a16:creationId xmlns:a16="http://schemas.microsoft.com/office/drawing/2014/main" id="{9C1617C1-893C-4B51-526C-C59299B7B520}"/>
+              </a:ext>
+            </a:extLst>
+          </p:cNvPr>
+          <p:cNvSpPr txBox="1"/>
+          <p:nvPr/>
+        </p:nvSpPr>
+        <p:spPr>
+          <a:xfrm>
+            <a:off x="4801528" y="1412006"/>
+            <a:ext cx="4273993" cy="956217"/>
+          </a:xfrm>
+          <a:prstGeom prst="rect">
+            <a:avLst/>
+          </a:prstGeom>
+          <a:noFill/>
+        </p:spPr>
+        <p:txBody>
+          <a:bodyPr wrap="square" numCol="2">
+            <a:noAutofit/>
+          </a:bodyPr>
+          <a:lstStyle/>
+          <a:p>
+            <a:pPr marL="285750" lvl="0" indent="-285750">
+              <a:lnSpc>
+                <a:spcPct val="107000"/>
+              </a:lnSpc>
+              <a:spcAft>
+                <a:spcPts val="800"/>
+              </a:spcAft>
+              <a:buFont typeface="Arial" panose="020B0604020202020204" pitchFamily="34" charset="0"/>
+              <a:buChar char="•"/>
+            </a:pPr>
+            <a:r>
+              <a:rPr lang="de-DE" sz="1050" kern="100" dirty="0">
+                <a:solidFill>
+                  <a:srgbClr val="313638"/>
+                </a:solidFill>
+                <a:effectLst/>
+                <a:latin typeface="OCRB" panose="020B0609020202020204" pitchFamily="49" charset="0"/>
+                <a:ea typeface="Calibri" panose="020F0502020204030204" pitchFamily="34" charset="0"/>
+                <a:cs typeface="Times New Roman" panose="02020603050405020304" pitchFamily="18" charset="0"/>
+              </a:rPr>
+              <a:t>Mockup</a:t>
+            </a:r>
+          </a:p>
+          <a:p>
+            <a:pPr marL="285750" lvl="0" indent="-285750">
+              <a:lnSpc>
+                <a:spcPct val="107000"/>
+              </a:lnSpc>
+              <a:spcAft>
+                <a:spcPts val="800"/>
+              </a:spcAft>
+              <a:buFont typeface="Arial" panose="020B0604020202020204" pitchFamily="34" charset="0"/>
+              <a:buChar char="•"/>
+            </a:pPr>
+            <a:r>
+              <a:rPr lang="de-DE" sz="1050" kern="100" dirty="0">
+                <a:solidFill>
+                  <a:srgbClr val="313638"/>
+                </a:solidFill>
+                <a:latin typeface="OCRB" panose="020B0609020202020204" pitchFamily="49" charset="0"/>
+                <a:ea typeface="Calibri" panose="020F0502020204030204" pitchFamily="34" charset="0"/>
+                <a:cs typeface="Times New Roman" panose="02020603050405020304" pitchFamily="18" charset="0"/>
+              </a:rPr>
+              <a:t>Versuchsportal</a:t>
+            </a:r>
+          </a:p>
+          <a:p>
+            <a:pPr marL="285750" lvl="0" indent="-285750">
+              <a:lnSpc>
+                <a:spcPct val="107000"/>
+              </a:lnSpc>
+              <a:spcAft>
+                <a:spcPts val="800"/>
+              </a:spcAft>
+              <a:buFont typeface="Arial" panose="020B0604020202020204" pitchFamily="34" charset="0"/>
+              <a:buChar char="•"/>
+            </a:pPr>
+            <a:r>
+              <a:rPr lang="de-DE" sz="1050" kern="100" dirty="0">
+                <a:solidFill>
+                  <a:srgbClr val="313638"/>
+                </a:solidFill>
+                <a:latin typeface="OCRB" panose="020B0609020202020204" pitchFamily="49" charset="0"/>
+                <a:ea typeface="Calibri" panose="020F0502020204030204" pitchFamily="34" charset="0"/>
+                <a:cs typeface="Times New Roman" panose="02020603050405020304" pitchFamily="18" charset="0"/>
+              </a:rPr>
+              <a:t>Add </a:t>
+            </a:r>
+            <a:r>
+              <a:rPr lang="de-DE" sz="1050" kern="100" dirty="0" err="1">
+                <a:solidFill>
+                  <a:srgbClr val="313638"/>
+                </a:solidFill>
+                <a:latin typeface="OCRB" panose="020B0609020202020204" pitchFamily="49" charset="0"/>
+                <a:ea typeface="Calibri" panose="020F0502020204030204" pitchFamily="34" charset="0"/>
+                <a:cs typeface="Times New Roman" panose="02020603050405020304" pitchFamily="18" charset="0"/>
+              </a:rPr>
+              <a:t>more</a:t>
+            </a:r>
+            <a:r>
+              <a:rPr lang="de-DE" sz="1050" kern="100" dirty="0">
+                <a:solidFill>
+                  <a:srgbClr val="313638"/>
+                </a:solidFill>
+                <a:latin typeface="OCRB" panose="020B0609020202020204" pitchFamily="49" charset="0"/>
+                <a:ea typeface="Calibri" panose="020F0502020204030204" pitchFamily="34" charset="0"/>
+                <a:cs typeface="Times New Roman" panose="02020603050405020304" pitchFamily="18" charset="0"/>
+              </a:rPr>
+              <a:t> Milestones</a:t>
+            </a:r>
+          </a:p>
+          <a:p>
+            <a:pPr marL="285750" lvl="0" indent="-285750">
+              <a:lnSpc>
+                <a:spcPct val="107000"/>
+              </a:lnSpc>
+              <a:spcAft>
+                <a:spcPts val="800"/>
+              </a:spcAft>
+              <a:buFont typeface="Arial" panose="020B0604020202020204" pitchFamily="34" charset="0"/>
+              <a:buChar char="•"/>
+            </a:pPr>
+            <a:endParaRPr lang="de-DE" sz="1050" kern="100" dirty="0">
+              <a:solidFill>
+                <a:srgbClr val="313638"/>
+              </a:solidFill>
+              <a:effectLst/>
+              <a:latin typeface="OCRB" panose="020B0609020202020204" pitchFamily="49" charset="0"/>
+              <a:ea typeface="Calibri" panose="020F0502020204030204" pitchFamily="34" charset="0"/>
+              <a:cs typeface="Times New Roman" panose="02020603050405020304" pitchFamily="18" charset="0"/>
+            </a:endParaRPr>
+          </a:p>
+          <a:p>
+            <a:pPr marL="285750" lvl="0" indent="-285750">
+              <a:lnSpc>
+                <a:spcPct val="107000"/>
+              </a:lnSpc>
+              <a:spcAft>
+                <a:spcPts val="800"/>
+              </a:spcAft>
+              <a:buFont typeface="Arial" panose="020B0604020202020204" pitchFamily="34" charset="0"/>
+              <a:buChar char="•"/>
+            </a:pPr>
+            <a:endParaRPr lang="de-DE" sz="1050" kern="100" dirty="0">
+              <a:solidFill>
+                <a:srgbClr val="313638"/>
+              </a:solidFill>
+              <a:effectLst/>
+              <a:latin typeface="OCRB" panose="020B0609020202020204" pitchFamily="49" charset="0"/>
+              <a:ea typeface="Calibri" panose="020F0502020204030204" pitchFamily="34" charset="0"/>
+              <a:cs typeface="Times New Roman" panose="02020603050405020304" pitchFamily="18" charset="0"/>
+            </a:endParaRPr>
+          </a:p>
+        </p:txBody>
+      </p:sp>
+      <p:sp>
+        <p:nvSpPr>
+          <p:cNvPr id="20" name="Textfeld 19">
+            <a:extLst>
+              <a:ext uri="{FF2B5EF4-FFF2-40B4-BE49-F238E27FC236}">
+                <a16:creationId xmlns:a16="http://schemas.microsoft.com/office/drawing/2014/main" id="{EC2D6606-B517-2242-73AF-BF2EEB39CCBF}"/>
+              </a:ext>
+            </a:extLst>
+          </p:cNvPr>
+          <p:cNvSpPr txBox="1"/>
+          <p:nvPr/>
+        </p:nvSpPr>
+        <p:spPr>
+          <a:xfrm>
+            <a:off x="10955737" y="2574905"/>
+            <a:ext cx="851608" cy="246221"/>
+          </a:xfrm>
+          <a:prstGeom prst="rect">
+            <a:avLst/>
+          </a:prstGeom>
+          <a:noFill/>
+        </p:spPr>
+        <p:txBody>
+          <a:bodyPr wrap="square" rtlCol="0">
+            <a:spAutoFit/>
+          </a:bodyPr>
+          <a:lstStyle/>
+          <a:p>
+            <a:pPr algn="ctr"/>
+            <a:r>
+              <a:rPr lang="de-DE" sz="1000" dirty="0">
+                <a:latin typeface="OCRB" panose="020B0609020202020204" pitchFamily="49" charset="0"/>
+              </a:rPr>
+              <a:t>„</a:t>
+            </a:r>
+            <a:r>
+              <a:rPr lang="de-DE" sz="1000" dirty="0" err="1">
+                <a:latin typeface="OCRB" panose="020B0609020202020204" pitchFamily="49" charset="0"/>
+              </a:rPr>
+              <a:t>Done</a:t>
+            </a:r>
+            <a:r>
+              <a:rPr lang="de-DE" sz="1000" dirty="0">
+                <a:latin typeface="OCRB" panose="020B0609020202020204" pitchFamily="49" charset="0"/>
+              </a:rPr>
+              <a:t>“</a:t>
+            </a:r>
+          </a:p>
+        </p:txBody>
+      </p:sp>
+      <p:cxnSp>
+        <p:nvCxnSpPr>
+          <p:cNvPr id="21" name="Gerader Verbinder 20">
+            <a:extLst>
+              <a:ext uri="{FF2B5EF4-FFF2-40B4-BE49-F238E27FC236}">
+                <a16:creationId xmlns:a16="http://schemas.microsoft.com/office/drawing/2014/main" id="{63263D4C-4887-3F63-B29C-AFD351E1C213}"/>
+              </a:ext>
+            </a:extLst>
+          </p:cNvPr>
+          <p:cNvCxnSpPr/>
+          <p:nvPr/>
+        </p:nvCxnSpPr>
+        <p:spPr>
+          <a:xfrm flipV="1">
+            <a:off x="11381541" y="2857994"/>
+            <a:ext cx="0" cy="451313"/>
+          </a:xfrm>
+          <a:prstGeom prst="line">
+            <a:avLst/>
+          </a:prstGeom>
+          <a:ln w="15875">
+            <a:solidFill>
+              <a:srgbClr val="F09D51"/>
+            </a:solidFill>
+          </a:ln>
+        </p:spPr>
+        <p:style>
+          <a:lnRef idx="1">
+            <a:schemeClr val="accent1"/>
+          </a:lnRef>
+          <a:fillRef idx="0">
+            <a:schemeClr val="accent1"/>
+          </a:fillRef>
+          <a:effectRef idx="0">
+            <a:schemeClr val="accent1"/>
+          </a:effectRef>
+          <a:fontRef idx="minor">
+            <a:schemeClr val="tx1"/>
+          </a:fontRef>
+        </p:style>
+      </p:cxnSp>
+      <p:pic>
+        <p:nvPicPr>
+          <p:cNvPr id="26" name="Grafik 25">
+            <a:extLst>
+              <a:ext uri="{FF2B5EF4-FFF2-40B4-BE49-F238E27FC236}">
+                <a16:creationId xmlns:a16="http://schemas.microsoft.com/office/drawing/2014/main" id="{BD968AB6-2034-4662-AA44-F1905FFBCDF2}"/>
+              </a:ext>
+            </a:extLst>
+          </p:cNvPr>
+          <p:cNvPicPr>
+            <a:picLocks noChangeAspect="1"/>
+          </p:cNvPicPr>
+          <p:nvPr/>
+        </p:nvPicPr>
+        <p:blipFill>
+          <a:blip r:embed="rId2">
+            <a:clrChange>
+              <a:clrFrom>
+                <a:srgbClr val="000000">
+                  <a:alpha val="0"/>
+                </a:srgbClr>
+              </a:clrFrom>
+              <a:clrTo>
+                <a:srgbClr val="000000">
+                  <a:alpha val="0"/>
+                </a:srgbClr>
+              </a:clrTo>
+            </a:clrChange>
+          </a:blip>
+          <a:stretch>
+            <a:fillRect/>
+          </a:stretch>
+        </p:blipFill>
+        <p:spPr>
+          <a:xfrm>
+            <a:off x="10846617" y="262138"/>
+            <a:ext cx="960728" cy="537550"/>
+          </a:xfrm>
+          <a:prstGeom prst="rect">
+            <a:avLst/>
+          </a:prstGeom>
+        </p:spPr>
+      </p:pic>
+      <p:sp>
+        <p:nvSpPr>
+          <p:cNvPr id="27" name="Rechteck 26">
+            <a:extLst>
+              <a:ext uri="{FF2B5EF4-FFF2-40B4-BE49-F238E27FC236}">
+                <a16:creationId xmlns:a16="http://schemas.microsoft.com/office/drawing/2014/main" id="{5C942C9E-31CA-B21F-31AA-8975EF6CE9F5}"/>
+              </a:ext>
+            </a:extLst>
+          </p:cNvPr>
+          <p:cNvSpPr/>
+          <p:nvPr/>
+        </p:nvSpPr>
+        <p:spPr>
+          <a:xfrm>
+            <a:off x="3284816" y="4732408"/>
+            <a:ext cx="1734552" cy="1169517"/>
+          </a:xfrm>
+          <a:custGeom>
+            <a:avLst/>
+            <a:gdLst>
+              <a:gd name="connsiteX0" fmla="*/ 0 w 1734552"/>
+              <a:gd name="connsiteY0" fmla="*/ 0 h 1169517"/>
+              <a:gd name="connsiteX1" fmla="*/ 612875 w 1734552"/>
+              <a:gd name="connsiteY1" fmla="*/ 0 h 1169517"/>
+              <a:gd name="connsiteX2" fmla="*/ 1156368 w 1734552"/>
+              <a:gd name="connsiteY2" fmla="*/ 0 h 1169517"/>
+              <a:gd name="connsiteX3" fmla="*/ 1734552 w 1734552"/>
+              <a:gd name="connsiteY3" fmla="*/ 0 h 1169517"/>
+              <a:gd name="connsiteX4" fmla="*/ 1734552 w 1734552"/>
+              <a:gd name="connsiteY4" fmla="*/ 573063 h 1169517"/>
+              <a:gd name="connsiteX5" fmla="*/ 1734552 w 1734552"/>
+              <a:gd name="connsiteY5" fmla="*/ 1169517 h 1169517"/>
+              <a:gd name="connsiteX6" fmla="*/ 1191059 w 1734552"/>
+              <a:gd name="connsiteY6" fmla="*/ 1169517 h 1169517"/>
+              <a:gd name="connsiteX7" fmla="*/ 664912 w 1734552"/>
+              <a:gd name="connsiteY7" fmla="*/ 1169517 h 1169517"/>
+              <a:gd name="connsiteX8" fmla="*/ 0 w 1734552"/>
+              <a:gd name="connsiteY8" fmla="*/ 1169517 h 1169517"/>
+              <a:gd name="connsiteX9" fmla="*/ 0 w 1734552"/>
+              <a:gd name="connsiteY9" fmla="*/ 608149 h 1169517"/>
+              <a:gd name="connsiteX10" fmla="*/ 0 w 1734552"/>
+              <a:gd name="connsiteY10" fmla="*/ 0 h 1169517"/>
+            </a:gdLst>
+            <a:ahLst/>
+            <a:cxnLst>
+              <a:cxn ang="0">
+                <a:pos x="connsiteX0" y="connsiteY0"/>
+              </a:cxn>
+              <a:cxn ang="0">
+                <a:pos x="connsiteX1" y="connsiteY1"/>
+              </a:cxn>
+              <a:cxn ang="0">
+                <a:pos x="connsiteX2" y="connsiteY2"/>
+              </a:cxn>
+              <a:cxn ang="0">
+                <a:pos x="connsiteX3" y="connsiteY3"/>
+              </a:cxn>
+              <a:cxn ang="0">
+                <a:pos x="connsiteX4" y="connsiteY4"/>
+              </a:cxn>
+              <a:cxn ang="0">
+                <a:pos x="connsiteX5" y="connsiteY5"/>
+              </a:cxn>
+              <a:cxn ang="0">
+                <a:pos x="connsiteX6" y="connsiteY6"/>
+              </a:cxn>
+              <a:cxn ang="0">
+                <a:pos x="connsiteX7" y="connsiteY7"/>
+              </a:cxn>
+              <a:cxn ang="0">
+                <a:pos x="connsiteX8" y="connsiteY8"/>
+              </a:cxn>
+              <a:cxn ang="0">
+                <a:pos x="connsiteX9" y="connsiteY9"/>
+              </a:cxn>
+              <a:cxn ang="0">
+                <a:pos x="connsiteX10" y="connsiteY10"/>
+              </a:cxn>
+            </a:cxnLst>
+            <a:rect l="l" t="t" r="r" b="b"/>
+            <a:pathLst>
+              <a:path w="1734552" h="1169517" fill="none" extrusionOk="0">
+                <a:moveTo>
+                  <a:pt x="0" y="0"/>
+                </a:moveTo>
+                <a:cubicBezTo>
+                  <a:pt x="196669" y="-18741"/>
+                  <a:pt x="419061" y="26267"/>
+                  <a:pt x="612875" y="0"/>
+                </a:cubicBezTo>
+                <a:cubicBezTo>
+                  <a:pt x="806689" y="-26267"/>
+                  <a:pt x="1047647" y="16956"/>
+                  <a:pt x="1156368" y="0"/>
+                </a:cubicBezTo>
+                <a:cubicBezTo>
+                  <a:pt x="1265089" y="-16956"/>
+                  <a:pt x="1456745" y="3434"/>
+                  <a:pt x="1734552" y="0"/>
+                </a:cubicBezTo>
+                <a:cubicBezTo>
+                  <a:pt x="1753869" y="134304"/>
+                  <a:pt x="1759449" y="410259"/>
+                  <a:pt x="1734552" y="573063"/>
+                </a:cubicBezTo>
+                <a:cubicBezTo>
+                  <a:pt x="1709655" y="735867"/>
+                  <a:pt x="1751178" y="889020"/>
+                  <a:pt x="1734552" y="1169517"/>
+                </a:cubicBezTo>
+                <a:cubicBezTo>
+                  <a:pt x="1487679" y="1181417"/>
+                  <a:pt x="1437572" y="1157391"/>
+                  <a:pt x="1191059" y="1169517"/>
+                </a:cubicBezTo>
+                <a:cubicBezTo>
+                  <a:pt x="944546" y="1181643"/>
+                  <a:pt x="810797" y="1148961"/>
+                  <a:pt x="664912" y="1169517"/>
+                </a:cubicBezTo>
+                <a:cubicBezTo>
+                  <a:pt x="519027" y="1190073"/>
+                  <a:pt x="152425" y="1143120"/>
+                  <a:pt x="0" y="1169517"/>
+                </a:cubicBezTo>
+                <a:cubicBezTo>
+                  <a:pt x="13003" y="894396"/>
+                  <a:pt x="24761" y="754755"/>
+                  <a:pt x="0" y="608149"/>
+                </a:cubicBezTo>
+                <a:cubicBezTo>
+                  <a:pt x="-24761" y="461543"/>
+                  <a:pt x="10195" y="202449"/>
+                  <a:pt x="0" y="0"/>
+                </a:cubicBezTo>
+                <a:close/>
+              </a:path>
+              <a:path w="1734552" h="1169517" stroke="0" extrusionOk="0">
+                <a:moveTo>
+                  <a:pt x="0" y="0"/>
+                </a:moveTo>
+                <a:cubicBezTo>
+                  <a:pt x="214577" y="-14718"/>
+                  <a:pt x="378134" y="18379"/>
+                  <a:pt x="543493" y="0"/>
+                </a:cubicBezTo>
+                <a:cubicBezTo>
+                  <a:pt x="708852" y="-18379"/>
+                  <a:pt x="950850" y="21036"/>
+                  <a:pt x="1121677" y="0"/>
+                </a:cubicBezTo>
+                <a:cubicBezTo>
+                  <a:pt x="1292504" y="-21036"/>
+                  <a:pt x="1558147" y="-18234"/>
+                  <a:pt x="1734552" y="0"/>
+                </a:cubicBezTo>
+                <a:cubicBezTo>
+                  <a:pt x="1735796" y="290412"/>
+                  <a:pt x="1742552" y="331763"/>
+                  <a:pt x="1734552" y="584759"/>
+                </a:cubicBezTo>
+                <a:cubicBezTo>
+                  <a:pt x="1726552" y="837755"/>
+                  <a:pt x="1752076" y="930327"/>
+                  <a:pt x="1734552" y="1169517"/>
+                </a:cubicBezTo>
+                <a:cubicBezTo>
+                  <a:pt x="1566112" y="1168866"/>
+                  <a:pt x="1338815" y="1170762"/>
+                  <a:pt x="1173714" y="1169517"/>
+                </a:cubicBezTo>
+                <a:cubicBezTo>
+                  <a:pt x="1008613" y="1168272"/>
+                  <a:pt x="784857" y="1176431"/>
+                  <a:pt x="612875" y="1169517"/>
+                </a:cubicBezTo>
+                <a:cubicBezTo>
+                  <a:pt x="440893" y="1162603"/>
+                  <a:pt x="245677" y="1183114"/>
+                  <a:pt x="0" y="1169517"/>
+                </a:cubicBezTo>
+                <a:cubicBezTo>
+                  <a:pt x="10501" y="985620"/>
+                  <a:pt x="26026" y="856724"/>
+                  <a:pt x="0" y="573063"/>
+                </a:cubicBezTo>
+                <a:cubicBezTo>
+                  <a:pt x="-26026" y="289402"/>
+                  <a:pt x="8254" y="270083"/>
+                  <a:pt x="0" y="0"/>
+                </a:cubicBezTo>
+                <a:close/>
+              </a:path>
+            </a:pathLst>
+          </a:custGeom>
+          <a:solidFill>
+            <a:srgbClr val="E0DFD5"/>
+          </a:solidFill>
+          <a:ln>
+            <a:solidFill>
+              <a:srgbClr val="F09D51"/>
+            </a:solidFill>
+            <a:extLst>
+              <a:ext uri="{C807C97D-BFC1-408E-A445-0C87EB9F89A2}">
+                <ask:lineSketchStyleProps xmlns:ask="http://schemas.microsoft.com/office/drawing/2018/sketchyshapes" sd="277475729">
+                  <a:prstGeom prst="rect">
+                    <a:avLst/>
+                  </a:prstGeom>
+                  <ask:type>
+                    <ask:lineSketchFreehand/>
+                  </ask:type>
+                </ask:lineSketchStyleProps>
+              </a:ext>
+            </a:extLst>
+          </a:ln>
+          <a:effectLst>
+            <a:outerShdw blurRad="152400" dist="317500" dir="5400000" sx="90000" sy="-19000" rotWithShape="0">
+              <a:prstClr val="black">
+                <a:alpha val="15000"/>
+              </a:prstClr>
+            </a:outerShdw>
+          </a:effectLst>
+        </p:spPr>
+        <p:style>
+          <a:lnRef idx="2">
+            <a:schemeClr val="accent1">
+              <a:shade val="15000"/>
+            </a:schemeClr>
+          </a:lnRef>
+          <a:fillRef idx="1">
+            <a:schemeClr val="accent1"/>
+          </a:fillRef>
+          <a:effectRef idx="0">
+            <a:schemeClr val="accent1"/>
+          </a:effectRef>
+          <a:fontRef idx="minor">
+            <a:schemeClr val="lt1"/>
+          </a:fontRef>
+        </p:style>
+        <p:txBody>
+          <a:bodyPr rtlCol="0" anchor="t"/>
+          <a:lstStyle/>
+          <a:p>
+            <a:pPr algn="ctr"/>
+            <a:r>
+              <a:rPr lang="de-DE" sz="1400" dirty="0">
+                <a:solidFill>
+                  <a:srgbClr val="313638"/>
+                </a:solidFill>
+                <a:latin typeface="OCRB" panose="020B0609020202020204" pitchFamily="49" charset="0"/>
+              </a:rPr>
+              <a:t>Milestone 2:</a:t>
+            </a:r>
+            <a:br>
+              <a:rPr lang="de-DE" sz="1400" dirty="0">
+                <a:solidFill>
+                  <a:srgbClr val="313638"/>
+                </a:solidFill>
+                <a:latin typeface="OCRB" panose="020B0609020202020204" pitchFamily="49" charset="0"/>
+              </a:rPr>
+            </a:br>
+            <a:r>
+              <a:rPr lang="de-DE" sz="1400" dirty="0">
+                <a:solidFill>
+                  <a:srgbClr val="313638"/>
+                </a:solidFill>
+                <a:latin typeface="OCRB" panose="020B0609020202020204" pitchFamily="49" charset="0"/>
+              </a:rPr>
+              <a:t>Survey Plattform</a:t>
+            </a:r>
+          </a:p>
+        </p:txBody>
+      </p:sp>
+      <p:cxnSp>
+        <p:nvCxnSpPr>
+          <p:cNvPr id="30" name="Gerader Verbinder 29">
+            <a:extLst>
+              <a:ext uri="{FF2B5EF4-FFF2-40B4-BE49-F238E27FC236}">
+                <a16:creationId xmlns:a16="http://schemas.microsoft.com/office/drawing/2014/main" id="{C7296F8B-AE5C-AB93-F013-5FF6EAC50EDD}"/>
+              </a:ext>
+            </a:extLst>
+          </p:cNvPr>
+          <p:cNvCxnSpPr/>
+          <p:nvPr/>
+        </p:nvCxnSpPr>
+        <p:spPr>
+          <a:xfrm flipV="1">
+            <a:off x="1663510" y="2911951"/>
+            <a:ext cx="0" cy="451313"/>
+          </a:xfrm>
+          <a:prstGeom prst="line">
+            <a:avLst/>
+          </a:prstGeom>
+          <a:ln w="15875">
+            <a:solidFill>
+              <a:srgbClr val="F09D51"/>
+            </a:solidFill>
+          </a:ln>
+        </p:spPr>
+        <p:style>
+          <a:lnRef idx="1">
+            <a:schemeClr val="accent1"/>
+          </a:lnRef>
+          <a:fillRef idx="0">
+            <a:schemeClr val="accent1"/>
+          </a:fillRef>
+          <a:effectRef idx="0">
+            <a:schemeClr val="accent1"/>
+          </a:effectRef>
+          <a:fontRef idx="minor">
+            <a:schemeClr val="tx1"/>
+          </a:fontRef>
+        </p:style>
+      </p:cxnSp>
+      <p:sp>
+        <p:nvSpPr>
+          <p:cNvPr id="31" name="Textfeld 30">
+            <a:extLst>
+              <a:ext uri="{FF2B5EF4-FFF2-40B4-BE49-F238E27FC236}">
+                <a16:creationId xmlns:a16="http://schemas.microsoft.com/office/drawing/2014/main" id="{E6E65C42-8796-7E79-75A8-1AA73339BF1B}"/>
+              </a:ext>
+            </a:extLst>
+          </p:cNvPr>
+          <p:cNvSpPr txBox="1"/>
+          <p:nvPr/>
+        </p:nvSpPr>
+        <p:spPr>
+          <a:xfrm>
+            <a:off x="1089039" y="2565144"/>
+            <a:ext cx="1132208" cy="400110"/>
+          </a:xfrm>
+          <a:prstGeom prst="rect">
+            <a:avLst/>
+          </a:prstGeom>
+          <a:noFill/>
+        </p:spPr>
+        <p:txBody>
+          <a:bodyPr wrap="square" rtlCol="0">
+            <a:spAutoFit/>
+          </a:bodyPr>
+          <a:lstStyle/>
+          <a:p>
+            <a:pPr algn="ctr"/>
+            <a:r>
+              <a:rPr lang="de-DE" sz="1000" dirty="0">
+                <a:latin typeface="OCRB" panose="020B0609020202020204" pitchFamily="49" charset="0"/>
+              </a:rPr>
+              <a:t>08.11.23</a:t>
+            </a:r>
+            <a:br>
+              <a:rPr lang="de-DE" sz="1000" dirty="0">
+                <a:latin typeface="OCRB" panose="020B0609020202020204" pitchFamily="49" charset="0"/>
+              </a:rPr>
+            </a:br>
+            <a:r>
+              <a:rPr lang="de-DE" sz="1000" dirty="0" err="1">
+                <a:latin typeface="OCRB" panose="020B0609020202020204" pitchFamily="49" charset="0"/>
+              </a:rPr>
+              <a:t>Coordination</a:t>
+            </a:r>
+            <a:endParaRPr lang="de-DE" sz="1000" dirty="0">
+              <a:latin typeface="OCRB" panose="020B0609020202020204" pitchFamily="49" charset="0"/>
+            </a:endParaRPr>
+          </a:p>
+        </p:txBody>
+      </p:sp>
+      <p:sp>
+        <p:nvSpPr>
+          <p:cNvPr id="32" name="Rechteck 31">
+            <a:extLst>
+              <a:ext uri="{FF2B5EF4-FFF2-40B4-BE49-F238E27FC236}">
+                <a16:creationId xmlns:a16="http://schemas.microsoft.com/office/drawing/2014/main" id="{3849EC23-67DC-35F8-92DD-A514E922772B}"/>
+              </a:ext>
+            </a:extLst>
+          </p:cNvPr>
+          <p:cNvSpPr/>
+          <p:nvPr/>
+        </p:nvSpPr>
+        <p:spPr>
+          <a:xfrm>
+            <a:off x="5228724" y="4750210"/>
+            <a:ext cx="1734552" cy="1151715"/>
+          </a:xfrm>
+          <a:custGeom>
+            <a:avLst/>
+            <a:gdLst>
+              <a:gd name="connsiteX0" fmla="*/ 0 w 1734552"/>
+              <a:gd name="connsiteY0" fmla="*/ 0 h 1151715"/>
+              <a:gd name="connsiteX1" fmla="*/ 612875 w 1734552"/>
+              <a:gd name="connsiteY1" fmla="*/ 0 h 1151715"/>
+              <a:gd name="connsiteX2" fmla="*/ 1156368 w 1734552"/>
+              <a:gd name="connsiteY2" fmla="*/ 0 h 1151715"/>
+              <a:gd name="connsiteX3" fmla="*/ 1734552 w 1734552"/>
+              <a:gd name="connsiteY3" fmla="*/ 0 h 1151715"/>
+              <a:gd name="connsiteX4" fmla="*/ 1734552 w 1734552"/>
+              <a:gd name="connsiteY4" fmla="*/ 564340 h 1151715"/>
+              <a:gd name="connsiteX5" fmla="*/ 1734552 w 1734552"/>
+              <a:gd name="connsiteY5" fmla="*/ 1151715 h 1151715"/>
+              <a:gd name="connsiteX6" fmla="*/ 1191059 w 1734552"/>
+              <a:gd name="connsiteY6" fmla="*/ 1151715 h 1151715"/>
+              <a:gd name="connsiteX7" fmla="*/ 664912 w 1734552"/>
+              <a:gd name="connsiteY7" fmla="*/ 1151715 h 1151715"/>
+              <a:gd name="connsiteX8" fmla="*/ 0 w 1734552"/>
+              <a:gd name="connsiteY8" fmla="*/ 1151715 h 1151715"/>
+              <a:gd name="connsiteX9" fmla="*/ 0 w 1734552"/>
+              <a:gd name="connsiteY9" fmla="*/ 598892 h 1151715"/>
+              <a:gd name="connsiteX10" fmla="*/ 0 w 1734552"/>
+              <a:gd name="connsiteY10" fmla="*/ 0 h 1151715"/>
+            </a:gdLst>
+            <a:ahLst/>
+            <a:cxnLst>
+              <a:cxn ang="0">
+                <a:pos x="connsiteX0" y="connsiteY0"/>
+              </a:cxn>
+              <a:cxn ang="0">
+                <a:pos x="connsiteX1" y="connsiteY1"/>
+              </a:cxn>
+              <a:cxn ang="0">
+                <a:pos x="connsiteX2" y="connsiteY2"/>
+              </a:cxn>
+              <a:cxn ang="0">
+                <a:pos x="connsiteX3" y="connsiteY3"/>
+              </a:cxn>
+              <a:cxn ang="0">
+                <a:pos x="connsiteX4" y="connsiteY4"/>
+              </a:cxn>
+              <a:cxn ang="0">
+                <a:pos x="connsiteX5" y="connsiteY5"/>
+              </a:cxn>
+              <a:cxn ang="0">
+                <a:pos x="connsiteX6" y="connsiteY6"/>
+              </a:cxn>
+              <a:cxn ang="0">
+                <a:pos x="connsiteX7" y="connsiteY7"/>
+              </a:cxn>
+              <a:cxn ang="0">
+                <a:pos x="connsiteX8" y="connsiteY8"/>
+              </a:cxn>
+              <a:cxn ang="0">
+                <a:pos x="connsiteX9" y="connsiteY9"/>
+              </a:cxn>
+              <a:cxn ang="0">
+                <a:pos x="connsiteX10" y="connsiteY10"/>
+              </a:cxn>
+            </a:cxnLst>
+            <a:rect l="l" t="t" r="r" b="b"/>
+            <a:pathLst>
+              <a:path w="1734552" h="1151715" fill="none" extrusionOk="0">
+                <a:moveTo>
+                  <a:pt x="0" y="0"/>
+                </a:moveTo>
+                <a:cubicBezTo>
+                  <a:pt x="196669" y="-18741"/>
+                  <a:pt x="419061" y="26267"/>
+                  <a:pt x="612875" y="0"/>
+                </a:cubicBezTo>
+                <a:cubicBezTo>
+                  <a:pt x="806689" y="-26267"/>
+                  <a:pt x="1047647" y="16956"/>
+                  <a:pt x="1156368" y="0"/>
+                </a:cubicBezTo>
+                <a:cubicBezTo>
+                  <a:pt x="1265089" y="-16956"/>
+                  <a:pt x="1456745" y="3434"/>
+                  <a:pt x="1734552" y="0"/>
+                </a:cubicBezTo>
+                <a:cubicBezTo>
+                  <a:pt x="1730711" y="238504"/>
+                  <a:pt x="1735492" y="409992"/>
+                  <a:pt x="1734552" y="564340"/>
+                </a:cubicBezTo>
+                <a:cubicBezTo>
+                  <a:pt x="1733612" y="718688"/>
+                  <a:pt x="1757203" y="1009668"/>
+                  <a:pt x="1734552" y="1151715"/>
+                </a:cubicBezTo>
+                <a:cubicBezTo>
+                  <a:pt x="1487679" y="1163615"/>
+                  <a:pt x="1437572" y="1139589"/>
+                  <a:pt x="1191059" y="1151715"/>
+                </a:cubicBezTo>
+                <a:cubicBezTo>
+                  <a:pt x="944546" y="1163841"/>
+                  <a:pt x="810797" y="1131159"/>
+                  <a:pt x="664912" y="1151715"/>
+                </a:cubicBezTo>
+                <a:cubicBezTo>
+                  <a:pt x="519027" y="1172271"/>
+                  <a:pt x="152425" y="1125318"/>
+                  <a:pt x="0" y="1151715"/>
+                </a:cubicBezTo>
+                <a:cubicBezTo>
+                  <a:pt x="914" y="1020988"/>
+                  <a:pt x="3657" y="817392"/>
+                  <a:pt x="0" y="598892"/>
+                </a:cubicBezTo>
+                <a:cubicBezTo>
+                  <a:pt x="-3657" y="380392"/>
+                  <a:pt x="-19941" y="293403"/>
+                  <a:pt x="0" y="0"/>
+                </a:cubicBezTo>
+                <a:close/>
+              </a:path>
+              <a:path w="1734552" h="1151715" stroke="0" extrusionOk="0">
+                <a:moveTo>
+                  <a:pt x="0" y="0"/>
+                </a:moveTo>
+                <a:cubicBezTo>
+                  <a:pt x="214577" y="-14718"/>
+                  <a:pt x="378134" y="18379"/>
+                  <a:pt x="543493" y="0"/>
+                </a:cubicBezTo>
+                <a:cubicBezTo>
+                  <a:pt x="708852" y="-18379"/>
+                  <a:pt x="950850" y="21036"/>
+                  <a:pt x="1121677" y="0"/>
+                </a:cubicBezTo>
+                <a:cubicBezTo>
+                  <a:pt x="1292504" y="-21036"/>
+                  <a:pt x="1558147" y="-18234"/>
+                  <a:pt x="1734552" y="0"/>
+                </a:cubicBezTo>
+                <a:cubicBezTo>
+                  <a:pt x="1752593" y="202156"/>
+                  <a:pt x="1709577" y="391769"/>
+                  <a:pt x="1734552" y="575858"/>
+                </a:cubicBezTo>
+                <a:cubicBezTo>
+                  <a:pt x="1759527" y="759947"/>
+                  <a:pt x="1760138" y="929027"/>
+                  <a:pt x="1734552" y="1151715"/>
+                </a:cubicBezTo>
+                <a:cubicBezTo>
+                  <a:pt x="1566112" y="1151064"/>
+                  <a:pt x="1338815" y="1152960"/>
+                  <a:pt x="1173714" y="1151715"/>
+                </a:cubicBezTo>
+                <a:cubicBezTo>
+                  <a:pt x="1008613" y="1150470"/>
+                  <a:pt x="784857" y="1158629"/>
+                  <a:pt x="612875" y="1151715"/>
+                </a:cubicBezTo>
+                <a:cubicBezTo>
+                  <a:pt x="440893" y="1144801"/>
+                  <a:pt x="245677" y="1165312"/>
+                  <a:pt x="0" y="1151715"/>
+                </a:cubicBezTo>
+                <a:cubicBezTo>
+                  <a:pt x="-21621" y="979692"/>
+                  <a:pt x="29232" y="832405"/>
+                  <a:pt x="0" y="564340"/>
+                </a:cubicBezTo>
+                <a:cubicBezTo>
+                  <a:pt x="-29232" y="296276"/>
+                  <a:pt x="-7531" y="240127"/>
+                  <a:pt x="0" y="0"/>
+                </a:cubicBezTo>
+                <a:close/>
+              </a:path>
+            </a:pathLst>
+          </a:custGeom>
+          <a:solidFill>
+            <a:srgbClr val="E0DFD5"/>
+          </a:solidFill>
+          <a:ln>
+            <a:solidFill>
+              <a:srgbClr val="F09D51"/>
+            </a:solidFill>
+            <a:extLst>
+              <a:ext uri="{C807C97D-BFC1-408E-A445-0C87EB9F89A2}">
+                <ask:lineSketchStyleProps xmlns:ask="http://schemas.microsoft.com/office/drawing/2018/sketchyshapes" sd="277475729">
+                  <a:prstGeom prst="rect">
+                    <a:avLst/>
+                  </a:prstGeom>
+                  <ask:type>
+                    <ask:lineSketchFreehand/>
+                  </ask:type>
+                </ask:lineSketchStyleProps>
+              </a:ext>
+            </a:extLst>
+          </a:ln>
+          <a:effectLst>
+            <a:outerShdw blurRad="152400" dist="317500" dir="5400000" sx="90000" sy="-19000" rotWithShape="0">
+              <a:prstClr val="black">
+                <a:alpha val="15000"/>
+              </a:prstClr>
+            </a:outerShdw>
+          </a:effectLst>
+        </p:spPr>
+        <p:style>
+          <a:lnRef idx="2">
+            <a:schemeClr val="accent1">
+              <a:shade val="15000"/>
+            </a:schemeClr>
+          </a:lnRef>
+          <a:fillRef idx="1">
+            <a:schemeClr val="accent1"/>
+          </a:fillRef>
+          <a:effectRef idx="0">
+            <a:schemeClr val="accent1"/>
+          </a:effectRef>
+          <a:fontRef idx="minor">
+            <a:schemeClr val="lt1"/>
+          </a:fontRef>
+        </p:style>
+        <p:txBody>
+          <a:bodyPr rtlCol="0" anchor="t"/>
+          <a:lstStyle/>
+          <a:p>
+            <a:pPr algn="ctr"/>
+            <a:r>
+              <a:rPr lang="de-DE" sz="1400" dirty="0">
+                <a:solidFill>
+                  <a:srgbClr val="313638"/>
+                </a:solidFill>
+                <a:latin typeface="OCRB" panose="020B0609020202020204" pitchFamily="49" charset="0"/>
+              </a:rPr>
+              <a:t>Milestone 3:</a:t>
+            </a:r>
+            <a:br>
+              <a:rPr lang="de-DE" sz="1400" dirty="0">
+                <a:solidFill>
+                  <a:srgbClr val="313638"/>
+                </a:solidFill>
+                <a:latin typeface="OCRB" panose="020B0609020202020204" pitchFamily="49" charset="0"/>
+              </a:rPr>
+            </a:br>
+            <a:r>
+              <a:rPr lang="de-DE" sz="1400" dirty="0">
+                <a:solidFill>
+                  <a:srgbClr val="313638"/>
+                </a:solidFill>
+                <a:latin typeface="OCRB" panose="020B0609020202020204" pitchFamily="49" charset="0"/>
+              </a:rPr>
+              <a:t>Experiment</a:t>
+            </a:r>
+          </a:p>
+        </p:txBody>
+      </p:sp>
+      <p:sp>
+        <p:nvSpPr>
+          <p:cNvPr id="33" name="Rechteck 32">
+            <a:extLst>
+              <a:ext uri="{FF2B5EF4-FFF2-40B4-BE49-F238E27FC236}">
+                <a16:creationId xmlns:a16="http://schemas.microsoft.com/office/drawing/2014/main" id="{65F2E3D6-3D36-BC18-4256-B6963AE578E2}"/>
+              </a:ext>
+            </a:extLst>
+          </p:cNvPr>
+          <p:cNvSpPr/>
+          <p:nvPr/>
+        </p:nvSpPr>
+        <p:spPr>
+          <a:xfrm>
+            <a:off x="7172632" y="4750211"/>
+            <a:ext cx="1734552" cy="1112470"/>
+          </a:xfrm>
+          <a:custGeom>
+            <a:avLst/>
+            <a:gdLst>
+              <a:gd name="connsiteX0" fmla="*/ 0 w 1734552"/>
+              <a:gd name="connsiteY0" fmla="*/ 0 h 1112470"/>
+              <a:gd name="connsiteX1" fmla="*/ 612875 w 1734552"/>
+              <a:gd name="connsiteY1" fmla="*/ 0 h 1112470"/>
+              <a:gd name="connsiteX2" fmla="*/ 1156368 w 1734552"/>
+              <a:gd name="connsiteY2" fmla="*/ 0 h 1112470"/>
+              <a:gd name="connsiteX3" fmla="*/ 1734552 w 1734552"/>
+              <a:gd name="connsiteY3" fmla="*/ 0 h 1112470"/>
+              <a:gd name="connsiteX4" fmla="*/ 1734552 w 1734552"/>
+              <a:gd name="connsiteY4" fmla="*/ 545110 h 1112470"/>
+              <a:gd name="connsiteX5" fmla="*/ 1734552 w 1734552"/>
+              <a:gd name="connsiteY5" fmla="*/ 1112470 h 1112470"/>
+              <a:gd name="connsiteX6" fmla="*/ 1191059 w 1734552"/>
+              <a:gd name="connsiteY6" fmla="*/ 1112470 h 1112470"/>
+              <a:gd name="connsiteX7" fmla="*/ 664912 w 1734552"/>
+              <a:gd name="connsiteY7" fmla="*/ 1112470 h 1112470"/>
+              <a:gd name="connsiteX8" fmla="*/ 0 w 1734552"/>
+              <a:gd name="connsiteY8" fmla="*/ 1112470 h 1112470"/>
+              <a:gd name="connsiteX9" fmla="*/ 0 w 1734552"/>
+              <a:gd name="connsiteY9" fmla="*/ 578484 h 1112470"/>
+              <a:gd name="connsiteX10" fmla="*/ 0 w 1734552"/>
+              <a:gd name="connsiteY10" fmla="*/ 0 h 1112470"/>
+            </a:gdLst>
+            <a:ahLst/>
+            <a:cxnLst>
+              <a:cxn ang="0">
+                <a:pos x="connsiteX0" y="connsiteY0"/>
+              </a:cxn>
+              <a:cxn ang="0">
+                <a:pos x="connsiteX1" y="connsiteY1"/>
+              </a:cxn>
+              <a:cxn ang="0">
+                <a:pos x="connsiteX2" y="connsiteY2"/>
+              </a:cxn>
+              <a:cxn ang="0">
+                <a:pos x="connsiteX3" y="connsiteY3"/>
+              </a:cxn>
+              <a:cxn ang="0">
+                <a:pos x="connsiteX4" y="connsiteY4"/>
+              </a:cxn>
+              <a:cxn ang="0">
+                <a:pos x="connsiteX5" y="connsiteY5"/>
+              </a:cxn>
+              <a:cxn ang="0">
+                <a:pos x="connsiteX6" y="connsiteY6"/>
+              </a:cxn>
+              <a:cxn ang="0">
+                <a:pos x="connsiteX7" y="connsiteY7"/>
+              </a:cxn>
+              <a:cxn ang="0">
+                <a:pos x="connsiteX8" y="connsiteY8"/>
+              </a:cxn>
+              <a:cxn ang="0">
+                <a:pos x="connsiteX9" y="connsiteY9"/>
+              </a:cxn>
+              <a:cxn ang="0">
+                <a:pos x="connsiteX10" y="connsiteY10"/>
+              </a:cxn>
+            </a:cxnLst>
+            <a:rect l="l" t="t" r="r" b="b"/>
+            <a:pathLst>
+              <a:path w="1734552" h="1112470" fill="none" extrusionOk="0">
+                <a:moveTo>
+                  <a:pt x="0" y="0"/>
+                </a:moveTo>
+                <a:cubicBezTo>
+                  <a:pt x="196669" y="-18741"/>
+                  <a:pt x="419061" y="26267"/>
+                  <a:pt x="612875" y="0"/>
+                </a:cubicBezTo>
+                <a:cubicBezTo>
+                  <a:pt x="806689" y="-26267"/>
+                  <a:pt x="1047647" y="16956"/>
+                  <a:pt x="1156368" y="0"/>
+                </a:cubicBezTo>
+                <a:cubicBezTo>
+                  <a:pt x="1265089" y="-16956"/>
+                  <a:pt x="1456745" y="3434"/>
+                  <a:pt x="1734552" y="0"/>
+                </a:cubicBezTo>
+                <a:cubicBezTo>
+                  <a:pt x="1760379" y="222739"/>
+                  <a:pt x="1721074" y="384903"/>
+                  <a:pt x="1734552" y="545110"/>
+                </a:cubicBezTo>
+                <a:cubicBezTo>
+                  <a:pt x="1748031" y="705317"/>
+                  <a:pt x="1709132" y="966494"/>
+                  <a:pt x="1734552" y="1112470"/>
+                </a:cubicBezTo>
+                <a:cubicBezTo>
+                  <a:pt x="1487679" y="1124370"/>
+                  <a:pt x="1437572" y="1100344"/>
+                  <a:pt x="1191059" y="1112470"/>
+                </a:cubicBezTo>
+                <a:cubicBezTo>
+                  <a:pt x="944546" y="1124596"/>
+                  <a:pt x="810797" y="1091914"/>
+                  <a:pt x="664912" y="1112470"/>
+                </a:cubicBezTo>
+                <a:cubicBezTo>
+                  <a:pt x="519027" y="1133026"/>
+                  <a:pt x="152425" y="1086073"/>
+                  <a:pt x="0" y="1112470"/>
+                </a:cubicBezTo>
+                <a:cubicBezTo>
+                  <a:pt x="16695" y="852371"/>
+                  <a:pt x="10271" y="759374"/>
+                  <a:pt x="0" y="578484"/>
+                </a:cubicBezTo>
+                <a:cubicBezTo>
+                  <a:pt x="-10271" y="397594"/>
+                  <a:pt x="-10345" y="230359"/>
+                  <a:pt x="0" y="0"/>
+                </a:cubicBezTo>
+                <a:close/>
+              </a:path>
+              <a:path w="1734552" h="1112470" stroke="0" extrusionOk="0">
+                <a:moveTo>
+                  <a:pt x="0" y="0"/>
+                </a:moveTo>
+                <a:cubicBezTo>
+                  <a:pt x="214577" y="-14718"/>
+                  <a:pt x="378134" y="18379"/>
+                  <a:pt x="543493" y="0"/>
+                </a:cubicBezTo>
+                <a:cubicBezTo>
+                  <a:pt x="708852" y="-18379"/>
+                  <a:pt x="950850" y="21036"/>
+                  <a:pt x="1121677" y="0"/>
+                </a:cubicBezTo>
+                <a:cubicBezTo>
+                  <a:pt x="1292504" y="-21036"/>
+                  <a:pt x="1558147" y="-18234"/>
+                  <a:pt x="1734552" y="0"/>
+                </a:cubicBezTo>
+                <a:cubicBezTo>
+                  <a:pt x="1753164" y="256220"/>
+                  <a:pt x="1731287" y="354675"/>
+                  <a:pt x="1734552" y="556235"/>
+                </a:cubicBezTo>
+                <a:cubicBezTo>
+                  <a:pt x="1737817" y="757795"/>
+                  <a:pt x="1722559" y="921806"/>
+                  <a:pt x="1734552" y="1112470"/>
+                </a:cubicBezTo>
+                <a:cubicBezTo>
+                  <a:pt x="1566112" y="1111819"/>
+                  <a:pt x="1338815" y="1113715"/>
+                  <a:pt x="1173714" y="1112470"/>
+                </a:cubicBezTo>
+                <a:cubicBezTo>
+                  <a:pt x="1008613" y="1111225"/>
+                  <a:pt x="784857" y="1119384"/>
+                  <a:pt x="612875" y="1112470"/>
+                </a:cubicBezTo>
+                <a:cubicBezTo>
+                  <a:pt x="440893" y="1105556"/>
+                  <a:pt x="245677" y="1126067"/>
+                  <a:pt x="0" y="1112470"/>
+                </a:cubicBezTo>
+                <a:cubicBezTo>
+                  <a:pt x="4974" y="910344"/>
+                  <a:pt x="-22057" y="703742"/>
+                  <a:pt x="0" y="545110"/>
+                </a:cubicBezTo>
+                <a:cubicBezTo>
+                  <a:pt x="22057" y="386478"/>
+                  <a:pt x="5408" y="154393"/>
+                  <a:pt x="0" y="0"/>
+                </a:cubicBezTo>
+                <a:close/>
+              </a:path>
+            </a:pathLst>
+          </a:custGeom>
+          <a:solidFill>
+            <a:srgbClr val="E0DFD5"/>
+          </a:solidFill>
+          <a:ln>
+            <a:solidFill>
+              <a:srgbClr val="F09D51"/>
+            </a:solidFill>
+            <a:extLst>
+              <a:ext uri="{C807C97D-BFC1-408E-A445-0C87EB9F89A2}">
+                <ask:lineSketchStyleProps xmlns:ask="http://schemas.microsoft.com/office/drawing/2018/sketchyshapes" sd="277475729">
+                  <a:prstGeom prst="rect">
+                    <a:avLst/>
+                  </a:prstGeom>
+                  <ask:type>
+                    <ask:lineSketchFreehand/>
+                  </ask:type>
+                </ask:lineSketchStyleProps>
+              </a:ext>
+            </a:extLst>
+          </a:ln>
+          <a:effectLst>
+            <a:outerShdw blurRad="152400" dist="317500" dir="5400000" sx="90000" sy="-19000" rotWithShape="0">
+              <a:prstClr val="black">
+                <a:alpha val="15000"/>
+              </a:prstClr>
+            </a:outerShdw>
+          </a:effectLst>
+        </p:spPr>
+        <p:style>
+          <a:lnRef idx="2">
+            <a:schemeClr val="accent1">
+              <a:shade val="15000"/>
+            </a:schemeClr>
+          </a:lnRef>
+          <a:fillRef idx="1">
+            <a:schemeClr val="accent1"/>
+          </a:fillRef>
+          <a:effectRef idx="0">
+            <a:schemeClr val="accent1"/>
+          </a:effectRef>
+          <a:fontRef idx="minor">
+            <a:schemeClr val="lt1"/>
+          </a:fontRef>
+        </p:style>
+        <p:txBody>
+          <a:bodyPr rtlCol="0" anchor="t"/>
+          <a:lstStyle/>
+          <a:p>
+            <a:pPr algn="ctr"/>
+            <a:r>
+              <a:rPr lang="de-DE" sz="1400" dirty="0">
+                <a:solidFill>
+                  <a:srgbClr val="313638"/>
+                </a:solidFill>
+                <a:latin typeface="OCRB" panose="020B0609020202020204" pitchFamily="49" charset="0"/>
+              </a:rPr>
+              <a:t>Milestone 4:</a:t>
+            </a:r>
+            <a:br>
+              <a:rPr lang="de-DE" sz="1400" dirty="0">
+                <a:solidFill>
+                  <a:srgbClr val="313638"/>
+                </a:solidFill>
+                <a:latin typeface="OCRB" panose="020B0609020202020204" pitchFamily="49" charset="0"/>
+              </a:rPr>
+            </a:br>
+            <a:r>
+              <a:rPr lang="de-DE" sz="1400" dirty="0">
+                <a:solidFill>
+                  <a:srgbClr val="313638"/>
+                </a:solidFill>
+                <a:latin typeface="OCRB" panose="020B0609020202020204" pitchFamily="49" charset="0"/>
+              </a:rPr>
+              <a:t>Data Analysis</a:t>
+            </a:r>
+          </a:p>
+        </p:txBody>
+      </p:sp>
+      <p:sp>
+        <p:nvSpPr>
+          <p:cNvPr id="35" name="Flussdiagramm: Vorbereitung 34">
+            <a:extLst>
+              <a:ext uri="{FF2B5EF4-FFF2-40B4-BE49-F238E27FC236}">
+                <a16:creationId xmlns:a16="http://schemas.microsoft.com/office/drawing/2014/main" id="{5A88F5AD-3EEF-343B-E9F9-A753DEE31762}"/>
+              </a:ext>
+            </a:extLst>
+          </p:cNvPr>
+          <p:cNvSpPr/>
+          <p:nvPr/>
+        </p:nvSpPr>
+        <p:spPr>
+          <a:xfrm>
+            <a:off x="2092417" y="5849078"/>
+            <a:ext cx="1130662" cy="597383"/>
+          </a:xfrm>
+          <a:prstGeom prst="flowChartPreparation">
+            <a:avLst/>
+          </a:prstGeom>
+          <a:solidFill>
+            <a:srgbClr val="E0DFD5"/>
+          </a:solidFill>
+          <a:ln>
+            <a:solidFill>
+              <a:srgbClr val="C50E1F"/>
+            </a:solidFill>
+          </a:ln>
+        </p:spPr>
+        <p:style>
+          <a:lnRef idx="2">
+            <a:schemeClr val="accent1">
+              <a:shade val="15000"/>
+            </a:schemeClr>
+          </a:lnRef>
+          <a:fillRef idx="1">
+            <a:schemeClr val="accent1"/>
+          </a:fillRef>
+          <a:effectRef idx="0">
+            <a:schemeClr val="accent1"/>
+          </a:effectRef>
+          <a:fontRef idx="minor">
+            <a:schemeClr val="lt1"/>
+          </a:fontRef>
+        </p:style>
+        <p:txBody>
+          <a:bodyPr rtlCol="0" anchor="ctr"/>
+          <a:lstStyle/>
+          <a:p>
+            <a:pPr algn="ctr"/>
+            <a:r>
+              <a:rPr lang="de-DE" sz="1200" dirty="0">
+                <a:solidFill>
+                  <a:srgbClr val="313638"/>
+                </a:solidFill>
+              </a:rPr>
+              <a:t>1-2 </a:t>
+            </a:r>
+            <a:r>
+              <a:rPr lang="de-DE" sz="1200" dirty="0" err="1">
+                <a:solidFill>
+                  <a:srgbClr val="313638"/>
+                </a:solidFill>
+              </a:rPr>
+              <a:t>Weeks</a:t>
+            </a:r>
+            <a:endParaRPr lang="de-DE" sz="1200" dirty="0">
+              <a:solidFill>
+                <a:srgbClr val="313638"/>
+              </a:solidFill>
+            </a:endParaRPr>
+          </a:p>
+        </p:txBody>
+      </p:sp>
+      <p:sp>
+        <p:nvSpPr>
+          <p:cNvPr id="36" name="Flussdiagramm: Vorbereitung 35">
+            <a:extLst>
+              <a:ext uri="{FF2B5EF4-FFF2-40B4-BE49-F238E27FC236}">
+                <a16:creationId xmlns:a16="http://schemas.microsoft.com/office/drawing/2014/main" id="{F0A60279-EBD7-A449-5F23-5A31F57A8C3C}"/>
+              </a:ext>
+            </a:extLst>
+          </p:cNvPr>
+          <p:cNvSpPr/>
+          <p:nvPr/>
+        </p:nvSpPr>
+        <p:spPr>
+          <a:xfrm>
+            <a:off x="5913550" y="5776012"/>
+            <a:ext cx="1130662" cy="597383"/>
+          </a:xfrm>
+          <a:prstGeom prst="flowChartPreparation">
+            <a:avLst/>
+          </a:prstGeom>
+          <a:solidFill>
+            <a:srgbClr val="E0DFD5"/>
+          </a:solidFill>
+          <a:ln>
+            <a:solidFill>
+              <a:srgbClr val="C50E1F"/>
+            </a:solidFill>
+          </a:ln>
+        </p:spPr>
+        <p:style>
+          <a:lnRef idx="2">
+            <a:schemeClr val="accent1">
+              <a:shade val="15000"/>
+            </a:schemeClr>
+          </a:lnRef>
+          <a:fillRef idx="1">
+            <a:schemeClr val="accent1"/>
+          </a:fillRef>
+          <a:effectRef idx="0">
+            <a:schemeClr val="accent1"/>
+          </a:effectRef>
+          <a:fontRef idx="minor">
+            <a:schemeClr val="lt1"/>
+          </a:fontRef>
+        </p:style>
+        <p:txBody>
+          <a:bodyPr rtlCol="0" anchor="ctr"/>
+          <a:lstStyle/>
+          <a:p>
+            <a:pPr algn="ctr"/>
+            <a:r>
+              <a:rPr lang="de-DE" sz="1200" dirty="0">
+                <a:solidFill>
+                  <a:srgbClr val="313638"/>
+                </a:solidFill>
+              </a:rPr>
+              <a:t>2-3 </a:t>
+            </a:r>
+            <a:r>
+              <a:rPr lang="de-DE" sz="1200" dirty="0" err="1">
+                <a:solidFill>
+                  <a:srgbClr val="313638"/>
+                </a:solidFill>
+              </a:rPr>
+              <a:t>Weeks</a:t>
+            </a:r>
+            <a:endParaRPr lang="de-DE" sz="1200" dirty="0">
+              <a:solidFill>
+                <a:srgbClr val="313638"/>
+              </a:solidFill>
+            </a:endParaRPr>
+          </a:p>
+        </p:txBody>
+      </p:sp>
+      <p:sp>
+        <p:nvSpPr>
+          <p:cNvPr id="37" name="Flussdiagramm: Vorbereitung 36">
+            <a:extLst>
+              <a:ext uri="{FF2B5EF4-FFF2-40B4-BE49-F238E27FC236}">
+                <a16:creationId xmlns:a16="http://schemas.microsoft.com/office/drawing/2014/main" id="{44A0C636-41F9-3CBD-D037-591BC0036830}"/>
+              </a:ext>
+            </a:extLst>
+          </p:cNvPr>
+          <p:cNvSpPr/>
+          <p:nvPr/>
+        </p:nvSpPr>
+        <p:spPr>
+          <a:xfrm>
+            <a:off x="3974587" y="5659075"/>
+            <a:ext cx="1130662" cy="597383"/>
+          </a:xfrm>
+          <a:prstGeom prst="flowChartPreparation">
+            <a:avLst/>
+          </a:prstGeom>
+          <a:solidFill>
+            <a:srgbClr val="E0DFD5"/>
+          </a:solidFill>
+          <a:ln>
+            <a:solidFill>
+              <a:srgbClr val="C50E1F"/>
+            </a:solidFill>
+          </a:ln>
+        </p:spPr>
+        <p:style>
+          <a:lnRef idx="2">
+            <a:schemeClr val="accent1">
+              <a:shade val="15000"/>
+            </a:schemeClr>
+          </a:lnRef>
+          <a:fillRef idx="1">
+            <a:schemeClr val="accent1"/>
+          </a:fillRef>
+          <a:effectRef idx="0">
+            <a:schemeClr val="accent1"/>
+          </a:effectRef>
+          <a:fontRef idx="minor">
+            <a:schemeClr val="lt1"/>
+          </a:fontRef>
+        </p:style>
+        <p:txBody>
+          <a:bodyPr rtlCol="0" anchor="ctr"/>
+          <a:lstStyle/>
+          <a:p>
+            <a:pPr algn="ctr"/>
+            <a:r>
+              <a:rPr lang="de-DE" sz="1200" dirty="0">
+                <a:solidFill>
+                  <a:srgbClr val="313638"/>
+                </a:solidFill>
+              </a:rPr>
+              <a:t>2 </a:t>
+            </a:r>
+          </a:p>
+          <a:p>
+            <a:pPr algn="ctr"/>
+            <a:r>
+              <a:rPr lang="de-DE" sz="1200" dirty="0">
+                <a:solidFill>
+                  <a:srgbClr val="313638"/>
+                </a:solidFill>
+              </a:rPr>
+              <a:t>Week</a:t>
+            </a:r>
+          </a:p>
+        </p:txBody>
+      </p:sp>
+      <p:sp>
+        <p:nvSpPr>
+          <p:cNvPr id="38" name="Flussdiagramm: Vorbereitung 37">
+            <a:extLst>
+              <a:ext uri="{FF2B5EF4-FFF2-40B4-BE49-F238E27FC236}">
+                <a16:creationId xmlns:a16="http://schemas.microsoft.com/office/drawing/2014/main" id="{36DF89BE-08ED-8E43-8D2C-F747D9123ED8}"/>
+              </a:ext>
+            </a:extLst>
+          </p:cNvPr>
+          <p:cNvSpPr/>
+          <p:nvPr/>
+        </p:nvSpPr>
+        <p:spPr>
+          <a:xfrm>
+            <a:off x="7944859" y="5673405"/>
+            <a:ext cx="1130662" cy="597383"/>
+          </a:xfrm>
+          <a:prstGeom prst="flowChartPreparation">
+            <a:avLst/>
+          </a:prstGeom>
+          <a:solidFill>
+            <a:srgbClr val="E0DFD5"/>
+          </a:solidFill>
+          <a:ln>
+            <a:solidFill>
+              <a:srgbClr val="C50E1F"/>
+            </a:solidFill>
+          </a:ln>
+        </p:spPr>
+        <p:style>
+          <a:lnRef idx="2">
+            <a:schemeClr val="accent1">
+              <a:shade val="15000"/>
+            </a:schemeClr>
+          </a:lnRef>
+          <a:fillRef idx="1">
+            <a:schemeClr val="accent1"/>
+          </a:fillRef>
+          <a:effectRef idx="0">
+            <a:schemeClr val="accent1"/>
+          </a:effectRef>
+          <a:fontRef idx="minor">
+            <a:schemeClr val="lt1"/>
+          </a:fontRef>
+        </p:style>
+        <p:txBody>
+          <a:bodyPr rtlCol="0" anchor="ctr"/>
+          <a:lstStyle/>
+          <a:p>
+            <a:pPr algn="ctr"/>
+            <a:r>
+              <a:rPr lang="de-DE" sz="1200" dirty="0">
+                <a:solidFill>
+                  <a:srgbClr val="313638"/>
+                </a:solidFill>
+              </a:rPr>
+              <a:t>2-3 </a:t>
+            </a:r>
+            <a:r>
+              <a:rPr lang="de-DE" sz="1200" dirty="0" err="1">
+                <a:solidFill>
+                  <a:srgbClr val="313638"/>
+                </a:solidFill>
+              </a:rPr>
+              <a:t>Weeks</a:t>
+            </a:r>
+            <a:endParaRPr lang="de-DE" sz="1200" dirty="0">
+              <a:solidFill>
+                <a:srgbClr val="313638"/>
+              </a:solidFill>
+            </a:endParaRPr>
+          </a:p>
+        </p:txBody>
+      </p:sp>
+      <p:graphicFrame>
+        <p:nvGraphicFramePr>
+          <p:cNvPr id="24" name="Objekt 23">
+            <a:extLst>
+              <a:ext uri="{FF2B5EF4-FFF2-40B4-BE49-F238E27FC236}">
+                <a16:creationId xmlns:a16="http://schemas.microsoft.com/office/drawing/2014/main" id="{CC871CD8-10B2-29E2-0E0B-1388F7B69C08}"/>
+              </a:ext>
+            </a:extLst>
+          </p:cNvPr>
+          <p:cNvGraphicFramePr>
+            <a:graphicFrameLocks noChangeAspect="1"/>
+          </p:cNvGraphicFramePr>
+          <p:nvPr>
+            <p:extLst>
+              <p:ext uri="{D42A27DB-BD31-4B8C-83A1-F6EECF244321}">
+                <p14:modId xmlns:p14="http://schemas.microsoft.com/office/powerpoint/2010/main" val="268636376"/>
+              </p:ext>
+            </p:extLst>
+          </p:nvPr>
+        </p:nvGraphicFramePr>
+        <p:xfrm>
+          <a:off x="447389" y="3376613"/>
+          <a:ext cx="9712611" cy="157356"/>
+        </p:xfrm>
+        <a:graphic>
+          <a:graphicData uri="http://schemas.openxmlformats.org/presentationml/2006/ole">
+            <mc:AlternateContent xmlns:mc="http://schemas.openxmlformats.org/markup-compatibility/2006">
+              <mc:Choice xmlns:v="urn:schemas-microsoft-com:vml" Requires="v">
+                <p:oleObj name="Worksheet" r:id="rId3" imgW="15246227" imgH="190434" progId="Excel.Sheet.12">
+                  <p:embed/>
+                </p:oleObj>
+              </mc:Choice>
+              <mc:Fallback>
+                <p:oleObj name="Worksheet" r:id="rId3" imgW="15246227" imgH="190434" progId="Excel.Sheet.12">
+                  <p:embed/>
+                  <p:pic>
+                    <p:nvPicPr>
+                      <p:cNvPr id="24" name="Objekt 23">
+                        <a:extLst>
+                          <a:ext uri="{FF2B5EF4-FFF2-40B4-BE49-F238E27FC236}">
+                            <a16:creationId xmlns:a16="http://schemas.microsoft.com/office/drawing/2014/main" id="{CC871CD8-10B2-29E2-0E0B-1388F7B69C08}"/>
+                          </a:ext>
+                        </a:extLst>
+                      </p:cNvPr>
+                      <p:cNvPicPr/>
+                      <p:nvPr/>
+                    </p:nvPicPr>
+                    <p:blipFill>
+                      <a:blip r:embed="rId4"/>
+                      <a:stretch>
+                        <a:fillRect/>
+                      </a:stretch>
+                    </p:blipFill>
+                    <p:spPr>
+                      <a:xfrm>
+                        <a:off x="447389" y="3376613"/>
+                        <a:ext cx="9712611" cy="157356"/>
+                      </a:xfrm>
+                      <a:prstGeom prst="rect">
+                        <a:avLst/>
+                      </a:prstGeom>
+                    </p:spPr>
+                  </p:pic>
+                </p:oleObj>
+              </mc:Fallback>
+            </mc:AlternateContent>
+          </a:graphicData>
+        </a:graphic>
+      </p:graphicFrame>
+      <p:cxnSp>
+        <p:nvCxnSpPr>
+          <p:cNvPr id="25" name="Gerader Verbinder 24">
+            <a:extLst>
+              <a:ext uri="{FF2B5EF4-FFF2-40B4-BE49-F238E27FC236}">
+                <a16:creationId xmlns:a16="http://schemas.microsoft.com/office/drawing/2014/main" id="{3BB6FE20-2944-0A1B-8E1F-FFBFA13D3D34}"/>
+              </a:ext>
+            </a:extLst>
+          </p:cNvPr>
+          <p:cNvCxnSpPr/>
+          <p:nvPr/>
+        </p:nvCxnSpPr>
+        <p:spPr>
+          <a:xfrm flipV="1">
+            <a:off x="1187996" y="3533969"/>
+            <a:ext cx="0" cy="451313"/>
+          </a:xfrm>
+          <a:prstGeom prst="line">
+            <a:avLst/>
+          </a:prstGeom>
+          <a:ln w="15875">
+            <a:solidFill>
+              <a:srgbClr val="F09D51"/>
+            </a:solidFill>
+          </a:ln>
+        </p:spPr>
+        <p:style>
+          <a:lnRef idx="1">
+            <a:schemeClr val="accent1"/>
+          </a:lnRef>
+          <a:fillRef idx="0">
+            <a:schemeClr val="accent1"/>
+          </a:fillRef>
+          <a:effectRef idx="0">
+            <a:schemeClr val="accent1"/>
+          </a:effectRef>
+          <a:fontRef idx="minor">
+            <a:schemeClr val="tx1"/>
+          </a:fontRef>
+        </p:style>
+      </p:cxnSp>
+      <p:sp>
+        <p:nvSpPr>
+          <p:cNvPr id="34" name="Textfeld 33">
+            <a:extLst>
+              <a:ext uri="{FF2B5EF4-FFF2-40B4-BE49-F238E27FC236}">
+                <a16:creationId xmlns:a16="http://schemas.microsoft.com/office/drawing/2014/main" id="{24A53063-3E2A-1B68-3CFA-44A5D8EBBB37}"/>
+              </a:ext>
+            </a:extLst>
+          </p:cNvPr>
+          <p:cNvSpPr txBox="1"/>
+          <p:nvPr/>
+        </p:nvSpPr>
+        <p:spPr>
+          <a:xfrm>
+            <a:off x="621892" y="3995346"/>
+            <a:ext cx="1132208" cy="553998"/>
+          </a:xfrm>
+          <a:prstGeom prst="rect">
+            <a:avLst/>
+          </a:prstGeom>
+          <a:noFill/>
+        </p:spPr>
+        <p:txBody>
+          <a:bodyPr wrap="square" rtlCol="0">
+            <a:spAutoFit/>
+          </a:bodyPr>
+          <a:lstStyle/>
+          <a:p>
+            <a:pPr algn="ctr"/>
+            <a:r>
+              <a:rPr lang="de-DE" sz="1000" dirty="0">
+                <a:latin typeface="OCRB" panose="020B0609020202020204" pitchFamily="49" charset="0"/>
+              </a:rPr>
+              <a:t>01.11.23</a:t>
+            </a:r>
+            <a:br>
+              <a:rPr lang="de-DE" sz="1000" dirty="0">
+                <a:latin typeface="OCRB" panose="020B0609020202020204" pitchFamily="49" charset="0"/>
+              </a:rPr>
+            </a:br>
+            <a:r>
+              <a:rPr lang="de-DE" sz="1000" dirty="0">
+                <a:latin typeface="OCRB" panose="020B0609020202020204" pitchFamily="49" charset="0"/>
+              </a:rPr>
+              <a:t>Team </a:t>
+            </a:r>
+            <a:r>
+              <a:rPr lang="de-DE" sz="1000" dirty="0" err="1">
+                <a:latin typeface="OCRB" panose="020B0609020202020204" pitchFamily="49" charset="0"/>
+              </a:rPr>
+              <a:t>building</a:t>
+            </a:r>
+            <a:endParaRPr lang="de-DE" sz="1000" dirty="0">
+              <a:latin typeface="OCRB" panose="020B0609020202020204" pitchFamily="49" charset="0"/>
+            </a:endParaRPr>
+          </a:p>
+        </p:txBody>
+      </p:sp>
+      <p:cxnSp>
+        <p:nvCxnSpPr>
+          <p:cNvPr id="39" name="Gerader Verbinder 38">
+            <a:extLst>
+              <a:ext uri="{FF2B5EF4-FFF2-40B4-BE49-F238E27FC236}">
+                <a16:creationId xmlns:a16="http://schemas.microsoft.com/office/drawing/2014/main" id="{0AC30146-280D-DFD1-0F34-1CD04A4397ED}"/>
+              </a:ext>
+            </a:extLst>
+          </p:cNvPr>
+          <p:cNvCxnSpPr/>
+          <p:nvPr/>
+        </p:nvCxnSpPr>
+        <p:spPr>
+          <a:xfrm flipV="1">
+            <a:off x="2129213" y="3533968"/>
+            <a:ext cx="0" cy="451313"/>
+          </a:xfrm>
+          <a:prstGeom prst="line">
+            <a:avLst/>
+          </a:prstGeom>
+          <a:ln w="15875">
+            <a:solidFill>
+              <a:srgbClr val="F09D51"/>
+            </a:solidFill>
+          </a:ln>
+        </p:spPr>
+        <p:style>
+          <a:lnRef idx="1">
+            <a:schemeClr val="accent1"/>
+          </a:lnRef>
+          <a:fillRef idx="0">
+            <a:schemeClr val="accent1"/>
+          </a:fillRef>
+          <a:effectRef idx="0">
+            <a:schemeClr val="accent1"/>
+          </a:effectRef>
+          <a:fontRef idx="minor">
+            <a:schemeClr val="tx1"/>
+          </a:fontRef>
+        </p:style>
+      </p:cxnSp>
+      <p:sp>
+        <p:nvSpPr>
+          <p:cNvPr id="40" name="Textfeld 39">
+            <a:extLst>
+              <a:ext uri="{FF2B5EF4-FFF2-40B4-BE49-F238E27FC236}">
+                <a16:creationId xmlns:a16="http://schemas.microsoft.com/office/drawing/2014/main" id="{CA1BA5BC-F5B6-10C3-346E-B9E501E3FB1C}"/>
+              </a:ext>
+            </a:extLst>
+          </p:cNvPr>
+          <p:cNvSpPr txBox="1"/>
+          <p:nvPr/>
+        </p:nvSpPr>
+        <p:spPr>
+          <a:xfrm>
+            <a:off x="1563109" y="3982455"/>
+            <a:ext cx="1132208" cy="400110"/>
+          </a:xfrm>
+          <a:prstGeom prst="rect">
+            <a:avLst/>
+          </a:prstGeom>
+          <a:noFill/>
+        </p:spPr>
+        <p:txBody>
+          <a:bodyPr wrap="square" rtlCol="0">
+            <a:spAutoFit/>
+          </a:bodyPr>
+          <a:lstStyle/>
+          <a:p>
+            <a:pPr algn="ctr"/>
+            <a:r>
+              <a:rPr lang="de-DE" sz="1000" dirty="0">
+                <a:latin typeface="OCRB" panose="020B0609020202020204" pitchFamily="49" charset="0"/>
+              </a:rPr>
+              <a:t>15.11.23</a:t>
+            </a:r>
+            <a:br>
+              <a:rPr lang="de-DE" sz="1000" dirty="0">
+                <a:latin typeface="OCRB" panose="020B0609020202020204" pitchFamily="49" charset="0"/>
+              </a:rPr>
+            </a:br>
+            <a:r>
+              <a:rPr lang="de-DE" sz="1000" dirty="0">
+                <a:latin typeface="OCRB" panose="020B0609020202020204" pitchFamily="49" charset="0"/>
+              </a:rPr>
+              <a:t>Mockup</a:t>
+            </a:r>
+          </a:p>
+        </p:txBody>
+      </p:sp>
+      <p:sp>
+        <p:nvSpPr>
+          <p:cNvPr id="41" name="Rechteck 40">
+            <a:extLst>
+              <a:ext uri="{FF2B5EF4-FFF2-40B4-BE49-F238E27FC236}">
+                <a16:creationId xmlns:a16="http://schemas.microsoft.com/office/drawing/2014/main" id="{0ABE6DE4-C096-CAA8-2ACD-6207507F63FD}"/>
+              </a:ext>
+            </a:extLst>
+          </p:cNvPr>
+          <p:cNvSpPr/>
+          <p:nvPr/>
+        </p:nvSpPr>
+        <p:spPr>
+          <a:xfrm>
+            <a:off x="9114122" y="4750210"/>
+            <a:ext cx="1734552" cy="1169517"/>
+          </a:xfrm>
+          <a:custGeom>
+            <a:avLst/>
+            <a:gdLst>
+              <a:gd name="connsiteX0" fmla="*/ 0 w 1734552"/>
+              <a:gd name="connsiteY0" fmla="*/ 0 h 1169517"/>
+              <a:gd name="connsiteX1" fmla="*/ 612875 w 1734552"/>
+              <a:gd name="connsiteY1" fmla="*/ 0 h 1169517"/>
+              <a:gd name="connsiteX2" fmla="*/ 1156368 w 1734552"/>
+              <a:gd name="connsiteY2" fmla="*/ 0 h 1169517"/>
+              <a:gd name="connsiteX3" fmla="*/ 1734552 w 1734552"/>
+              <a:gd name="connsiteY3" fmla="*/ 0 h 1169517"/>
+              <a:gd name="connsiteX4" fmla="*/ 1734552 w 1734552"/>
+              <a:gd name="connsiteY4" fmla="*/ 573063 h 1169517"/>
+              <a:gd name="connsiteX5" fmla="*/ 1734552 w 1734552"/>
+              <a:gd name="connsiteY5" fmla="*/ 1169517 h 1169517"/>
+              <a:gd name="connsiteX6" fmla="*/ 1191059 w 1734552"/>
+              <a:gd name="connsiteY6" fmla="*/ 1169517 h 1169517"/>
+              <a:gd name="connsiteX7" fmla="*/ 664912 w 1734552"/>
+              <a:gd name="connsiteY7" fmla="*/ 1169517 h 1169517"/>
+              <a:gd name="connsiteX8" fmla="*/ 0 w 1734552"/>
+              <a:gd name="connsiteY8" fmla="*/ 1169517 h 1169517"/>
+              <a:gd name="connsiteX9" fmla="*/ 0 w 1734552"/>
+              <a:gd name="connsiteY9" fmla="*/ 608149 h 1169517"/>
+              <a:gd name="connsiteX10" fmla="*/ 0 w 1734552"/>
+              <a:gd name="connsiteY10" fmla="*/ 0 h 1169517"/>
+            </a:gdLst>
+            <a:ahLst/>
+            <a:cxnLst>
+              <a:cxn ang="0">
+                <a:pos x="connsiteX0" y="connsiteY0"/>
+              </a:cxn>
+              <a:cxn ang="0">
+                <a:pos x="connsiteX1" y="connsiteY1"/>
+              </a:cxn>
+              <a:cxn ang="0">
+                <a:pos x="connsiteX2" y="connsiteY2"/>
+              </a:cxn>
+              <a:cxn ang="0">
+                <a:pos x="connsiteX3" y="connsiteY3"/>
+              </a:cxn>
+              <a:cxn ang="0">
+                <a:pos x="connsiteX4" y="connsiteY4"/>
+              </a:cxn>
+              <a:cxn ang="0">
+                <a:pos x="connsiteX5" y="connsiteY5"/>
+              </a:cxn>
+              <a:cxn ang="0">
+                <a:pos x="connsiteX6" y="connsiteY6"/>
+              </a:cxn>
+              <a:cxn ang="0">
+                <a:pos x="connsiteX7" y="connsiteY7"/>
+              </a:cxn>
+              <a:cxn ang="0">
+                <a:pos x="connsiteX8" y="connsiteY8"/>
+              </a:cxn>
+              <a:cxn ang="0">
+                <a:pos x="connsiteX9" y="connsiteY9"/>
+              </a:cxn>
+              <a:cxn ang="0">
+                <a:pos x="connsiteX10" y="connsiteY10"/>
+              </a:cxn>
+            </a:cxnLst>
+            <a:rect l="l" t="t" r="r" b="b"/>
+            <a:pathLst>
+              <a:path w="1734552" h="1169517" fill="none" extrusionOk="0">
+                <a:moveTo>
+                  <a:pt x="0" y="0"/>
+                </a:moveTo>
+                <a:cubicBezTo>
+                  <a:pt x="196669" y="-18741"/>
+                  <a:pt x="419061" y="26267"/>
+                  <a:pt x="612875" y="0"/>
+                </a:cubicBezTo>
+                <a:cubicBezTo>
+                  <a:pt x="806689" y="-26267"/>
+                  <a:pt x="1047647" y="16956"/>
+                  <a:pt x="1156368" y="0"/>
+                </a:cubicBezTo>
+                <a:cubicBezTo>
+                  <a:pt x="1265089" y="-16956"/>
+                  <a:pt x="1456745" y="3434"/>
+                  <a:pt x="1734552" y="0"/>
+                </a:cubicBezTo>
+                <a:cubicBezTo>
+                  <a:pt x="1753869" y="134304"/>
+                  <a:pt x="1759449" y="410259"/>
+                  <a:pt x="1734552" y="573063"/>
+                </a:cubicBezTo>
+                <a:cubicBezTo>
+                  <a:pt x="1709655" y="735867"/>
+                  <a:pt x="1751178" y="889020"/>
+                  <a:pt x="1734552" y="1169517"/>
+                </a:cubicBezTo>
+                <a:cubicBezTo>
+                  <a:pt x="1487679" y="1181417"/>
+                  <a:pt x="1437572" y="1157391"/>
+                  <a:pt x="1191059" y="1169517"/>
+                </a:cubicBezTo>
+                <a:cubicBezTo>
+                  <a:pt x="944546" y="1181643"/>
+                  <a:pt x="810797" y="1148961"/>
+                  <a:pt x="664912" y="1169517"/>
+                </a:cubicBezTo>
+                <a:cubicBezTo>
+                  <a:pt x="519027" y="1190073"/>
+                  <a:pt x="152425" y="1143120"/>
+                  <a:pt x="0" y="1169517"/>
+                </a:cubicBezTo>
+                <a:cubicBezTo>
+                  <a:pt x="13003" y="894396"/>
+                  <a:pt x="24761" y="754755"/>
+                  <a:pt x="0" y="608149"/>
+                </a:cubicBezTo>
+                <a:cubicBezTo>
+                  <a:pt x="-24761" y="461543"/>
+                  <a:pt x="10195" y="202449"/>
+                  <a:pt x="0" y="0"/>
+                </a:cubicBezTo>
+                <a:close/>
+              </a:path>
+              <a:path w="1734552" h="1169517" stroke="0" extrusionOk="0">
+                <a:moveTo>
+                  <a:pt x="0" y="0"/>
+                </a:moveTo>
+                <a:cubicBezTo>
+                  <a:pt x="214577" y="-14718"/>
+                  <a:pt x="378134" y="18379"/>
+                  <a:pt x="543493" y="0"/>
+                </a:cubicBezTo>
+                <a:cubicBezTo>
+                  <a:pt x="708852" y="-18379"/>
+                  <a:pt x="950850" y="21036"/>
+                  <a:pt x="1121677" y="0"/>
+                </a:cubicBezTo>
+                <a:cubicBezTo>
+                  <a:pt x="1292504" y="-21036"/>
+                  <a:pt x="1558147" y="-18234"/>
+                  <a:pt x="1734552" y="0"/>
+                </a:cubicBezTo>
+                <a:cubicBezTo>
+                  <a:pt x="1735796" y="290412"/>
+                  <a:pt x="1742552" y="331763"/>
+                  <a:pt x="1734552" y="584759"/>
+                </a:cubicBezTo>
+                <a:cubicBezTo>
+                  <a:pt x="1726552" y="837755"/>
+                  <a:pt x="1752076" y="930327"/>
+                  <a:pt x="1734552" y="1169517"/>
+                </a:cubicBezTo>
+                <a:cubicBezTo>
+                  <a:pt x="1566112" y="1168866"/>
+                  <a:pt x="1338815" y="1170762"/>
+                  <a:pt x="1173714" y="1169517"/>
+                </a:cubicBezTo>
+                <a:cubicBezTo>
+                  <a:pt x="1008613" y="1168272"/>
+                  <a:pt x="784857" y="1176431"/>
+                  <a:pt x="612875" y="1169517"/>
+                </a:cubicBezTo>
+                <a:cubicBezTo>
+                  <a:pt x="440893" y="1162603"/>
+                  <a:pt x="245677" y="1183114"/>
+                  <a:pt x="0" y="1169517"/>
+                </a:cubicBezTo>
+                <a:cubicBezTo>
+                  <a:pt x="10501" y="985620"/>
+                  <a:pt x="26026" y="856724"/>
+                  <a:pt x="0" y="573063"/>
+                </a:cubicBezTo>
+                <a:cubicBezTo>
+                  <a:pt x="-26026" y="289402"/>
+                  <a:pt x="8254" y="270083"/>
+                  <a:pt x="0" y="0"/>
+                </a:cubicBezTo>
+                <a:close/>
+              </a:path>
+            </a:pathLst>
+          </a:custGeom>
+          <a:solidFill>
+            <a:srgbClr val="E0DFD5"/>
+          </a:solidFill>
+          <a:ln>
+            <a:solidFill>
+              <a:srgbClr val="F09D51"/>
+            </a:solidFill>
+            <a:extLst>
+              <a:ext uri="{C807C97D-BFC1-408E-A445-0C87EB9F89A2}">
+                <ask:lineSketchStyleProps xmlns:ask="http://schemas.microsoft.com/office/drawing/2018/sketchyshapes" sd="277475729">
+                  <a:prstGeom prst="rect">
+                    <a:avLst/>
+                  </a:prstGeom>
+                  <ask:type>
+                    <ask:lineSketchFreehand/>
+                  </ask:type>
+                </ask:lineSketchStyleProps>
+              </a:ext>
+            </a:extLst>
+          </a:ln>
+          <a:effectLst>
+            <a:outerShdw blurRad="152400" dist="317500" dir="5400000" sx="90000" sy="-19000" rotWithShape="0">
+              <a:prstClr val="black">
+                <a:alpha val="15000"/>
+              </a:prstClr>
+            </a:outerShdw>
+          </a:effectLst>
+        </p:spPr>
+        <p:style>
+          <a:lnRef idx="2">
+            <a:schemeClr val="accent1">
+              <a:shade val="15000"/>
+            </a:schemeClr>
+          </a:lnRef>
+          <a:fillRef idx="1">
+            <a:schemeClr val="accent1"/>
+          </a:fillRef>
+          <a:effectRef idx="0">
+            <a:schemeClr val="accent1"/>
+          </a:effectRef>
+          <a:fontRef idx="minor">
+            <a:schemeClr val="lt1"/>
+          </a:fontRef>
+        </p:style>
+        <p:txBody>
+          <a:bodyPr rtlCol="0" anchor="t"/>
+          <a:lstStyle/>
+          <a:p>
+            <a:pPr algn="ctr"/>
+            <a:r>
+              <a:rPr lang="de-DE" sz="1400" dirty="0">
+                <a:solidFill>
+                  <a:srgbClr val="313638"/>
+                </a:solidFill>
+                <a:latin typeface="OCRB" panose="020B0609020202020204" pitchFamily="49" charset="0"/>
+              </a:rPr>
+              <a:t>Milestone 5:</a:t>
+            </a:r>
+            <a:br>
+              <a:rPr lang="de-DE" sz="1400" dirty="0">
+                <a:solidFill>
+                  <a:srgbClr val="313638"/>
+                </a:solidFill>
+                <a:latin typeface="OCRB" panose="020B0609020202020204" pitchFamily="49" charset="0"/>
+              </a:rPr>
+            </a:br>
+            <a:r>
+              <a:rPr lang="de-DE" sz="1400" dirty="0">
+                <a:solidFill>
+                  <a:srgbClr val="313638"/>
+                </a:solidFill>
+                <a:latin typeface="OCRB" panose="020B0609020202020204" pitchFamily="49" charset="0"/>
+              </a:rPr>
+              <a:t>Report</a:t>
+            </a:r>
+          </a:p>
+        </p:txBody>
+      </p:sp>
+      <p:sp>
+        <p:nvSpPr>
+          <p:cNvPr id="42" name="Flussdiagramm: Vorbereitung 41">
+            <a:extLst>
+              <a:ext uri="{FF2B5EF4-FFF2-40B4-BE49-F238E27FC236}">
+                <a16:creationId xmlns:a16="http://schemas.microsoft.com/office/drawing/2014/main" id="{B16F0968-FDBB-5BB0-2929-C63072945E97}"/>
+              </a:ext>
+            </a:extLst>
+          </p:cNvPr>
+          <p:cNvSpPr/>
+          <p:nvPr/>
+        </p:nvSpPr>
+        <p:spPr>
+          <a:xfrm>
+            <a:off x="9692569" y="5719845"/>
+            <a:ext cx="1130662" cy="597383"/>
+          </a:xfrm>
+          <a:prstGeom prst="flowChartPreparation">
+            <a:avLst/>
+          </a:prstGeom>
+          <a:solidFill>
+            <a:srgbClr val="E0DFD5"/>
+          </a:solidFill>
+          <a:ln>
+            <a:solidFill>
+              <a:srgbClr val="C50E1F"/>
+            </a:solidFill>
+          </a:ln>
+        </p:spPr>
+        <p:style>
+          <a:lnRef idx="2">
+            <a:schemeClr val="accent1">
+              <a:shade val="15000"/>
+            </a:schemeClr>
+          </a:lnRef>
+          <a:fillRef idx="1">
+            <a:schemeClr val="accent1"/>
+          </a:fillRef>
+          <a:effectRef idx="0">
+            <a:schemeClr val="accent1"/>
+          </a:effectRef>
+          <a:fontRef idx="minor">
+            <a:schemeClr val="lt1"/>
+          </a:fontRef>
+        </p:style>
+        <p:txBody>
+          <a:bodyPr rtlCol="0" anchor="ctr"/>
+          <a:lstStyle/>
+          <a:p>
+            <a:pPr algn="ctr"/>
+            <a:r>
+              <a:rPr lang="de-DE" sz="1200" dirty="0">
+                <a:solidFill>
+                  <a:srgbClr val="313638"/>
+                </a:solidFill>
+              </a:rPr>
+              <a:t>2-3 </a:t>
+            </a:r>
+            <a:r>
+              <a:rPr lang="de-DE" sz="1200" dirty="0" err="1">
+                <a:solidFill>
+                  <a:srgbClr val="313638"/>
+                </a:solidFill>
+              </a:rPr>
+              <a:t>Weeks</a:t>
+            </a:r>
+            <a:endParaRPr lang="de-DE" sz="1200" dirty="0">
+              <a:solidFill>
+                <a:srgbClr val="313638"/>
+              </a:solidFill>
+            </a:endParaRPr>
+          </a:p>
+        </p:txBody>
+      </p:sp>
+      <mc:AlternateContent xmlns:mc="http://schemas.openxmlformats.org/markup-compatibility/2006" xmlns:p14="http://schemas.microsoft.com/office/powerpoint/2010/main" xmlns:aink="http://schemas.microsoft.com/office/drawing/2016/ink">
+        <mc:Choice Requires="p14 aink">
+          <p:contentPart p14:bwMode="auto" r:id="rId5">
+            <p14:nvContentPartPr>
+              <p14:cNvPr id="43" name="Freihand 42">
+                <a:extLst>
+                  <a:ext uri="{FF2B5EF4-FFF2-40B4-BE49-F238E27FC236}">
+                    <a16:creationId xmlns:a16="http://schemas.microsoft.com/office/drawing/2014/main" id="{30473062-8BB4-AD84-C38F-0191DD692876}"/>
+                  </a:ext>
+                </a:extLst>
+              </p14:cNvPr>
+              <p14:cNvContentPartPr/>
+              <p14:nvPr/>
+            </p14:nvContentPartPr>
+            <p14:xfrm>
+              <a:off x="2213088" y="3549439"/>
+              <a:ext cx="441720" cy="1152000"/>
+            </p14:xfrm>
+          </p:contentPart>
+        </mc:Choice>
+        <mc:Fallback xmlns="">
+          <p:pic>
+            <p:nvPicPr>
+              <p:cNvPr id="43" name="Freihand 42">
+                <a:extLst>
+                  <a:ext uri="{FF2B5EF4-FFF2-40B4-BE49-F238E27FC236}">
+                    <a16:creationId xmlns:a16="http://schemas.microsoft.com/office/drawing/2014/main" id="{30473062-8BB4-AD84-C38F-0191DD692876}"/>
+                  </a:ext>
+                </a:extLst>
+              </p:cNvPr>
+              <p:cNvPicPr/>
+              <p:nvPr/>
+            </p:nvPicPr>
+            <p:blipFill>
+              <a:blip r:embed="rId6"/>
+              <a:stretch>
+                <a:fillRect/>
+              </a:stretch>
+            </p:blipFill>
+            <p:spPr>
+              <a:xfrm>
+                <a:off x="2204088" y="3540439"/>
+                <a:ext cx="459360" cy="1169640"/>
+              </a:xfrm>
+              <a:prstGeom prst="rect">
+                <a:avLst/>
+              </a:prstGeom>
+            </p:spPr>
+          </p:pic>
+        </mc:Fallback>
+      </mc:AlternateContent>
+      <mc:AlternateContent xmlns:mc="http://schemas.openxmlformats.org/markup-compatibility/2006" xmlns:p14="http://schemas.microsoft.com/office/powerpoint/2010/main" xmlns:aink="http://schemas.microsoft.com/office/drawing/2016/ink">
+        <mc:Choice Requires="p14 aink">
+          <p:contentPart p14:bwMode="auto" r:id="rId7">
+            <p14:nvContentPartPr>
+              <p14:cNvPr id="44" name="Freihand 43">
+                <a:extLst>
+                  <a:ext uri="{FF2B5EF4-FFF2-40B4-BE49-F238E27FC236}">
+                    <a16:creationId xmlns:a16="http://schemas.microsoft.com/office/drawing/2014/main" id="{6A3F6547-D954-B55A-1BB1-FB5D3BB490CD}"/>
+                  </a:ext>
+                </a:extLst>
+              </p14:cNvPr>
+              <p14:cNvContentPartPr/>
+              <p14:nvPr/>
+            </p14:nvContentPartPr>
+            <p14:xfrm>
+              <a:off x="3657048" y="3550879"/>
+              <a:ext cx="510840" cy="1182240"/>
+            </p14:xfrm>
+          </p:contentPart>
+        </mc:Choice>
+        <mc:Fallback xmlns="">
+          <p:pic>
+            <p:nvPicPr>
+              <p:cNvPr id="44" name="Freihand 43">
+                <a:extLst>
+                  <a:ext uri="{FF2B5EF4-FFF2-40B4-BE49-F238E27FC236}">
+                    <a16:creationId xmlns:a16="http://schemas.microsoft.com/office/drawing/2014/main" id="{6A3F6547-D954-B55A-1BB1-FB5D3BB490CD}"/>
+                  </a:ext>
+                </a:extLst>
+              </p:cNvPr>
+              <p:cNvPicPr/>
+              <p:nvPr/>
+            </p:nvPicPr>
+            <p:blipFill>
+              <a:blip r:embed="rId8"/>
+              <a:stretch>
+                <a:fillRect/>
+              </a:stretch>
+            </p:blipFill>
+            <p:spPr>
+              <a:xfrm>
+                <a:off x="3648048" y="3541879"/>
+                <a:ext cx="528480" cy="1199880"/>
+              </a:xfrm>
+              <a:prstGeom prst="rect">
+                <a:avLst/>
+              </a:prstGeom>
+            </p:spPr>
+          </p:pic>
+        </mc:Fallback>
+      </mc:AlternateContent>
+      <mc:AlternateContent xmlns:mc="http://schemas.openxmlformats.org/markup-compatibility/2006" xmlns:p14="http://schemas.microsoft.com/office/powerpoint/2010/main" xmlns:aink="http://schemas.microsoft.com/office/drawing/2016/ink">
+        <mc:Choice Requires="p14 aink">
+          <p:contentPart p14:bwMode="auto" r:id="rId9">
+            <p14:nvContentPartPr>
+              <p14:cNvPr id="49" name="Freihand 48">
+                <a:extLst>
+                  <a:ext uri="{FF2B5EF4-FFF2-40B4-BE49-F238E27FC236}">
+                    <a16:creationId xmlns:a16="http://schemas.microsoft.com/office/drawing/2014/main" id="{1497F84D-1193-6872-C97F-F456E665BB3C}"/>
+                  </a:ext>
+                </a:extLst>
+              </p14:cNvPr>
+              <p14:cNvContentPartPr/>
+              <p14:nvPr/>
+            </p14:nvContentPartPr>
+            <p14:xfrm>
+              <a:off x="5972568" y="3543319"/>
+              <a:ext cx="63360" cy="1188000"/>
+            </p14:xfrm>
+          </p:contentPart>
+        </mc:Choice>
+        <mc:Fallback xmlns="">
+          <p:pic>
+            <p:nvPicPr>
+              <p:cNvPr id="49" name="Freihand 48">
+                <a:extLst>
+                  <a:ext uri="{FF2B5EF4-FFF2-40B4-BE49-F238E27FC236}">
+                    <a16:creationId xmlns:a16="http://schemas.microsoft.com/office/drawing/2014/main" id="{1497F84D-1193-6872-C97F-F456E665BB3C}"/>
+                  </a:ext>
+                </a:extLst>
+              </p:cNvPr>
+              <p:cNvPicPr/>
+              <p:nvPr/>
+            </p:nvPicPr>
+            <p:blipFill>
+              <a:blip r:embed="rId10"/>
+              <a:stretch>
+                <a:fillRect/>
+              </a:stretch>
+            </p:blipFill>
+            <p:spPr>
+              <a:xfrm>
+                <a:off x="5963517" y="3534319"/>
+                <a:ext cx="81101" cy="1205640"/>
+              </a:xfrm>
+              <a:prstGeom prst="rect">
+                <a:avLst/>
+              </a:prstGeom>
+            </p:spPr>
+          </p:pic>
+        </mc:Fallback>
+      </mc:AlternateContent>
+      <mc:AlternateContent xmlns:mc="http://schemas.openxmlformats.org/markup-compatibility/2006" xmlns:p14="http://schemas.microsoft.com/office/powerpoint/2010/main" xmlns:aink="http://schemas.microsoft.com/office/drawing/2016/ink">
+        <mc:Choice Requires="p14 aink">
+          <p:contentPart p14:bwMode="auto" r:id="rId11">
+            <p14:nvContentPartPr>
+              <p14:cNvPr id="50" name="Freihand 49">
+                <a:extLst>
+                  <a:ext uri="{FF2B5EF4-FFF2-40B4-BE49-F238E27FC236}">
+                    <a16:creationId xmlns:a16="http://schemas.microsoft.com/office/drawing/2014/main" id="{89CE0747-CD7F-4F83-EAD2-4961CED717D4}"/>
+                  </a:ext>
+                </a:extLst>
+              </p14:cNvPr>
+              <p14:cNvContentPartPr/>
+              <p14:nvPr/>
+            </p14:nvContentPartPr>
+            <p14:xfrm>
+              <a:off x="7585728" y="3542959"/>
+              <a:ext cx="443880" cy="1190160"/>
+            </p14:xfrm>
+          </p:contentPart>
+        </mc:Choice>
+        <mc:Fallback xmlns="">
+          <p:pic>
+            <p:nvPicPr>
+              <p:cNvPr id="50" name="Freihand 49">
+                <a:extLst>
+                  <a:ext uri="{FF2B5EF4-FFF2-40B4-BE49-F238E27FC236}">
+                    <a16:creationId xmlns:a16="http://schemas.microsoft.com/office/drawing/2014/main" id="{89CE0747-CD7F-4F83-EAD2-4961CED717D4}"/>
+                  </a:ext>
+                </a:extLst>
+              </p:cNvPr>
+              <p:cNvPicPr/>
+              <p:nvPr/>
+            </p:nvPicPr>
+            <p:blipFill>
+              <a:blip r:embed="rId12"/>
+              <a:stretch>
+                <a:fillRect/>
+              </a:stretch>
+            </p:blipFill>
+            <p:spPr>
+              <a:xfrm>
+                <a:off x="7576728" y="3533956"/>
+                <a:ext cx="461520" cy="1207805"/>
+              </a:xfrm>
+              <a:prstGeom prst="rect">
+                <a:avLst/>
+              </a:prstGeom>
+            </p:spPr>
+          </p:pic>
+        </mc:Fallback>
+      </mc:AlternateContent>
+      <mc:AlternateContent xmlns:mc="http://schemas.openxmlformats.org/markup-compatibility/2006" xmlns:p14="http://schemas.microsoft.com/office/powerpoint/2010/main" xmlns:aink="http://schemas.microsoft.com/office/drawing/2016/ink">
+        <mc:Choice Requires="p14 aink">
+          <p:contentPart p14:bwMode="auto" r:id="rId13">
+            <p14:nvContentPartPr>
+              <p14:cNvPr id="51" name="Freihand 50">
+                <a:extLst>
+                  <a:ext uri="{FF2B5EF4-FFF2-40B4-BE49-F238E27FC236}">
+                    <a16:creationId xmlns:a16="http://schemas.microsoft.com/office/drawing/2014/main" id="{557AF763-BE4E-B5F5-9E5B-261518DFFBB4}"/>
+                  </a:ext>
+                </a:extLst>
+              </p14:cNvPr>
+              <p14:cNvContentPartPr/>
+              <p14:nvPr/>
+            </p14:nvContentPartPr>
+            <p14:xfrm>
+              <a:off x="8983608" y="3541519"/>
+              <a:ext cx="1047600" cy="1211040"/>
+            </p14:xfrm>
+          </p:contentPart>
+        </mc:Choice>
+        <mc:Fallback xmlns="">
+          <p:pic>
+            <p:nvPicPr>
+              <p:cNvPr id="51" name="Freihand 50">
+                <a:extLst>
+                  <a:ext uri="{FF2B5EF4-FFF2-40B4-BE49-F238E27FC236}">
+                    <a16:creationId xmlns:a16="http://schemas.microsoft.com/office/drawing/2014/main" id="{557AF763-BE4E-B5F5-9E5B-261518DFFBB4}"/>
+                  </a:ext>
+                </a:extLst>
+              </p:cNvPr>
+              <p:cNvPicPr/>
+              <p:nvPr/>
+            </p:nvPicPr>
+            <p:blipFill>
+              <a:blip r:embed="rId14"/>
+              <a:stretch>
+                <a:fillRect/>
+              </a:stretch>
+            </p:blipFill>
+            <p:spPr>
+              <a:xfrm>
+                <a:off x="8974605" y="3532519"/>
+                <a:ext cx="1065246" cy="1228680"/>
+              </a:xfrm>
+              <a:prstGeom prst="rect">
+                <a:avLst/>
+              </a:prstGeom>
+            </p:spPr>
+          </p:pic>
+        </mc:Fallback>
+      </mc:AlternateContent>
+      <p:sp>
+        <p:nvSpPr>
+          <p:cNvPr id="52" name="Rechteck 51">
+            <a:extLst>
+              <a:ext uri="{FF2B5EF4-FFF2-40B4-BE49-F238E27FC236}">
+                <a16:creationId xmlns:a16="http://schemas.microsoft.com/office/drawing/2014/main" id="{054013E2-DC8B-77AE-444E-E18563ADDD7B}"/>
+              </a:ext>
+            </a:extLst>
+          </p:cNvPr>
+          <p:cNvSpPr/>
+          <p:nvPr/>
+        </p:nvSpPr>
+        <p:spPr>
+          <a:xfrm>
+            <a:off x="4336532" y="3065006"/>
+            <a:ext cx="969341" cy="204072"/>
+          </a:xfrm>
+          <a:prstGeom prst="rect">
+            <a:avLst/>
+          </a:prstGeom>
+          <a:solidFill>
+            <a:srgbClr val="C50E1F"/>
+          </a:solidFill>
+          <a:ln>
+            <a:noFill/>
+          </a:ln>
+        </p:spPr>
+        <p:style>
+          <a:lnRef idx="2">
+            <a:schemeClr val="accent1">
+              <a:shade val="15000"/>
+            </a:schemeClr>
+          </a:lnRef>
+          <a:fillRef idx="1">
+            <a:schemeClr val="accent1"/>
+          </a:fillRef>
+          <a:effectRef idx="0">
+            <a:schemeClr val="accent1"/>
+          </a:effectRef>
+          <a:fontRef idx="minor">
+            <a:schemeClr val="lt1"/>
+          </a:fontRef>
+        </p:style>
+        <p:txBody>
+          <a:bodyPr rtlCol="0" anchor="ctr"/>
+          <a:lstStyle/>
+          <a:p>
+            <a:pPr algn="ctr"/>
+            <a:r>
+              <a:rPr lang="de-DE" sz="1400" dirty="0" err="1">
+                <a:solidFill>
+                  <a:srgbClr val="E0DFD5"/>
+                </a:solidFill>
+              </a:rPr>
+              <a:t>Vacation</a:t>
+            </a:r>
+            <a:endParaRPr lang="de-DE" dirty="0">
+              <a:solidFill>
+                <a:srgbClr val="E0DFD5"/>
+              </a:solidFill>
+            </a:endParaRPr>
+          </a:p>
+        </p:txBody>
+      </p:sp>
+      <p:sp>
+        <p:nvSpPr>
+          <p:cNvPr id="53" name="Rechteck 52">
+            <a:extLst>
+              <a:ext uri="{FF2B5EF4-FFF2-40B4-BE49-F238E27FC236}">
+                <a16:creationId xmlns:a16="http://schemas.microsoft.com/office/drawing/2014/main" id="{6085362C-59B5-F7EA-E749-0F9D9FBD36C1}"/>
+              </a:ext>
+            </a:extLst>
+          </p:cNvPr>
+          <p:cNvSpPr/>
+          <p:nvPr/>
+        </p:nvSpPr>
+        <p:spPr>
+          <a:xfrm>
+            <a:off x="8724567" y="3065006"/>
+            <a:ext cx="2605359" cy="204072"/>
+          </a:xfrm>
+          <a:prstGeom prst="rect">
+            <a:avLst/>
+          </a:prstGeom>
+          <a:solidFill>
+            <a:srgbClr val="F09D51"/>
+          </a:solidFill>
+          <a:ln>
+            <a:noFill/>
+          </a:ln>
+        </p:spPr>
+        <p:style>
+          <a:lnRef idx="2">
+            <a:schemeClr val="accent1">
+              <a:shade val="15000"/>
+            </a:schemeClr>
+          </a:lnRef>
+          <a:fillRef idx="1">
+            <a:schemeClr val="accent1"/>
+          </a:fillRef>
+          <a:effectRef idx="0">
+            <a:schemeClr val="accent1"/>
+          </a:effectRef>
+          <a:fontRef idx="minor">
+            <a:schemeClr val="lt1"/>
+          </a:fontRef>
+        </p:style>
+        <p:txBody>
+          <a:bodyPr rtlCol="0" anchor="ctr"/>
+          <a:lstStyle/>
+          <a:p>
+            <a:pPr algn="ctr"/>
+            <a:r>
+              <a:rPr lang="de-DE" sz="1400" dirty="0" err="1">
+                <a:solidFill>
+                  <a:srgbClr val="E0DFD5"/>
+                </a:solidFill>
+              </a:rPr>
+              <a:t>Lecture</a:t>
+            </a:r>
+            <a:r>
+              <a:rPr lang="de-DE" sz="1400" dirty="0">
+                <a:solidFill>
+                  <a:srgbClr val="E0DFD5"/>
+                </a:solidFill>
+              </a:rPr>
+              <a:t> Free Time</a:t>
+            </a:r>
+          </a:p>
+        </p:txBody>
+      </p:sp>
+    </p:spTree>
+    <p:extLst>
+      <p:ext uri="{BB962C8B-B14F-4D97-AF65-F5344CB8AC3E}">
+        <p14:creationId xmlns:p14="http://schemas.microsoft.com/office/powerpoint/2010/main" val="3564191354"/>
+      </p:ext>
+    </p:extLst>
+  </p:cSld>
+  <p:clrMapOvr>
+    <a:masterClrMapping/>
+  </p:clrMapOvr>
+</p:sld>
+</file>
+
+<file path=ppt/slides/slide3.xml><?xml version="1.0" encoding="utf-8"?>
+<p:sld xmlns:a="http://schemas.openxmlformats.org/drawingml/2006/main" xmlns:r="http://schemas.openxmlformats.org/officeDocument/2006/relationships" xmlns:p="http://schemas.openxmlformats.org/presentationml/2006/main">
+  <p:cSld>
+    <p:bg>
+      <p:bgPr>
+        <a:solidFill>
+          <a:srgbClr val="E8E9EB"/>
+        </a:solidFill>
+        <a:effectLst/>
+      </p:bgPr>
+    </p:bg>
+    <p:spTree>
+      <p:nvGrpSpPr>
+        <p:cNvPr id="1" name=""/>
+        <p:cNvGrpSpPr/>
+        <p:nvPr/>
+      </p:nvGrpSpPr>
+      <p:grpSpPr>
+        <a:xfrm>
+          <a:off x="0" y="0"/>
+          <a:ext cx="0" cy="0"/>
+          <a:chOff x="0" y="0"/>
+          <a:chExt cx="0" cy="0"/>
+        </a:xfrm>
+      </p:grpSpPr>
+      <p:sp>
+        <p:nvSpPr>
+          <p:cNvPr id="29" name="Rechteck 28">
+            <a:extLst>
+              <a:ext uri="{FF2B5EF4-FFF2-40B4-BE49-F238E27FC236}">
+                <a16:creationId xmlns:a16="http://schemas.microsoft.com/office/drawing/2014/main" id="{908F3E7E-7BDA-80DB-6A4C-54221170B9B4}"/>
+              </a:ext>
+            </a:extLst>
+          </p:cNvPr>
+          <p:cNvSpPr/>
+          <p:nvPr/>
+        </p:nvSpPr>
+        <p:spPr>
+          <a:xfrm>
+            <a:off x="4801528" y="853468"/>
+            <a:ext cx="2555637" cy="1579394"/>
+          </a:xfrm>
+          <a:prstGeom prst="rect">
+            <a:avLst/>
+          </a:prstGeom>
+          <a:solidFill>
+            <a:srgbClr val="E0DFD5"/>
+          </a:solidFill>
+          <a:ln>
+            <a:noFill/>
+          </a:ln>
+        </p:spPr>
+        <p:style>
+          <a:lnRef idx="2">
+            <a:schemeClr val="accent1">
+              <a:shade val="15000"/>
+            </a:schemeClr>
+          </a:lnRef>
+          <a:fillRef idx="1">
+            <a:schemeClr val="accent1"/>
+          </a:fillRef>
+          <a:effectRef idx="0">
+            <a:schemeClr val="accent1"/>
+          </a:effectRef>
+          <a:fontRef idx="minor">
+            <a:schemeClr val="lt1"/>
+          </a:fontRef>
+        </p:style>
+        <p:txBody>
+          <a:bodyPr rtlCol="0" anchor="ctr"/>
+          <a:lstStyle/>
+          <a:p>
+            <a:pPr algn="ctr"/>
+            <a:endParaRPr lang="de-DE"/>
+          </a:p>
+        </p:txBody>
+      </p:sp>
+      <p:sp>
+        <p:nvSpPr>
+          <p:cNvPr id="28" name="Rechteck 27">
+            <a:extLst>
+              <a:ext uri="{FF2B5EF4-FFF2-40B4-BE49-F238E27FC236}">
+                <a16:creationId xmlns:a16="http://schemas.microsoft.com/office/drawing/2014/main" id="{B829376F-5E50-8538-40D2-6C19DDE59146}"/>
+              </a:ext>
+            </a:extLst>
+          </p:cNvPr>
+          <p:cNvSpPr/>
+          <p:nvPr/>
+        </p:nvSpPr>
+        <p:spPr>
+          <a:xfrm>
+            <a:off x="783911" y="853468"/>
+            <a:ext cx="2555637" cy="1579394"/>
+          </a:xfrm>
+          <a:prstGeom prst="rect">
+            <a:avLst/>
+          </a:prstGeom>
+          <a:solidFill>
+            <a:srgbClr val="E0DFD5"/>
+          </a:solidFill>
+          <a:ln>
+            <a:noFill/>
+          </a:ln>
+        </p:spPr>
+        <p:style>
+          <a:lnRef idx="2">
+            <a:schemeClr val="accent1">
+              <a:shade val="15000"/>
+            </a:schemeClr>
+          </a:lnRef>
+          <a:fillRef idx="1">
+            <a:schemeClr val="accent1"/>
+          </a:fillRef>
+          <a:effectRef idx="0">
+            <a:schemeClr val="accent1"/>
+          </a:effectRef>
+          <a:fontRef idx="minor">
+            <a:schemeClr val="lt1"/>
+          </a:fontRef>
+        </p:style>
+        <p:txBody>
+          <a:bodyPr rtlCol="0" anchor="ctr"/>
+          <a:lstStyle/>
+          <a:p>
+            <a:pPr algn="ctr"/>
+            <a:endParaRPr lang="de-DE"/>
+          </a:p>
+        </p:txBody>
+      </p:sp>
+      <p:sp>
+        <p:nvSpPr>
+          <p:cNvPr id="4" name="Rechteck 3">
+            <a:extLst>
+              <a:ext uri="{FF2B5EF4-FFF2-40B4-BE49-F238E27FC236}">
+                <a16:creationId xmlns:a16="http://schemas.microsoft.com/office/drawing/2014/main" id="{504D0172-DBDF-8023-BA41-95A540E70CB2}"/>
+              </a:ext>
+            </a:extLst>
+          </p:cNvPr>
+          <p:cNvSpPr/>
+          <p:nvPr/>
+        </p:nvSpPr>
+        <p:spPr>
+          <a:xfrm>
+            <a:off x="1331874" y="4730459"/>
+            <a:ext cx="1743586" cy="1171466"/>
+          </a:xfrm>
+          <a:custGeom>
+            <a:avLst/>
+            <a:gdLst>
+              <a:gd name="connsiteX0" fmla="*/ 0 w 1743586"/>
+              <a:gd name="connsiteY0" fmla="*/ 0 h 1171466"/>
+              <a:gd name="connsiteX1" fmla="*/ 616067 w 1743586"/>
+              <a:gd name="connsiteY1" fmla="*/ 0 h 1171466"/>
+              <a:gd name="connsiteX2" fmla="*/ 1162391 w 1743586"/>
+              <a:gd name="connsiteY2" fmla="*/ 0 h 1171466"/>
+              <a:gd name="connsiteX3" fmla="*/ 1743586 w 1743586"/>
+              <a:gd name="connsiteY3" fmla="*/ 0 h 1171466"/>
+              <a:gd name="connsiteX4" fmla="*/ 1743586 w 1743586"/>
+              <a:gd name="connsiteY4" fmla="*/ 574018 h 1171466"/>
+              <a:gd name="connsiteX5" fmla="*/ 1743586 w 1743586"/>
+              <a:gd name="connsiteY5" fmla="*/ 1171466 h 1171466"/>
+              <a:gd name="connsiteX6" fmla="*/ 1197262 w 1743586"/>
+              <a:gd name="connsiteY6" fmla="*/ 1171466 h 1171466"/>
+              <a:gd name="connsiteX7" fmla="*/ 668375 w 1743586"/>
+              <a:gd name="connsiteY7" fmla="*/ 1171466 h 1171466"/>
+              <a:gd name="connsiteX8" fmla="*/ 0 w 1743586"/>
+              <a:gd name="connsiteY8" fmla="*/ 1171466 h 1171466"/>
+              <a:gd name="connsiteX9" fmla="*/ 0 w 1743586"/>
+              <a:gd name="connsiteY9" fmla="*/ 609162 h 1171466"/>
+              <a:gd name="connsiteX10" fmla="*/ 0 w 1743586"/>
+              <a:gd name="connsiteY10" fmla="*/ 0 h 1171466"/>
+            </a:gdLst>
+            <a:ahLst/>
+            <a:cxnLst>
+              <a:cxn ang="0">
+                <a:pos x="connsiteX0" y="connsiteY0"/>
+              </a:cxn>
+              <a:cxn ang="0">
+                <a:pos x="connsiteX1" y="connsiteY1"/>
+              </a:cxn>
+              <a:cxn ang="0">
+                <a:pos x="connsiteX2" y="connsiteY2"/>
+              </a:cxn>
+              <a:cxn ang="0">
+                <a:pos x="connsiteX3" y="connsiteY3"/>
+              </a:cxn>
+              <a:cxn ang="0">
+                <a:pos x="connsiteX4" y="connsiteY4"/>
+              </a:cxn>
+              <a:cxn ang="0">
+                <a:pos x="connsiteX5" y="connsiteY5"/>
+              </a:cxn>
+              <a:cxn ang="0">
+                <a:pos x="connsiteX6" y="connsiteY6"/>
+              </a:cxn>
+              <a:cxn ang="0">
+                <a:pos x="connsiteX7" y="connsiteY7"/>
+              </a:cxn>
+              <a:cxn ang="0">
+                <a:pos x="connsiteX8" y="connsiteY8"/>
+              </a:cxn>
+              <a:cxn ang="0">
+                <a:pos x="connsiteX9" y="connsiteY9"/>
+              </a:cxn>
+              <a:cxn ang="0">
+                <a:pos x="connsiteX10" y="connsiteY10"/>
+              </a:cxn>
+            </a:cxnLst>
+            <a:rect l="l" t="t" r="r" b="b"/>
+            <a:pathLst>
+              <a:path w="1743586" h="1171466" fill="none" extrusionOk="0">
+                <a:moveTo>
+                  <a:pt x="0" y="0"/>
+                </a:moveTo>
+                <a:cubicBezTo>
+                  <a:pt x="274349" y="25851"/>
+                  <a:pt x="341606" y="-27982"/>
+                  <a:pt x="616067" y="0"/>
+                </a:cubicBezTo>
+                <a:cubicBezTo>
+                  <a:pt x="890528" y="27982"/>
+                  <a:pt x="975615" y="-18792"/>
+                  <a:pt x="1162391" y="0"/>
+                </a:cubicBezTo>
+                <a:cubicBezTo>
+                  <a:pt x="1349167" y="18792"/>
+                  <a:pt x="1583239" y="-13247"/>
+                  <a:pt x="1743586" y="0"/>
+                </a:cubicBezTo>
+                <a:cubicBezTo>
+                  <a:pt x="1725715" y="140989"/>
+                  <a:pt x="1741514" y="402086"/>
+                  <a:pt x="1743586" y="574018"/>
+                </a:cubicBezTo>
+                <a:cubicBezTo>
+                  <a:pt x="1745658" y="745950"/>
+                  <a:pt x="1742955" y="901344"/>
+                  <a:pt x="1743586" y="1171466"/>
+                </a:cubicBezTo>
+                <a:cubicBezTo>
+                  <a:pt x="1601313" y="1148887"/>
+                  <a:pt x="1398548" y="1194528"/>
+                  <a:pt x="1197262" y="1171466"/>
+                </a:cubicBezTo>
+                <a:cubicBezTo>
+                  <a:pt x="995976" y="1148404"/>
+                  <a:pt x="810422" y="1150159"/>
+                  <a:pt x="668375" y="1171466"/>
+                </a:cubicBezTo>
+                <a:cubicBezTo>
+                  <a:pt x="526328" y="1192773"/>
+                  <a:pt x="238889" y="1174157"/>
+                  <a:pt x="0" y="1171466"/>
+                </a:cubicBezTo>
+                <a:cubicBezTo>
+                  <a:pt x="-22869" y="992116"/>
+                  <a:pt x="22781" y="838709"/>
+                  <a:pt x="0" y="609162"/>
+                </a:cubicBezTo>
+                <a:cubicBezTo>
+                  <a:pt x="-22781" y="379615"/>
+                  <a:pt x="580" y="144844"/>
+                  <a:pt x="0" y="0"/>
+                </a:cubicBezTo>
+                <a:close/>
+              </a:path>
+              <a:path w="1743586" h="1171466" stroke="0" extrusionOk="0">
+                <a:moveTo>
+                  <a:pt x="0" y="0"/>
+                </a:moveTo>
+                <a:cubicBezTo>
+                  <a:pt x="238368" y="15768"/>
+                  <a:pt x="338279" y="-3650"/>
+                  <a:pt x="546324" y="0"/>
+                </a:cubicBezTo>
+                <a:cubicBezTo>
+                  <a:pt x="754369" y="3650"/>
+                  <a:pt x="962257" y="16230"/>
+                  <a:pt x="1127519" y="0"/>
+                </a:cubicBezTo>
+                <a:cubicBezTo>
+                  <a:pt x="1292782" y="-16230"/>
+                  <a:pt x="1491215" y="12762"/>
+                  <a:pt x="1743586" y="0"/>
+                </a:cubicBezTo>
+                <a:cubicBezTo>
+                  <a:pt x="1746457" y="166353"/>
+                  <a:pt x="1749778" y="360348"/>
+                  <a:pt x="1743586" y="585733"/>
+                </a:cubicBezTo>
+                <a:cubicBezTo>
+                  <a:pt x="1737394" y="811118"/>
+                  <a:pt x="1761966" y="1014292"/>
+                  <a:pt x="1743586" y="1171466"/>
+                </a:cubicBezTo>
+                <a:cubicBezTo>
+                  <a:pt x="1486011" y="1155697"/>
+                  <a:pt x="1356535" y="1144477"/>
+                  <a:pt x="1179827" y="1171466"/>
+                </a:cubicBezTo>
+                <a:cubicBezTo>
+                  <a:pt x="1003119" y="1198455"/>
+                  <a:pt x="797226" y="1143764"/>
+                  <a:pt x="616067" y="1171466"/>
+                </a:cubicBezTo>
+                <a:cubicBezTo>
+                  <a:pt x="434908" y="1199168"/>
+                  <a:pt x="223998" y="1166339"/>
+                  <a:pt x="0" y="1171466"/>
+                </a:cubicBezTo>
+                <a:cubicBezTo>
+                  <a:pt x="16571" y="941373"/>
+                  <a:pt x="-23644" y="797750"/>
+                  <a:pt x="0" y="574018"/>
+                </a:cubicBezTo>
+                <a:cubicBezTo>
+                  <a:pt x="23644" y="350286"/>
+                  <a:pt x="4152" y="183500"/>
+                  <a:pt x="0" y="0"/>
+                </a:cubicBezTo>
+                <a:close/>
+              </a:path>
+            </a:pathLst>
+          </a:custGeom>
+          <a:solidFill>
+            <a:srgbClr val="E0DFD5"/>
+          </a:solidFill>
+          <a:ln>
+            <a:solidFill>
+              <a:srgbClr val="F09D51"/>
+            </a:solidFill>
+            <a:extLst>
+              <a:ext uri="{C807C97D-BFC1-408E-A445-0C87EB9F89A2}">
+                <ask:lineSketchStyleProps xmlns:ask="http://schemas.microsoft.com/office/drawing/2018/sketchyshapes" sd="277475729">
+                  <a:prstGeom prst="rect">
+                    <a:avLst/>
+                  </a:prstGeom>
+                  <ask:type>
+                    <ask:lineSketchFreehand/>
+                  </ask:type>
+                </ask:lineSketchStyleProps>
+              </a:ext>
+            </a:extLst>
+          </a:ln>
+          <a:effectLst>
+            <a:outerShdw blurRad="152400" dist="317500" dir="5400000" sx="90000" sy="-19000" rotWithShape="0">
+              <a:prstClr val="black">
+                <a:alpha val="15000"/>
+              </a:prstClr>
+            </a:outerShdw>
+          </a:effectLst>
+        </p:spPr>
+        <p:style>
+          <a:lnRef idx="2">
+            <a:schemeClr val="accent1">
+              <a:shade val="15000"/>
+            </a:schemeClr>
+          </a:lnRef>
+          <a:fillRef idx="1">
+            <a:schemeClr val="accent1"/>
+          </a:fillRef>
+          <a:effectRef idx="0">
+            <a:schemeClr val="accent1"/>
+          </a:effectRef>
+          <a:fontRef idx="minor">
+            <a:schemeClr val="lt1"/>
+          </a:fontRef>
+        </p:style>
+        <p:txBody>
+          <a:bodyPr rtlCol="0" anchor="t"/>
+          <a:lstStyle/>
+          <a:p>
+            <a:pPr algn="ctr"/>
+            <a:r>
+              <a:rPr lang="de-DE" sz="1400" dirty="0">
+                <a:solidFill>
+                  <a:srgbClr val="313638"/>
+                </a:solidFill>
+                <a:latin typeface="OCRB" panose="020B0609020202020204" pitchFamily="49" charset="0"/>
+              </a:rPr>
+              <a:t>Milestone 1:</a:t>
+            </a:r>
+            <a:br>
+              <a:rPr lang="de-DE" sz="1400" dirty="0">
+                <a:solidFill>
+                  <a:srgbClr val="313638"/>
+                </a:solidFill>
+                <a:latin typeface="OCRB" panose="020B0609020202020204" pitchFamily="49" charset="0"/>
+              </a:rPr>
+            </a:br>
+            <a:r>
+              <a:rPr lang="de-DE" sz="1400" dirty="0">
+                <a:solidFill>
+                  <a:srgbClr val="313638"/>
+                </a:solidFill>
+                <a:latin typeface="OCRB" panose="020B0609020202020204" pitchFamily="49" charset="0"/>
+              </a:rPr>
+              <a:t>Survey Design and </a:t>
+            </a:r>
+            <a:r>
+              <a:rPr lang="de-DE" sz="1400" dirty="0" err="1">
+                <a:solidFill>
+                  <a:srgbClr val="313638"/>
+                </a:solidFill>
+                <a:latin typeface="OCRB" panose="020B0609020202020204" pitchFamily="49" charset="0"/>
+              </a:rPr>
+              <a:t>Requirement</a:t>
+            </a:r>
+            <a:r>
+              <a:rPr lang="de-DE" sz="1400" dirty="0">
+                <a:solidFill>
+                  <a:srgbClr val="313638"/>
+                </a:solidFill>
+                <a:latin typeface="OCRB" panose="020B0609020202020204" pitchFamily="49" charset="0"/>
+              </a:rPr>
+              <a:t> Definition</a:t>
+            </a:r>
+          </a:p>
+        </p:txBody>
+      </p:sp>
+      <p:cxnSp>
+        <p:nvCxnSpPr>
+          <p:cNvPr id="6" name="Gerade Verbindung mit Pfeil 5">
+            <a:extLst>
+              <a:ext uri="{FF2B5EF4-FFF2-40B4-BE49-F238E27FC236}">
+                <a16:creationId xmlns:a16="http://schemas.microsoft.com/office/drawing/2014/main" id="{C577CD0B-6E23-879D-704F-F2F1C6D2D9A2}"/>
+              </a:ext>
+            </a:extLst>
+          </p:cNvPr>
+          <p:cNvCxnSpPr/>
+          <p:nvPr/>
+        </p:nvCxnSpPr>
+        <p:spPr>
+          <a:xfrm flipV="1">
+            <a:off x="658001" y="3324019"/>
+            <a:ext cx="10866840" cy="39245"/>
+          </a:xfrm>
+          <a:prstGeom prst="straightConnector1">
+            <a:avLst/>
+          </a:prstGeom>
+          <a:ln w="15875">
+            <a:solidFill>
+              <a:srgbClr val="C50E1F"/>
+            </a:solidFill>
+            <a:tailEnd type="triangle"/>
+          </a:ln>
+        </p:spPr>
+        <p:style>
+          <a:lnRef idx="1">
+            <a:schemeClr val="accent1"/>
+          </a:lnRef>
+          <a:fillRef idx="0">
+            <a:schemeClr val="accent1"/>
+          </a:fillRef>
+          <a:effectRef idx="0">
+            <a:schemeClr val="accent1"/>
+          </a:effectRef>
+          <a:fontRef idx="minor">
+            <a:schemeClr val="tx1"/>
+          </a:fontRef>
+        </p:style>
+      </p:cxnSp>
+      <p:cxnSp>
+        <p:nvCxnSpPr>
+          <p:cNvPr id="8" name="Gerader Verbinder 7">
+            <a:extLst>
+              <a:ext uri="{FF2B5EF4-FFF2-40B4-BE49-F238E27FC236}">
+                <a16:creationId xmlns:a16="http://schemas.microsoft.com/office/drawing/2014/main" id="{CB8F467F-7A04-8BDE-95D3-CBF2CBAC2271}"/>
+              </a:ext>
+            </a:extLst>
+          </p:cNvPr>
+          <p:cNvCxnSpPr/>
+          <p:nvPr/>
+        </p:nvCxnSpPr>
+        <p:spPr>
+          <a:xfrm flipV="1">
+            <a:off x="667159" y="2896746"/>
+            <a:ext cx="0" cy="451313"/>
+          </a:xfrm>
+          <a:prstGeom prst="line">
+            <a:avLst/>
+          </a:prstGeom>
+          <a:ln w="15875">
+            <a:solidFill>
+              <a:srgbClr val="F09D51"/>
+            </a:solidFill>
+          </a:ln>
+        </p:spPr>
+        <p:style>
+          <a:lnRef idx="1">
+            <a:schemeClr val="accent1"/>
+          </a:lnRef>
+          <a:fillRef idx="0">
+            <a:schemeClr val="accent1"/>
+          </a:fillRef>
+          <a:effectRef idx="0">
+            <a:schemeClr val="accent1"/>
+          </a:effectRef>
+          <a:fontRef idx="minor">
+            <a:schemeClr val="tx1"/>
+          </a:fontRef>
+        </p:style>
+      </p:cxnSp>
+      <p:sp>
+        <p:nvSpPr>
+          <p:cNvPr id="9" name="Textfeld 8">
+            <a:extLst>
+              <a:ext uri="{FF2B5EF4-FFF2-40B4-BE49-F238E27FC236}">
+                <a16:creationId xmlns:a16="http://schemas.microsoft.com/office/drawing/2014/main" id="{8F98C49E-A88F-B9D5-4FF8-A4158D22CBA8}"/>
+              </a:ext>
+            </a:extLst>
+          </p:cNvPr>
+          <p:cNvSpPr txBox="1"/>
+          <p:nvPr/>
+        </p:nvSpPr>
+        <p:spPr>
+          <a:xfrm>
+            <a:off x="237430" y="2565144"/>
+            <a:ext cx="851608" cy="400110"/>
+          </a:xfrm>
+          <a:prstGeom prst="rect">
+            <a:avLst/>
+          </a:prstGeom>
+          <a:noFill/>
+        </p:spPr>
+        <p:txBody>
+          <a:bodyPr wrap="square" rtlCol="0">
+            <a:spAutoFit/>
+          </a:bodyPr>
+          <a:lstStyle/>
+          <a:p>
+            <a:pPr algn="ctr"/>
+            <a:r>
+              <a:rPr lang="de-DE" sz="1000" dirty="0">
+                <a:latin typeface="OCRB" panose="020B0609020202020204" pitchFamily="49" charset="0"/>
+              </a:rPr>
+              <a:t>25.10.23</a:t>
+            </a:r>
+            <a:br>
+              <a:rPr lang="de-DE" sz="1000" dirty="0">
+                <a:latin typeface="OCRB" panose="020B0609020202020204" pitchFamily="49" charset="0"/>
+              </a:rPr>
+            </a:br>
+            <a:r>
+              <a:rPr lang="de-DE" sz="1000" dirty="0">
+                <a:latin typeface="OCRB" panose="020B0609020202020204" pitchFamily="49" charset="0"/>
+              </a:rPr>
+              <a:t>Kick-Off</a:t>
+            </a:r>
+          </a:p>
+        </p:txBody>
+      </p:sp>
+      <p:sp>
+        <p:nvSpPr>
+          <p:cNvPr id="11" name="Textfeld 10">
+            <a:extLst>
+              <a:ext uri="{FF2B5EF4-FFF2-40B4-BE49-F238E27FC236}">
+                <a16:creationId xmlns:a16="http://schemas.microsoft.com/office/drawing/2014/main" id="{4743E98A-04B8-6958-CB7F-E89D966F62F4}"/>
+              </a:ext>
+            </a:extLst>
+          </p:cNvPr>
+          <p:cNvSpPr txBox="1"/>
+          <p:nvPr/>
+        </p:nvSpPr>
+        <p:spPr>
+          <a:xfrm>
+            <a:off x="783911" y="262138"/>
+            <a:ext cx="6096654" cy="523220"/>
+          </a:xfrm>
+          <a:prstGeom prst="rect">
+            <a:avLst/>
+          </a:prstGeom>
+          <a:noFill/>
+        </p:spPr>
+        <p:txBody>
+          <a:bodyPr wrap="square">
+            <a:spAutoFit/>
+          </a:bodyPr>
+          <a:lstStyle/>
+          <a:p>
+            <a:r>
+              <a:rPr lang="en-US" sz="2800" kern="1400" spc="-50" dirty="0">
+                <a:solidFill>
+                  <a:srgbClr val="C50E1F"/>
+                </a:solidFill>
+                <a:effectLst/>
+                <a:latin typeface="OCRB" panose="020B0609020202020204" pitchFamily="49" charset="0"/>
+                <a:ea typeface="Times New Roman" panose="02020603050405020304" pitchFamily="18" charset="0"/>
+                <a:cs typeface="Times New Roman" panose="02020603050405020304" pitchFamily="18" charset="0"/>
+              </a:rPr>
+              <a:t>Meeting Check-In – 22.11.23</a:t>
+            </a:r>
+            <a:endParaRPr lang="de-DE" sz="2800" kern="1400" spc="-50" dirty="0">
+              <a:solidFill>
+                <a:srgbClr val="C50E1F"/>
+              </a:solidFill>
+              <a:effectLst/>
+              <a:latin typeface="OCRB" panose="020B0609020202020204" pitchFamily="49" charset="0"/>
+              <a:ea typeface="Times New Roman" panose="02020603050405020304" pitchFamily="18" charset="0"/>
+              <a:cs typeface="Times New Roman" panose="02020603050405020304" pitchFamily="18" charset="0"/>
+            </a:endParaRPr>
+          </a:p>
+        </p:txBody>
+      </p:sp>
+      <p:sp>
+        <p:nvSpPr>
+          <p:cNvPr id="15" name="Textfeld 14">
+            <a:extLst>
+              <a:ext uri="{FF2B5EF4-FFF2-40B4-BE49-F238E27FC236}">
+                <a16:creationId xmlns:a16="http://schemas.microsoft.com/office/drawing/2014/main" id="{86DDC4EF-DBB0-3B7D-F03A-2FB38B08396A}"/>
+              </a:ext>
+            </a:extLst>
+          </p:cNvPr>
+          <p:cNvSpPr txBox="1"/>
+          <p:nvPr/>
+        </p:nvSpPr>
+        <p:spPr>
+          <a:xfrm>
+            <a:off x="783911" y="853468"/>
+            <a:ext cx="2065306" cy="366960"/>
+          </a:xfrm>
+          <a:prstGeom prst="rect">
+            <a:avLst/>
+          </a:prstGeom>
+          <a:noFill/>
+        </p:spPr>
+        <p:txBody>
+          <a:bodyPr wrap="square">
+            <a:spAutoFit/>
+          </a:bodyPr>
+          <a:lstStyle/>
+          <a:p>
+            <a:pPr>
+              <a:lnSpc>
+                <a:spcPct val="107000"/>
+              </a:lnSpc>
+              <a:spcBef>
+                <a:spcPts val="1200"/>
+              </a:spcBef>
+            </a:pPr>
+            <a:r>
+              <a:rPr lang="en-US" sz="1800" b="1" kern="100" dirty="0">
+                <a:solidFill>
+                  <a:srgbClr val="313638"/>
+                </a:solidFill>
+                <a:effectLst/>
+                <a:latin typeface="OCRB" panose="020B0609020202020204" pitchFamily="49" charset="0"/>
+                <a:ea typeface="Times New Roman" panose="02020603050405020304" pitchFamily="18" charset="0"/>
+                <a:cs typeface="Times New Roman" panose="02020603050405020304" pitchFamily="18" charset="0"/>
+              </a:rPr>
+              <a:t>Participants</a:t>
+            </a:r>
+            <a:endParaRPr lang="de-DE" sz="1800" b="1" kern="100" dirty="0">
+              <a:solidFill>
+                <a:srgbClr val="313638"/>
+              </a:solidFill>
+              <a:effectLst/>
+              <a:latin typeface="OCRB" panose="020B0609020202020204" pitchFamily="49" charset="0"/>
+              <a:ea typeface="Times New Roman" panose="02020603050405020304" pitchFamily="18" charset="0"/>
+              <a:cs typeface="Times New Roman" panose="02020603050405020304" pitchFamily="18" charset="0"/>
+            </a:endParaRPr>
+          </a:p>
+        </p:txBody>
+      </p:sp>
+      <p:sp>
+        <p:nvSpPr>
+          <p:cNvPr id="17" name="Textfeld 16">
+            <a:extLst>
+              <a:ext uri="{FF2B5EF4-FFF2-40B4-BE49-F238E27FC236}">
+                <a16:creationId xmlns:a16="http://schemas.microsoft.com/office/drawing/2014/main" id="{1C78BD14-24E6-87CC-A0AA-D745937BB738}"/>
+              </a:ext>
+            </a:extLst>
+          </p:cNvPr>
+          <p:cNvSpPr txBox="1"/>
+          <p:nvPr/>
+        </p:nvSpPr>
+        <p:spPr>
+          <a:xfrm>
+            <a:off x="783911" y="1438451"/>
+            <a:ext cx="2854066" cy="929773"/>
+          </a:xfrm>
+          <a:prstGeom prst="rect">
+            <a:avLst/>
+          </a:prstGeom>
+          <a:noFill/>
+        </p:spPr>
+        <p:txBody>
+          <a:bodyPr wrap="square" numCol="2">
+            <a:noAutofit/>
+          </a:bodyPr>
+          <a:lstStyle/>
+          <a:p>
+            <a:pPr marL="285750" lvl="0" indent="-285750">
+              <a:lnSpc>
+                <a:spcPct val="107000"/>
+              </a:lnSpc>
+              <a:spcAft>
+                <a:spcPts val="800"/>
+              </a:spcAft>
+              <a:buFont typeface="Arial" panose="020B0604020202020204" pitchFamily="34" charset="0"/>
+              <a:buChar char="•"/>
+            </a:pPr>
+            <a:r>
+              <a:rPr lang="de-DE" sz="1050" kern="100" dirty="0">
+                <a:solidFill>
+                  <a:srgbClr val="313638"/>
+                </a:solidFill>
+                <a:effectLst/>
+                <a:latin typeface="OCRB" panose="020B0609020202020204" pitchFamily="49" charset="0"/>
+                <a:ea typeface="Calibri" panose="020F0502020204030204" pitchFamily="34" charset="0"/>
+                <a:cs typeface="Times New Roman" panose="02020603050405020304" pitchFamily="18" charset="0"/>
+              </a:rPr>
+              <a:t>David </a:t>
+            </a:r>
+          </a:p>
+          <a:p>
+            <a:pPr marL="285750" lvl="0" indent="-285750">
+              <a:lnSpc>
+                <a:spcPct val="107000"/>
+              </a:lnSpc>
+              <a:spcAft>
+                <a:spcPts val="800"/>
+              </a:spcAft>
+              <a:buFont typeface="Arial" panose="020B0604020202020204" pitchFamily="34" charset="0"/>
+              <a:buChar char="•"/>
+            </a:pPr>
+            <a:r>
+              <a:rPr lang="de-DE" sz="1050" kern="100" dirty="0">
+                <a:solidFill>
+                  <a:srgbClr val="313638"/>
+                </a:solidFill>
+                <a:effectLst/>
+                <a:latin typeface="OCRB" panose="020B0609020202020204" pitchFamily="49" charset="0"/>
+                <a:ea typeface="Calibri" panose="020F0502020204030204" pitchFamily="34" charset="0"/>
+                <a:cs typeface="Times New Roman" panose="02020603050405020304" pitchFamily="18" charset="0"/>
+              </a:rPr>
+              <a:t>Ben	</a:t>
+            </a:r>
+          </a:p>
+          <a:p>
+            <a:pPr marL="285750" lvl="0" indent="-285750">
+              <a:lnSpc>
+                <a:spcPct val="107000"/>
+              </a:lnSpc>
+              <a:spcAft>
+                <a:spcPts val="800"/>
+              </a:spcAft>
+              <a:buFont typeface="Arial" panose="020B0604020202020204" pitchFamily="34" charset="0"/>
+              <a:buChar char="•"/>
+            </a:pPr>
+            <a:r>
+              <a:rPr lang="de-DE" sz="1050" kern="100" dirty="0">
+                <a:solidFill>
+                  <a:srgbClr val="313638"/>
+                </a:solidFill>
+                <a:effectLst/>
+                <a:latin typeface="OCRB" panose="020B0609020202020204" pitchFamily="49" charset="0"/>
+                <a:ea typeface="Calibri" panose="020F0502020204030204" pitchFamily="34" charset="0"/>
+                <a:cs typeface="Times New Roman" panose="02020603050405020304" pitchFamily="18" charset="0"/>
+              </a:rPr>
+              <a:t>Aylin </a:t>
+            </a:r>
+          </a:p>
+          <a:p>
+            <a:pPr marL="285750" lvl="0" indent="-285750">
+              <a:lnSpc>
+                <a:spcPct val="107000"/>
+              </a:lnSpc>
+              <a:spcAft>
+                <a:spcPts val="800"/>
+              </a:spcAft>
+              <a:buFont typeface="Arial" panose="020B0604020202020204" pitchFamily="34" charset="0"/>
+              <a:buChar char="•"/>
+            </a:pPr>
+            <a:r>
+              <a:rPr lang="en-US" sz="1050" kern="100" dirty="0">
+                <a:solidFill>
+                  <a:srgbClr val="313638"/>
+                </a:solidFill>
+                <a:effectLst/>
+                <a:latin typeface="OCRB" panose="020B0609020202020204" pitchFamily="49" charset="0"/>
+                <a:ea typeface="Calibri" panose="020F0502020204030204" pitchFamily="34" charset="0"/>
+                <a:cs typeface="Times New Roman" panose="02020603050405020304" pitchFamily="18" charset="0"/>
+              </a:rPr>
+              <a:t>Chandimal</a:t>
+            </a:r>
+            <a:endParaRPr lang="de-DE" sz="1050" kern="100" dirty="0">
+              <a:solidFill>
+                <a:srgbClr val="313638"/>
+              </a:solidFill>
+              <a:effectLst/>
+              <a:latin typeface="OCRB" panose="020B0609020202020204" pitchFamily="49" charset="0"/>
+              <a:ea typeface="Calibri" panose="020F0502020204030204" pitchFamily="34" charset="0"/>
+              <a:cs typeface="Times New Roman" panose="02020603050405020304" pitchFamily="18" charset="0"/>
+            </a:endParaRPr>
+          </a:p>
+          <a:p>
+            <a:pPr marL="285750" lvl="0" indent="-285750">
+              <a:lnSpc>
+                <a:spcPct val="107000"/>
+              </a:lnSpc>
+              <a:spcAft>
+                <a:spcPts val="800"/>
+              </a:spcAft>
+              <a:buFont typeface="Arial" panose="020B0604020202020204" pitchFamily="34" charset="0"/>
+              <a:buChar char="•"/>
+            </a:pPr>
+            <a:r>
+              <a:rPr lang="en-US" sz="1050" kern="100" dirty="0" err="1">
+                <a:solidFill>
+                  <a:srgbClr val="313638"/>
+                </a:solidFill>
+                <a:effectLst/>
+                <a:latin typeface="OCRB" panose="020B0609020202020204" pitchFamily="49" charset="0"/>
+                <a:ea typeface="Calibri" panose="020F0502020204030204" pitchFamily="34" charset="0"/>
+                <a:cs typeface="Times New Roman" panose="02020603050405020304" pitchFamily="18" charset="0"/>
+              </a:rPr>
+              <a:t>Jabora</a:t>
+            </a:r>
+            <a:r>
+              <a:rPr lang="en-US" sz="1050" kern="100" dirty="0">
+                <a:solidFill>
+                  <a:srgbClr val="313638"/>
+                </a:solidFill>
+                <a:effectLst/>
+                <a:latin typeface="OCRB" panose="020B0609020202020204" pitchFamily="49" charset="0"/>
+                <a:ea typeface="Calibri" panose="020F0502020204030204" pitchFamily="34" charset="0"/>
+                <a:cs typeface="Times New Roman" panose="02020603050405020304" pitchFamily="18" charset="0"/>
+              </a:rPr>
+              <a:t>	</a:t>
+            </a:r>
+            <a:endParaRPr lang="de-DE" sz="1050" kern="100" dirty="0">
+              <a:solidFill>
+                <a:srgbClr val="313638"/>
+              </a:solidFill>
+              <a:effectLst/>
+              <a:latin typeface="OCRB" panose="020B0609020202020204" pitchFamily="49" charset="0"/>
+              <a:ea typeface="Calibri" panose="020F0502020204030204" pitchFamily="34" charset="0"/>
+              <a:cs typeface="Times New Roman" panose="02020603050405020304" pitchFamily="18" charset="0"/>
+            </a:endParaRPr>
+          </a:p>
+          <a:p>
+            <a:pPr marL="285750" lvl="0" indent="-285750">
+              <a:lnSpc>
+                <a:spcPct val="107000"/>
+              </a:lnSpc>
+              <a:spcAft>
+                <a:spcPts val="800"/>
+              </a:spcAft>
+              <a:buFont typeface="Arial" panose="020B0604020202020204" pitchFamily="34" charset="0"/>
+              <a:buChar char="•"/>
+            </a:pPr>
+            <a:r>
+              <a:rPr lang="en-US" sz="1050" kern="100" dirty="0">
+                <a:solidFill>
+                  <a:srgbClr val="313638"/>
+                </a:solidFill>
+                <a:effectLst/>
+                <a:latin typeface="OCRB" panose="020B0609020202020204" pitchFamily="49" charset="0"/>
+                <a:ea typeface="Calibri" panose="020F0502020204030204" pitchFamily="34" charset="0"/>
+                <a:cs typeface="Times New Roman" panose="02020603050405020304" pitchFamily="18" charset="0"/>
+              </a:rPr>
+              <a:t>Beyda</a:t>
+            </a:r>
+            <a:endParaRPr lang="de-DE" sz="1050" kern="100" dirty="0">
+              <a:solidFill>
+                <a:srgbClr val="313638"/>
+              </a:solidFill>
+              <a:effectLst/>
+              <a:latin typeface="OCRB" panose="020B0609020202020204" pitchFamily="49" charset="0"/>
+              <a:ea typeface="Calibri" panose="020F0502020204030204" pitchFamily="34" charset="0"/>
+              <a:cs typeface="Times New Roman" panose="02020603050405020304" pitchFamily="18" charset="0"/>
+            </a:endParaRPr>
+          </a:p>
+        </p:txBody>
+      </p:sp>
+      <p:sp>
+        <p:nvSpPr>
+          <p:cNvPr id="18" name="Textfeld 17">
+            <a:extLst>
+              <a:ext uri="{FF2B5EF4-FFF2-40B4-BE49-F238E27FC236}">
+                <a16:creationId xmlns:a16="http://schemas.microsoft.com/office/drawing/2014/main" id="{375C4C69-2E95-B2AE-58EB-CE8526D951FC}"/>
+              </a:ext>
+            </a:extLst>
+          </p:cNvPr>
+          <p:cNvSpPr txBox="1"/>
+          <p:nvPr/>
+        </p:nvSpPr>
+        <p:spPr>
+          <a:xfrm>
+            <a:off x="4801528" y="853468"/>
+            <a:ext cx="1948245" cy="366960"/>
+          </a:xfrm>
+          <a:prstGeom prst="rect">
+            <a:avLst/>
+          </a:prstGeom>
+          <a:noFill/>
+        </p:spPr>
+        <p:txBody>
+          <a:bodyPr wrap="square">
+            <a:spAutoFit/>
+          </a:bodyPr>
+          <a:lstStyle/>
+          <a:p>
+            <a:pPr>
+              <a:lnSpc>
+                <a:spcPct val="107000"/>
+              </a:lnSpc>
+              <a:spcBef>
+                <a:spcPts val="1200"/>
+              </a:spcBef>
+            </a:pPr>
+            <a:r>
+              <a:rPr lang="en-US" b="1" kern="100" dirty="0">
+                <a:solidFill>
+                  <a:srgbClr val="313638"/>
+                </a:solidFill>
+                <a:latin typeface="OCRB" panose="020B0609020202020204" pitchFamily="49" charset="0"/>
+                <a:ea typeface="Times New Roman" panose="02020603050405020304" pitchFamily="18" charset="0"/>
+                <a:cs typeface="Times New Roman" panose="02020603050405020304" pitchFamily="18" charset="0"/>
+              </a:rPr>
+              <a:t>Tasks Due</a:t>
+            </a:r>
+            <a:endParaRPr lang="de-DE" sz="1800" b="1" kern="100" dirty="0">
+              <a:solidFill>
+                <a:srgbClr val="313638"/>
+              </a:solidFill>
+              <a:effectLst/>
+              <a:latin typeface="OCRB" panose="020B0609020202020204" pitchFamily="49" charset="0"/>
+              <a:ea typeface="Times New Roman" panose="02020603050405020304" pitchFamily="18" charset="0"/>
+              <a:cs typeface="Times New Roman" panose="02020603050405020304" pitchFamily="18" charset="0"/>
+            </a:endParaRPr>
+          </a:p>
+        </p:txBody>
+      </p:sp>
+      <p:sp>
+        <p:nvSpPr>
+          <p:cNvPr id="19" name="Textfeld 18">
+            <a:extLst>
+              <a:ext uri="{FF2B5EF4-FFF2-40B4-BE49-F238E27FC236}">
+                <a16:creationId xmlns:a16="http://schemas.microsoft.com/office/drawing/2014/main" id="{9C1617C1-893C-4B51-526C-C59299B7B520}"/>
+              </a:ext>
+            </a:extLst>
+          </p:cNvPr>
+          <p:cNvSpPr txBox="1"/>
+          <p:nvPr/>
+        </p:nvSpPr>
+        <p:spPr>
+          <a:xfrm>
+            <a:off x="4801528" y="1412006"/>
+            <a:ext cx="4273993" cy="956217"/>
+          </a:xfrm>
+          <a:prstGeom prst="rect">
+            <a:avLst/>
+          </a:prstGeom>
+          <a:noFill/>
+        </p:spPr>
+        <p:txBody>
+          <a:bodyPr wrap="square" numCol="2">
+            <a:noAutofit/>
+          </a:bodyPr>
+          <a:lstStyle/>
+          <a:p>
+            <a:pPr marL="285750" lvl="0" indent="-285750">
+              <a:lnSpc>
+                <a:spcPct val="107000"/>
+              </a:lnSpc>
+              <a:spcAft>
+                <a:spcPts val="800"/>
+              </a:spcAft>
+              <a:buFont typeface="Arial" panose="020B0604020202020204" pitchFamily="34" charset="0"/>
+              <a:buChar char="•"/>
+            </a:pPr>
+            <a:r>
+              <a:rPr lang="de-DE" sz="1050" kern="100" dirty="0" err="1">
+                <a:solidFill>
+                  <a:srgbClr val="313638"/>
+                </a:solidFill>
+                <a:effectLst/>
+                <a:latin typeface="OCRB" panose="020B0609020202020204" pitchFamily="49" charset="0"/>
+                <a:ea typeface="Calibri" panose="020F0502020204030204" pitchFamily="34" charset="0"/>
+                <a:cs typeface="Times New Roman" panose="02020603050405020304" pitchFamily="18" charset="0"/>
+              </a:rPr>
+              <a:t>Ethics</a:t>
+            </a:r>
+            <a:r>
+              <a:rPr lang="de-DE" sz="1050" kern="100" dirty="0">
+                <a:solidFill>
+                  <a:srgbClr val="313638"/>
+                </a:solidFill>
+                <a:effectLst/>
+                <a:latin typeface="OCRB" panose="020B0609020202020204" pitchFamily="49" charset="0"/>
+                <a:ea typeface="Calibri" panose="020F0502020204030204" pitchFamily="34" charset="0"/>
+                <a:cs typeface="Times New Roman" panose="02020603050405020304" pitchFamily="18" charset="0"/>
+              </a:rPr>
+              <a:t> Form</a:t>
+            </a:r>
+            <a:endParaRPr lang="de-DE" sz="1050" kern="100">
+              <a:solidFill>
+                <a:srgbClr val="313638"/>
+              </a:solidFill>
+              <a:effectLst/>
+              <a:latin typeface="OCRB" panose="020B0609020202020204" pitchFamily="49" charset="0"/>
+              <a:ea typeface="Calibri" panose="020F0502020204030204" pitchFamily="34" charset="0"/>
+              <a:cs typeface="Times New Roman" panose="02020603050405020304" pitchFamily="18" charset="0"/>
+            </a:endParaRPr>
+          </a:p>
+          <a:p>
+            <a:pPr marL="285750" lvl="0" indent="-285750">
+              <a:lnSpc>
+                <a:spcPct val="107000"/>
+              </a:lnSpc>
+              <a:spcAft>
+                <a:spcPts val="800"/>
+              </a:spcAft>
+              <a:buFont typeface="Arial" panose="020B0604020202020204" pitchFamily="34" charset="0"/>
+              <a:buChar char="•"/>
+            </a:pPr>
+            <a:r>
+              <a:rPr lang="de-DE" sz="1050">
+                <a:solidFill>
+                  <a:srgbClr val="313638"/>
+                </a:solidFill>
+                <a:latin typeface="OCRB" panose="020B0609020202020204" pitchFamily="49" charset="0"/>
+              </a:rPr>
+              <a:t>MS: Survey Design and </a:t>
+            </a:r>
+            <a:r>
+              <a:rPr lang="de-DE" sz="1050" err="1">
+                <a:solidFill>
+                  <a:srgbClr val="313638"/>
+                </a:solidFill>
+                <a:latin typeface="OCRB" panose="020B0609020202020204" pitchFamily="49" charset="0"/>
+              </a:rPr>
+              <a:t>Requirement</a:t>
+            </a:r>
+            <a:r>
+              <a:rPr lang="de-DE" sz="1050">
+                <a:solidFill>
+                  <a:srgbClr val="313638"/>
+                </a:solidFill>
+                <a:latin typeface="OCRB" panose="020B0609020202020204" pitchFamily="49" charset="0"/>
+              </a:rPr>
+              <a:t> Definition</a:t>
+            </a:r>
+            <a:endParaRPr lang="de-DE" sz="1050" kern="100">
+              <a:solidFill>
+                <a:srgbClr val="313638"/>
+              </a:solidFill>
+              <a:latin typeface="OCRB" panose="020B0609020202020204" pitchFamily="49" charset="0"/>
+              <a:ea typeface="Calibri" panose="020F0502020204030204" pitchFamily="34" charset="0"/>
+              <a:cs typeface="Times New Roman" panose="02020603050405020304" pitchFamily="18" charset="0"/>
+            </a:endParaRPr>
+          </a:p>
+          <a:p>
+            <a:pPr marL="285750" lvl="0" indent="-285750">
+              <a:lnSpc>
+                <a:spcPct val="107000"/>
+              </a:lnSpc>
+              <a:spcAft>
+                <a:spcPts val="800"/>
+              </a:spcAft>
+              <a:buFont typeface="Arial" panose="020B0604020202020204" pitchFamily="34" charset="0"/>
+              <a:buChar char="•"/>
+            </a:pPr>
+            <a:endParaRPr lang="de-DE" sz="1050" kern="100" dirty="0">
+              <a:solidFill>
+                <a:srgbClr val="313638"/>
+              </a:solidFill>
+              <a:effectLst/>
+              <a:latin typeface="OCRB" panose="020B0609020202020204" pitchFamily="49" charset="0"/>
+              <a:ea typeface="Calibri" panose="020F0502020204030204" pitchFamily="34" charset="0"/>
+              <a:cs typeface="Times New Roman" panose="02020603050405020304" pitchFamily="18" charset="0"/>
+            </a:endParaRPr>
+          </a:p>
+          <a:p>
+            <a:pPr marL="285750" lvl="0" indent="-285750">
+              <a:lnSpc>
+                <a:spcPct val="107000"/>
+              </a:lnSpc>
+              <a:spcAft>
+                <a:spcPts val="800"/>
+              </a:spcAft>
+              <a:buFont typeface="Arial" panose="020B0604020202020204" pitchFamily="34" charset="0"/>
+              <a:buChar char="•"/>
+            </a:pPr>
+            <a:endParaRPr lang="de-DE" sz="1050" kern="100" dirty="0">
+              <a:solidFill>
+                <a:srgbClr val="313638"/>
+              </a:solidFill>
+              <a:effectLst/>
+              <a:latin typeface="OCRB" panose="020B0609020202020204" pitchFamily="49" charset="0"/>
+              <a:ea typeface="Calibri" panose="020F0502020204030204" pitchFamily="34" charset="0"/>
+              <a:cs typeface="Times New Roman" panose="02020603050405020304" pitchFamily="18" charset="0"/>
+            </a:endParaRPr>
+          </a:p>
+        </p:txBody>
+      </p:sp>
+      <p:sp>
+        <p:nvSpPr>
+          <p:cNvPr id="20" name="Textfeld 19">
+            <a:extLst>
+              <a:ext uri="{FF2B5EF4-FFF2-40B4-BE49-F238E27FC236}">
+                <a16:creationId xmlns:a16="http://schemas.microsoft.com/office/drawing/2014/main" id="{EC2D6606-B517-2242-73AF-BF2EEB39CCBF}"/>
+              </a:ext>
+            </a:extLst>
+          </p:cNvPr>
+          <p:cNvSpPr txBox="1"/>
+          <p:nvPr/>
+        </p:nvSpPr>
+        <p:spPr>
+          <a:xfrm>
+            <a:off x="10955737" y="2574905"/>
+            <a:ext cx="851608" cy="246221"/>
+          </a:xfrm>
+          <a:prstGeom prst="rect">
+            <a:avLst/>
+          </a:prstGeom>
+          <a:noFill/>
+        </p:spPr>
+        <p:txBody>
+          <a:bodyPr wrap="square" rtlCol="0">
+            <a:spAutoFit/>
+          </a:bodyPr>
+          <a:lstStyle/>
+          <a:p>
+            <a:pPr algn="ctr"/>
+            <a:r>
+              <a:rPr lang="de-DE" sz="1000" dirty="0">
+                <a:latin typeface="OCRB" panose="020B0609020202020204" pitchFamily="49" charset="0"/>
+              </a:rPr>
+              <a:t>„</a:t>
+            </a:r>
+            <a:r>
+              <a:rPr lang="de-DE" sz="1000" dirty="0" err="1">
+                <a:latin typeface="OCRB" panose="020B0609020202020204" pitchFamily="49" charset="0"/>
+              </a:rPr>
+              <a:t>Done</a:t>
+            </a:r>
+            <a:r>
+              <a:rPr lang="de-DE" sz="1000" dirty="0">
+                <a:latin typeface="OCRB" panose="020B0609020202020204" pitchFamily="49" charset="0"/>
+              </a:rPr>
+              <a:t>“</a:t>
+            </a:r>
+          </a:p>
+        </p:txBody>
+      </p:sp>
+      <p:cxnSp>
+        <p:nvCxnSpPr>
+          <p:cNvPr id="21" name="Gerader Verbinder 20">
+            <a:extLst>
+              <a:ext uri="{FF2B5EF4-FFF2-40B4-BE49-F238E27FC236}">
+                <a16:creationId xmlns:a16="http://schemas.microsoft.com/office/drawing/2014/main" id="{63263D4C-4887-3F63-B29C-AFD351E1C213}"/>
+              </a:ext>
+            </a:extLst>
+          </p:cNvPr>
+          <p:cNvCxnSpPr/>
+          <p:nvPr/>
+        </p:nvCxnSpPr>
+        <p:spPr>
+          <a:xfrm flipV="1">
+            <a:off x="11381541" y="2857994"/>
+            <a:ext cx="0" cy="451313"/>
+          </a:xfrm>
+          <a:prstGeom prst="line">
+            <a:avLst/>
+          </a:prstGeom>
+          <a:ln w="15875">
+            <a:solidFill>
+              <a:srgbClr val="F09D51"/>
+            </a:solidFill>
+          </a:ln>
+        </p:spPr>
+        <p:style>
+          <a:lnRef idx="1">
+            <a:schemeClr val="accent1"/>
+          </a:lnRef>
+          <a:fillRef idx="0">
+            <a:schemeClr val="accent1"/>
+          </a:fillRef>
+          <a:effectRef idx="0">
+            <a:schemeClr val="accent1"/>
+          </a:effectRef>
+          <a:fontRef idx="minor">
+            <a:schemeClr val="tx1"/>
+          </a:fontRef>
+        </p:style>
+      </p:cxnSp>
+      <p:pic>
+        <p:nvPicPr>
+          <p:cNvPr id="26" name="Grafik 25">
+            <a:extLst>
+              <a:ext uri="{FF2B5EF4-FFF2-40B4-BE49-F238E27FC236}">
+                <a16:creationId xmlns:a16="http://schemas.microsoft.com/office/drawing/2014/main" id="{BD968AB6-2034-4662-AA44-F1905FFBCDF2}"/>
+              </a:ext>
+            </a:extLst>
+          </p:cNvPr>
+          <p:cNvPicPr>
+            <a:picLocks noChangeAspect="1"/>
+          </p:cNvPicPr>
+          <p:nvPr/>
+        </p:nvPicPr>
+        <p:blipFill>
+          <a:blip r:embed="rId2">
+            <a:clrChange>
+              <a:clrFrom>
+                <a:srgbClr val="000000">
+                  <a:alpha val="0"/>
+                </a:srgbClr>
+              </a:clrFrom>
+              <a:clrTo>
+                <a:srgbClr val="000000">
+                  <a:alpha val="0"/>
+                </a:srgbClr>
+              </a:clrTo>
+            </a:clrChange>
+          </a:blip>
+          <a:stretch>
+            <a:fillRect/>
+          </a:stretch>
+        </p:blipFill>
+        <p:spPr>
+          <a:xfrm>
+            <a:off x="10846617" y="262138"/>
+            <a:ext cx="960728" cy="537550"/>
+          </a:xfrm>
+          <a:prstGeom prst="rect">
+            <a:avLst/>
+          </a:prstGeom>
+        </p:spPr>
+      </p:pic>
+      <p:sp>
+        <p:nvSpPr>
+          <p:cNvPr id="27" name="Rechteck 26">
+            <a:extLst>
+              <a:ext uri="{FF2B5EF4-FFF2-40B4-BE49-F238E27FC236}">
+                <a16:creationId xmlns:a16="http://schemas.microsoft.com/office/drawing/2014/main" id="{5C942C9E-31CA-B21F-31AA-8975EF6CE9F5}"/>
+              </a:ext>
+            </a:extLst>
+          </p:cNvPr>
+          <p:cNvSpPr/>
+          <p:nvPr/>
+        </p:nvSpPr>
+        <p:spPr>
+          <a:xfrm>
+            <a:off x="3284816" y="4732408"/>
+            <a:ext cx="1734552" cy="1169517"/>
+          </a:xfrm>
+          <a:custGeom>
+            <a:avLst/>
+            <a:gdLst>
+              <a:gd name="connsiteX0" fmla="*/ 0 w 1734552"/>
+              <a:gd name="connsiteY0" fmla="*/ 0 h 1169517"/>
+              <a:gd name="connsiteX1" fmla="*/ 612875 w 1734552"/>
+              <a:gd name="connsiteY1" fmla="*/ 0 h 1169517"/>
+              <a:gd name="connsiteX2" fmla="*/ 1156368 w 1734552"/>
+              <a:gd name="connsiteY2" fmla="*/ 0 h 1169517"/>
+              <a:gd name="connsiteX3" fmla="*/ 1734552 w 1734552"/>
+              <a:gd name="connsiteY3" fmla="*/ 0 h 1169517"/>
+              <a:gd name="connsiteX4" fmla="*/ 1734552 w 1734552"/>
+              <a:gd name="connsiteY4" fmla="*/ 573063 h 1169517"/>
+              <a:gd name="connsiteX5" fmla="*/ 1734552 w 1734552"/>
+              <a:gd name="connsiteY5" fmla="*/ 1169517 h 1169517"/>
+              <a:gd name="connsiteX6" fmla="*/ 1191059 w 1734552"/>
+              <a:gd name="connsiteY6" fmla="*/ 1169517 h 1169517"/>
+              <a:gd name="connsiteX7" fmla="*/ 664912 w 1734552"/>
+              <a:gd name="connsiteY7" fmla="*/ 1169517 h 1169517"/>
+              <a:gd name="connsiteX8" fmla="*/ 0 w 1734552"/>
+              <a:gd name="connsiteY8" fmla="*/ 1169517 h 1169517"/>
+              <a:gd name="connsiteX9" fmla="*/ 0 w 1734552"/>
+              <a:gd name="connsiteY9" fmla="*/ 608149 h 1169517"/>
+              <a:gd name="connsiteX10" fmla="*/ 0 w 1734552"/>
+              <a:gd name="connsiteY10" fmla="*/ 0 h 1169517"/>
+            </a:gdLst>
+            <a:ahLst/>
+            <a:cxnLst>
+              <a:cxn ang="0">
+                <a:pos x="connsiteX0" y="connsiteY0"/>
+              </a:cxn>
+              <a:cxn ang="0">
+                <a:pos x="connsiteX1" y="connsiteY1"/>
+              </a:cxn>
+              <a:cxn ang="0">
+                <a:pos x="connsiteX2" y="connsiteY2"/>
+              </a:cxn>
+              <a:cxn ang="0">
+                <a:pos x="connsiteX3" y="connsiteY3"/>
+              </a:cxn>
+              <a:cxn ang="0">
+                <a:pos x="connsiteX4" y="connsiteY4"/>
+              </a:cxn>
+              <a:cxn ang="0">
+                <a:pos x="connsiteX5" y="connsiteY5"/>
+              </a:cxn>
+              <a:cxn ang="0">
+                <a:pos x="connsiteX6" y="connsiteY6"/>
+              </a:cxn>
+              <a:cxn ang="0">
+                <a:pos x="connsiteX7" y="connsiteY7"/>
+              </a:cxn>
+              <a:cxn ang="0">
+                <a:pos x="connsiteX8" y="connsiteY8"/>
+              </a:cxn>
+              <a:cxn ang="0">
+                <a:pos x="connsiteX9" y="connsiteY9"/>
+              </a:cxn>
+              <a:cxn ang="0">
+                <a:pos x="connsiteX10" y="connsiteY10"/>
+              </a:cxn>
+            </a:cxnLst>
+            <a:rect l="l" t="t" r="r" b="b"/>
+            <a:pathLst>
+              <a:path w="1734552" h="1169517" fill="none" extrusionOk="0">
+                <a:moveTo>
+                  <a:pt x="0" y="0"/>
+                </a:moveTo>
+                <a:cubicBezTo>
+                  <a:pt x="196669" y="-18741"/>
+                  <a:pt x="419061" y="26267"/>
+                  <a:pt x="612875" y="0"/>
+                </a:cubicBezTo>
+                <a:cubicBezTo>
+                  <a:pt x="806689" y="-26267"/>
+                  <a:pt x="1047647" y="16956"/>
+                  <a:pt x="1156368" y="0"/>
+                </a:cubicBezTo>
+                <a:cubicBezTo>
+                  <a:pt x="1265089" y="-16956"/>
+                  <a:pt x="1456745" y="3434"/>
+                  <a:pt x="1734552" y="0"/>
+                </a:cubicBezTo>
+                <a:cubicBezTo>
+                  <a:pt x="1753869" y="134304"/>
+                  <a:pt x="1759449" y="410259"/>
+                  <a:pt x="1734552" y="573063"/>
+                </a:cubicBezTo>
+                <a:cubicBezTo>
+                  <a:pt x="1709655" y="735867"/>
+                  <a:pt x="1751178" y="889020"/>
+                  <a:pt x="1734552" y="1169517"/>
+                </a:cubicBezTo>
+                <a:cubicBezTo>
+                  <a:pt x="1487679" y="1181417"/>
+                  <a:pt x="1437572" y="1157391"/>
+                  <a:pt x="1191059" y="1169517"/>
+                </a:cubicBezTo>
+                <a:cubicBezTo>
+                  <a:pt x="944546" y="1181643"/>
+                  <a:pt x="810797" y="1148961"/>
+                  <a:pt x="664912" y="1169517"/>
+                </a:cubicBezTo>
+                <a:cubicBezTo>
+                  <a:pt x="519027" y="1190073"/>
+                  <a:pt x="152425" y="1143120"/>
+                  <a:pt x="0" y="1169517"/>
+                </a:cubicBezTo>
+                <a:cubicBezTo>
+                  <a:pt x="13003" y="894396"/>
+                  <a:pt x="24761" y="754755"/>
+                  <a:pt x="0" y="608149"/>
+                </a:cubicBezTo>
+                <a:cubicBezTo>
+                  <a:pt x="-24761" y="461543"/>
+                  <a:pt x="10195" y="202449"/>
+                  <a:pt x="0" y="0"/>
+                </a:cubicBezTo>
+                <a:close/>
+              </a:path>
+              <a:path w="1734552" h="1169517" stroke="0" extrusionOk="0">
+                <a:moveTo>
+                  <a:pt x="0" y="0"/>
+                </a:moveTo>
+                <a:cubicBezTo>
+                  <a:pt x="214577" y="-14718"/>
+                  <a:pt x="378134" y="18379"/>
+                  <a:pt x="543493" y="0"/>
+                </a:cubicBezTo>
+                <a:cubicBezTo>
+                  <a:pt x="708852" y="-18379"/>
+                  <a:pt x="950850" y="21036"/>
+                  <a:pt x="1121677" y="0"/>
+                </a:cubicBezTo>
+                <a:cubicBezTo>
+                  <a:pt x="1292504" y="-21036"/>
+                  <a:pt x="1558147" y="-18234"/>
+                  <a:pt x="1734552" y="0"/>
+                </a:cubicBezTo>
+                <a:cubicBezTo>
+                  <a:pt x="1735796" y="290412"/>
+                  <a:pt x="1742552" y="331763"/>
+                  <a:pt x="1734552" y="584759"/>
+                </a:cubicBezTo>
+                <a:cubicBezTo>
+                  <a:pt x="1726552" y="837755"/>
+                  <a:pt x="1752076" y="930327"/>
+                  <a:pt x="1734552" y="1169517"/>
+                </a:cubicBezTo>
+                <a:cubicBezTo>
+                  <a:pt x="1566112" y="1168866"/>
+                  <a:pt x="1338815" y="1170762"/>
+                  <a:pt x="1173714" y="1169517"/>
+                </a:cubicBezTo>
+                <a:cubicBezTo>
+                  <a:pt x="1008613" y="1168272"/>
+                  <a:pt x="784857" y="1176431"/>
+                  <a:pt x="612875" y="1169517"/>
+                </a:cubicBezTo>
+                <a:cubicBezTo>
+                  <a:pt x="440893" y="1162603"/>
+                  <a:pt x="245677" y="1183114"/>
+                  <a:pt x="0" y="1169517"/>
+                </a:cubicBezTo>
+                <a:cubicBezTo>
+                  <a:pt x="10501" y="985620"/>
+                  <a:pt x="26026" y="856724"/>
+                  <a:pt x="0" y="573063"/>
+                </a:cubicBezTo>
+                <a:cubicBezTo>
+                  <a:pt x="-26026" y="289402"/>
+                  <a:pt x="8254" y="270083"/>
+                  <a:pt x="0" y="0"/>
+                </a:cubicBezTo>
+                <a:close/>
+              </a:path>
+            </a:pathLst>
+          </a:custGeom>
+          <a:solidFill>
+            <a:srgbClr val="E0DFD5"/>
+          </a:solidFill>
+          <a:ln>
+            <a:solidFill>
+              <a:srgbClr val="F09D51"/>
+            </a:solidFill>
+            <a:extLst>
+              <a:ext uri="{C807C97D-BFC1-408E-A445-0C87EB9F89A2}">
+                <ask:lineSketchStyleProps xmlns:ask="http://schemas.microsoft.com/office/drawing/2018/sketchyshapes" sd="277475729">
+                  <a:prstGeom prst="rect">
+                    <a:avLst/>
+                  </a:prstGeom>
+                  <ask:type>
+                    <ask:lineSketchFreehand/>
+                  </ask:type>
+                </ask:lineSketchStyleProps>
+              </a:ext>
+            </a:extLst>
+          </a:ln>
+          <a:effectLst>
+            <a:outerShdw blurRad="152400" dist="317500" dir="5400000" sx="90000" sy="-19000" rotWithShape="0">
+              <a:prstClr val="black">
+                <a:alpha val="15000"/>
+              </a:prstClr>
+            </a:outerShdw>
+          </a:effectLst>
+        </p:spPr>
+        <p:style>
+          <a:lnRef idx="2">
+            <a:schemeClr val="accent1">
+              <a:shade val="15000"/>
+            </a:schemeClr>
+          </a:lnRef>
+          <a:fillRef idx="1">
+            <a:schemeClr val="accent1"/>
+          </a:fillRef>
+          <a:effectRef idx="0">
+            <a:schemeClr val="accent1"/>
+          </a:effectRef>
+          <a:fontRef idx="minor">
+            <a:schemeClr val="lt1"/>
+          </a:fontRef>
+        </p:style>
+        <p:txBody>
+          <a:bodyPr rtlCol="0" anchor="t"/>
+          <a:lstStyle/>
+          <a:p>
+            <a:pPr algn="ctr"/>
+            <a:r>
+              <a:rPr lang="de-DE" sz="1400" dirty="0">
+                <a:solidFill>
+                  <a:srgbClr val="313638"/>
+                </a:solidFill>
+                <a:latin typeface="OCRB" panose="020B0609020202020204" pitchFamily="49" charset="0"/>
+              </a:rPr>
+              <a:t>Milestone 2:</a:t>
+            </a:r>
+            <a:br>
+              <a:rPr lang="de-DE" sz="1400" dirty="0">
+                <a:solidFill>
+                  <a:srgbClr val="313638"/>
+                </a:solidFill>
+                <a:latin typeface="OCRB" panose="020B0609020202020204" pitchFamily="49" charset="0"/>
+              </a:rPr>
+            </a:br>
+            <a:r>
+              <a:rPr lang="de-DE" sz="1400" dirty="0">
+                <a:solidFill>
+                  <a:srgbClr val="313638"/>
+                </a:solidFill>
+                <a:latin typeface="OCRB" panose="020B0609020202020204" pitchFamily="49" charset="0"/>
+              </a:rPr>
+              <a:t>Survey Plattform</a:t>
+            </a:r>
+          </a:p>
+        </p:txBody>
+      </p:sp>
+      <p:cxnSp>
+        <p:nvCxnSpPr>
+          <p:cNvPr id="30" name="Gerader Verbinder 29">
+            <a:extLst>
+              <a:ext uri="{FF2B5EF4-FFF2-40B4-BE49-F238E27FC236}">
+                <a16:creationId xmlns:a16="http://schemas.microsoft.com/office/drawing/2014/main" id="{C7296F8B-AE5C-AB93-F013-5FF6EAC50EDD}"/>
+              </a:ext>
+            </a:extLst>
+          </p:cNvPr>
+          <p:cNvCxnSpPr/>
+          <p:nvPr/>
+        </p:nvCxnSpPr>
+        <p:spPr>
+          <a:xfrm flipV="1">
+            <a:off x="1663510" y="2911951"/>
+            <a:ext cx="0" cy="451313"/>
+          </a:xfrm>
+          <a:prstGeom prst="line">
+            <a:avLst/>
+          </a:prstGeom>
+          <a:ln w="15875">
+            <a:solidFill>
+              <a:srgbClr val="F09D51"/>
+            </a:solidFill>
+          </a:ln>
+        </p:spPr>
+        <p:style>
+          <a:lnRef idx="1">
+            <a:schemeClr val="accent1"/>
+          </a:lnRef>
+          <a:fillRef idx="0">
+            <a:schemeClr val="accent1"/>
+          </a:fillRef>
+          <a:effectRef idx="0">
+            <a:schemeClr val="accent1"/>
+          </a:effectRef>
+          <a:fontRef idx="minor">
+            <a:schemeClr val="tx1"/>
+          </a:fontRef>
+        </p:style>
+      </p:cxnSp>
+      <p:sp>
+        <p:nvSpPr>
+          <p:cNvPr id="31" name="Textfeld 30">
+            <a:extLst>
+              <a:ext uri="{FF2B5EF4-FFF2-40B4-BE49-F238E27FC236}">
+                <a16:creationId xmlns:a16="http://schemas.microsoft.com/office/drawing/2014/main" id="{E6E65C42-8796-7E79-75A8-1AA73339BF1B}"/>
+              </a:ext>
+            </a:extLst>
+          </p:cNvPr>
+          <p:cNvSpPr txBox="1"/>
+          <p:nvPr/>
+        </p:nvSpPr>
+        <p:spPr>
+          <a:xfrm>
+            <a:off x="1089039" y="2565144"/>
+            <a:ext cx="1132208" cy="400110"/>
+          </a:xfrm>
+          <a:prstGeom prst="rect">
+            <a:avLst/>
+          </a:prstGeom>
+          <a:noFill/>
+        </p:spPr>
+        <p:txBody>
+          <a:bodyPr wrap="square" rtlCol="0">
+            <a:spAutoFit/>
+          </a:bodyPr>
+          <a:lstStyle/>
+          <a:p>
+            <a:pPr algn="ctr"/>
+            <a:r>
+              <a:rPr lang="de-DE" sz="1000" dirty="0">
+                <a:latin typeface="OCRB" panose="020B0609020202020204" pitchFamily="49" charset="0"/>
+              </a:rPr>
+              <a:t>08.11.23</a:t>
+            </a:r>
+            <a:br>
+              <a:rPr lang="de-DE" sz="1000" dirty="0">
+                <a:latin typeface="OCRB" panose="020B0609020202020204" pitchFamily="49" charset="0"/>
+              </a:rPr>
+            </a:br>
+            <a:r>
+              <a:rPr lang="de-DE" sz="1000" dirty="0" err="1">
+                <a:latin typeface="OCRB" panose="020B0609020202020204" pitchFamily="49" charset="0"/>
+              </a:rPr>
+              <a:t>Coordination</a:t>
+            </a:r>
+            <a:endParaRPr lang="de-DE" sz="1000" dirty="0">
+              <a:latin typeface="OCRB" panose="020B0609020202020204" pitchFamily="49" charset="0"/>
+            </a:endParaRPr>
+          </a:p>
+        </p:txBody>
+      </p:sp>
+      <p:sp>
+        <p:nvSpPr>
+          <p:cNvPr id="32" name="Rechteck 31">
+            <a:extLst>
+              <a:ext uri="{FF2B5EF4-FFF2-40B4-BE49-F238E27FC236}">
+                <a16:creationId xmlns:a16="http://schemas.microsoft.com/office/drawing/2014/main" id="{3849EC23-67DC-35F8-92DD-A514E922772B}"/>
+              </a:ext>
+            </a:extLst>
+          </p:cNvPr>
+          <p:cNvSpPr/>
+          <p:nvPr/>
+        </p:nvSpPr>
+        <p:spPr>
+          <a:xfrm>
+            <a:off x="5228724" y="4750210"/>
+            <a:ext cx="1734552" cy="1151715"/>
+          </a:xfrm>
+          <a:custGeom>
+            <a:avLst/>
+            <a:gdLst>
+              <a:gd name="connsiteX0" fmla="*/ 0 w 1734552"/>
+              <a:gd name="connsiteY0" fmla="*/ 0 h 1151715"/>
+              <a:gd name="connsiteX1" fmla="*/ 612875 w 1734552"/>
+              <a:gd name="connsiteY1" fmla="*/ 0 h 1151715"/>
+              <a:gd name="connsiteX2" fmla="*/ 1156368 w 1734552"/>
+              <a:gd name="connsiteY2" fmla="*/ 0 h 1151715"/>
+              <a:gd name="connsiteX3" fmla="*/ 1734552 w 1734552"/>
+              <a:gd name="connsiteY3" fmla="*/ 0 h 1151715"/>
+              <a:gd name="connsiteX4" fmla="*/ 1734552 w 1734552"/>
+              <a:gd name="connsiteY4" fmla="*/ 564340 h 1151715"/>
+              <a:gd name="connsiteX5" fmla="*/ 1734552 w 1734552"/>
+              <a:gd name="connsiteY5" fmla="*/ 1151715 h 1151715"/>
+              <a:gd name="connsiteX6" fmla="*/ 1191059 w 1734552"/>
+              <a:gd name="connsiteY6" fmla="*/ 1151715 h 1151715"/>
+              <a:gd name="connsiteX7" fmla="*/ 664912 w 1734552"/>
+              <a:gd name="connsiteY7" fmla="*/ 1151715 h 1151715"/>
+              <a:gd name="connsiteX8" fmla="*/ 0 w 1734552"/>
+              <a:gd name="connsiteY8" fmla="*/ 1151715 h 1151715"/>
+              <a:gd name="connsiteX9" fmla="*/ 0 w 1734552"/>
+              <a:gd name="connsiteY9" fmla="*/ 598892 h 1151715"/>
+              <a:gd name="connsiteX10" fmla="*/ 0 w 1734552"/>
+              <a:gd name="connsiteY10" fmla="*/ 0 h 1151715"/>
+            </a:gdLst>
+            <a:ahLst/>
+            <a:cxnLst>
+              <a:cxn ang="0">
+                <a:pos x="connsiteX0" y="connsiteY0"/>
+              </a:cxn>
+              <a:cxn ang="0">
+                <a:pos x="connsiteX1" y="connsiteY1"/>
+              </a:cxn>
+              <a:cxn ang="0">
+                <a:pos x="connsiteX2" y="connsiteY2"/>
+              </a:cxn>
+              <a:cxn ang="0">
+                <a:pos x="connsiteX3" y="connsiteY3"/>
+              </a:cxn>
+              <a:cxn ang="0">
+                <a:pos x="connsiteX4" y="connsiteY4"/>
+              </a:cxn>
+              <a:cxn ang="0">
+                <a:pos x="connsiteX5" y="connsiteY5"/>
+              </a:cxn>
+              <a:cxn ang="0">
+                <a:pos x="connsiteX6" y="connsiteY6"/>
+              </a:cxn>
+              <a:cxn ang="0">
+                <a:pos x="connsiteX7" y="connsiteY7"/>
+              </a:cxn>
+              <a:cxn ang="0">
+                <a:pos x="connsiteX8" y="connsiteY8"/>
+              </a:cxn>
+              <a:cxn ang="0">
+                <a:pos x="connsiteX9" y="connsiteY9"/>
+              </a:cxn>
+              <a:cxn ang="0">
+                <a:pos x="connsiteX10" y="connsiteY10"/>
+              </a:cxn>
+            </a:cxnLst>
+            <a:rect l="l" t="t" r="r" b="b"/>
+            <a:pathLst>
+              <a:path w="1734552" h="1151715" fill="none" extrusionOk="0">
+                <a:moveTo>
+                  <a:pt x="0" y="0"/>
+                </a:moveTo>
+                <a:cubicBezTo>
+                  <a:pt x="196669" y="-18741"/>
+                  <a:pt x="419061" y="26267"/>
+                  <a:pt x="612875" y="0"/>
+                </a:cubicBezTo>
+                <a:cubicBezTo>
+                  <a:pt x="806689" y="-26267"/>
+                  <a:pt x="1047647" y="16956"/>
+                  <a:pt x="1156368" y="0"/>
+                </a:cubicBezTo>
+                <a:cubicBezTo>
+                  <a:pt x="1265089" y="-16956"/>
+                  <a:pt x="1456745" y="3434"/>
+                  <a:pt x="1734552" y="0"/>
+                </a:cubicBezTo>
+                <a:cubicBezTo>
+                  <a:pt x="1730711" y="238504"/>
+                  <a:pt x="1735492" y="409992"/>
+                  <a:pt x="1734552" y="564340"/>
+                </a:cubicBezTo>
+                <a:cubicBezTo>
+                  <a:pt x="1733612" y="718688"/>
+                  <a:pt x="1757203" y="1009668"/>
+                  <a:pt x="1734552" y="1151715"/>
+                </a:cubicBezTo>
+                <a:cubicBezTo>
+                  <a:pt x="1487679" y="1163615"/>
+                  <a:pt x="1437572" y="1139589"/>
+                  <a:pt x="1191059" y="1151715"/>
+                </a:cubicBezTo>
+                <a:cubicBezTo>
+                  <a:pt x="944546" y="1163841"/>
+                  <a:pt x="810797" y="1131159"/>
+                  <a:pt x="664912" y="1151715"/>
+                </a:cubicBezTo>
+                <a:cubicBezTo>
+                  <a:pt x="519027" y="1172271"/>
+                  <a:pt x="152425" y="1125318"/>
+                  <a:pt x="0" y="1151715"/>
+                </a:cubicBezTo>
+                <a:cubicBezTo>
+                  <a:pt x="914" y="1020988"/>
+                  <a:pt x="3657" y="817392"/>
+                  <a:pt x="0" y="598892"/>
+                </a:cubicBezTo>
+                <a:cubicBezTo>
+                  <a:pt x="-3657" y="380392"/>
+                  <a:pt x="-19941" y="293403"/>
+                  <a:pt x="0" y="0"/>
+                </a:cubicBezTo>
+                <a:close/>
+              </a:path>
+              <a:path w="1734552" h="1151715" stroke="0" extrusionOk="0">
+                <a:moveTo>
+                  <a:pt x="0" y="0"/>
+                </a:moveTo>
+                <a:cubicBezTo>
+                  <a:pt x="214577" y="-14718"/>
+                  <a:pt x="378134" y="18379"/>
+                  <a:pt x="543493" y="0"/>
+                </a:cubicBezTo>
+                <a:cubicBezTo>
+                  <a:pt x="708852" y="-18379"/>
+                  <a:pt x="950850" y="21036"/>
+                  <a:pt x="1121677" y="0"/>
+                </a:cubicBezTo>
+                <a:cubicBezTo>
+                  <a:pt x="1292504" y="-21036"/>
+                  <a:pt x="1558147" y="-18234"/>
+                  <a:pt x="1734552" y="0"/>
+                </a:cubicBezTo>
+                <a:cubicBezTo>
+                  <a:pt x="1752593" y="202156"/>
+                  <a:pt x="1709577" y="391769"/>
+                  <a:pt x="1734552" y="575858"/>
+                </a:cubicBezTo>
+                <a:cubicBezTo>
+                  <a:pt x="1759527" y="759947"/>
+                  <a:pt x="1760138" y="929027"/>
+                  <a:pt x="1734552" y="1151715"/>
+                </a:cubicBezTo>
+                <a:cubicBezTo>
+                  <a:pt x="1566112" y="1151064"/>
+                  <a:pt x="1338815" y="1152960"/>
+                  <a:pt x="1173714" y="1151715"/>
+                </a:cubicBezTo>
+                <a:cubicBezTo>
+                  <a:pt x="1008613" y="1150470"/>
+                  <a:pt x="784857" y="1158629"/>
+                  <a:pt x="612875" y="1151715"/>
+                </a:cubicBezTo>
+                <a:cubicBezTo>
+                  <a:pt x="440893" y="1144801"/>
+                  <a:pt x="245677" y="1165312"/>
+                  <a:pt x="0" y="1151715"/>
+                </a:cubicBezTo>
+                <a:cubicBezTo>
+                  <a:pt x="-21621" y="979692"/>
+                  <a:pt x="29232" y="832405"/>
+                  <a:pt x="0" y="564340"/>
+                </a:cubicBezTo>
+                <a:cubicBezTo>
+                  <a:pt x="-29232" y="296276"/>
+                  <a:pt x="-7531" y="240127"/>
+                  <a:pt x="0" y="0"/>
+                </a:cubicBezTo>
+                <a:close/>
+              </a:path>
+            </a:pathLst>
+          </a:custGeom>
+          <a:solidFill>
+            <a:srgbClr val="E0DFD5"/>
+          </a:solidFill>
+          <a:ln>
+            <a:solidFill>
+              <a:srgbClr val="F09D51"/>
+            </a:solidFill>
+            <a:extLst>
+              <a:ext uri="{C807C97D-BFC1-408E-A445-0C87EB9F89A2}">
+                <ask:lineSketchStyleProps xmlns:ask="http://schemas.microsoft.com/office/drawing/2018/sketchyshapes" sd="277475729">
+                  <a:prstGeom prst="rect">
+                    <a:avLst/>
+                  </a:prstGeom>
+                  <ask:type>
+                    <ask:lineSketchFreehand/>
+                  </ask:type>
+                </ask:lineSketchStyleProps>
+              </a:ext>
+            </a:extLst>
+          </a:ln>
+          <a:effectLst>
+            <a:outerShdw blurRad="152400" dist="317500" dir="5400000" sx="90000" sy="-19000" rotWithShape="0">
+              <a:prstClr val="black">
+                <a:alpha val="15000"/>
+              </a:prstClr>
+            </a:outerShdw>
+          </a:effectLst>
+        </p:spPr>
+        <p:style>
+          <a:lnRef idx="2">
+            <a:schemeClr val="accent1">
+              <a:shade val="15000"/>
+            </a:schemeClr>
+          </a:lnRef>
+          <a:fillRef idx="1">
+            <a:schemeClr val="accent1"/>
+          </a:fillRef>
+          <a:effectRef idx="0">
+            <a:schemeClr val="accent1"/>
+          </a:effectRef>
+          <a:fontRef idx="minor">
+            <a:schemeClr val="lt1"/>
+          </a:fontRef>
+        </p:style>
+        <p:txBody>
+          <a:bodyPr rtlCol="0" anchor="t"/>
+          <a:lstStyle/>
+          <a:p>
+            <a:pPr algn="ctr"/>
+            <a:r>
+              <a:rPr lang="de-DE" sz="1400" dirty="0">
+                <a:solidFill>
+                  <a:srgbClr val="313638"/>
+                </a:solidFill>
+                <a:latin typeface="OCRB" panose="020B0609020202020204" pitchFamily="49" charset="0"/>
+              </a:rPr>
+              <a:t>Milestone 3:</a:t>
+            </a:r>
+            <a:br>
+              <a:rPr lang="de-DE" sz="1400" dirty="0">
+                <a:solidFill>
+                  <a:srgbClr val="313638"/>
+                </a:solidFill>
+                <a:latin typeface="OCRB" panose="020B0609020202020204" pitchFamily="49" charset="0"/>
+              </a:rPr>
+            </a:br>
+            <a:r>
+              <a:rPr lang="de-DE" sz="1400" dirty="0">
+                <a:solidFill>
+                  <a:srgbClr val="313638"/>
+                </a:solidFill>
+                <a:latin typeface="OCRB" panose="020B0609020202020204" pitchFamily="49" charset="0"/>
+              </a:rPr>
+              <a:t>Experiment</a:t>
+            </a:r>
+          </a:p>
+        </p:txBody>
+      </p:sp>
+      <p:sp>
+        <p:nvSpPr>
+          <p:cNvPr id="33" name="Rechteck 32">
+            <a:extLst>
+              <a:ext uri="{FF2B5EF4-FFF2-40B4-BE49-F238E27FC236}">
+                <a16:creationId xmlns:a16="http://schemas.microsoft.com/office/drawing/2014/main" id="{65F2E3D6-3D36-BC18-4256-B6963AE578E2}"/>
+              </a:ext>
+            </a:extLst>
+          </p:cNvPr>
+          <p:cNvSpPr/>
+          <p:nvPr/>
+        </p:nvSpPr>
+        <p:spPr>
+          <a:xfrm>
+            <a:off x="7172632" y="4750211"/>
+            <a:ext cx="1734552" cy="1112470"/>
+          </a:xfrm>
+          <a:custGeom>
+            <a:avLst/>
+            <a:gdLst>
+              <a:gd name="connsiteX0" fmla="*/ 0 w 1734552"/>
+              <a:gd name="connsiteY0" fmla="*/ 0 h 1112470"/>
+              <a:gd name="connsiteX1" fmla="*/ 612875 w 1734552"/>
+              <a:gd name="connsiteY1" fmla="*/ 0 h 1112470"/>
+              <a:gd name="connsiteX2" fmla="*/ 1156368 w 1734552"/>
+              <a:gd name="connsiteY2" fmla="*/ 0 h 1112470"/>
+              <a:gd name="connsiteX3" fmla="*/ 1734552 w 1734552"/>
+              <a:gd name="connsiteY3" fmla="*/ 0 h 1112470"/>
+              <a:gd name="connsiteX4" fmla="*/ 1734552 w 1734552"/>
+              <a:gd name="connsiteY4" fmla="*/ 545110 h 1112470"/>
+              <a:gd name="connsiteX5" fmla="*/ 1734552 w 1734552"/>
+              <a:gd name="connsiteY5" fmla="*/ 1112470 h 1112470"/>
+              <a:gd name="connsiteX6" fmla="*/ 1191059 w 1734552"/>
+              <a:gd name="connsiteY6" fmla="*/ 1112470 h 1112470"/>
+              <a:gd name="connsiteX7" fmla="*/ 664912 w 1734552"/>
+              <a:gd name="connsiteY7" fmla="*/ 1112470 h 1112470"/>
+              <a:gd name="connsiteX8" fmla="*/ 0 w 1734552"/>
+              <a:gd name="connsiteY8" fmla="*/ 1112470 h 1112470"/>
+              <a:gd name="connsiteX9" fmla="*/ 0 w 1734552"/>
+              <a:gd name="connsiteY9" fmla="*/ 578484 h 1112470"/>
+              <a:gd name="connsiteX10" fmla="*/ 0 w 1734552"/>
+              <a:gd name="connsiteY10" fmla="*/ 0 h 1112470"/>
+            </a:gdLst>
+            <a:ahLst/>
+            <a:cxnLst>
+              <a:cxn ang="0">
+                <a:pos x="connsiteX0" y="connsiteY0"/>
+              </a:cxn>
+              <a:cxn ang="0">
+                <a:pos x="connsiteX1" y="connsiteY1"/>
+              </a:cxn>
+              <a:cxn ang="0">
+                <a:pos x="connsiteX2" y="connsiteY2"/>
+              </a:cxn>
+              <a:cxn ang="0">
+                <a:pos x="connsiteX3" y="connsiteY3"/>
+              </a:cxn>
+              <a:cxn ang="0">
+                <a:pos x="connsiteX4" y="connsiteY4"/>
+              </a:cxn>
+              <a:cxn ang="0">
+                <a:pos x="connsiteX5" y="connsiteY5"/>
+              </a:cxn>
+              <a:cxn ang="0">
+                <a:pos x="connsiteX6" y="connsiteY6"/>
+              </a:cxn>
+              <a:cxn ang="0">
+                <a:pos x="connsiteX7" y="connsiteY7"/>
+              </a:cxn>
+              <a:cxn ang="0">
+                <a:pos x="connsiteX8" y="connsiteY8"/>
+              </a:cxn>
+              <a:cxn ang="0">
+                <a:pos x="connsiteX9" y="connsiteY9"/>
+              </a:cxn>
+              <a:cxn ang="0">
+                <a:pos x="connsiteX10" y="connsiteY10"/>
+              </a:cxn>
+            </a:cxnLst>
+            <a:rect l="l" t="t" r="r" b="b"/>
+            <a:pathLst>
+              <a:path w="1734552" h="1112470" fill="none" extrusionOk="0">
+                <a:moveTo>
+                  <a:pt x="0" y="0"/>
+                </a:moveTo>
+                <a:cubicBezTo>
+                  <a:pt x="196669" y="-18741"/>
+                  <a:pt x="419061" y="26267"/>
+                  <a:pt x="612875" y="0"/>
+                </a:cubicBezTo>
+                <a:cubicBezTo>
+                  <a:pt x="806689" y="-26267"/>
+                  <a:pt x="1047647" y="16956"/>
+                  <a:pt x="1156368" y="0"/>
+                </a:cubicBezTo>
+                <a:cubicBezTo>
+                  <a:pt x="1265089" y="-16956"/>
+                  <a:pt x="1456745" y="3434"/>
+                  <a:pt x="1734552" y="0"/>
+                </a:cubicBezTo>
+                <a:cubicBezTo>
+                  <a:pt x="1760379" y="222739"/>
+                  <a:pt x="1721074" y="384903"/>
+                  <a:pt x="1734552" y="545110"/>
+                </a:cubicBezTo>
+                <a:cubicBezTo>
+                  <a:pt x="1748031" y="705317"/>
+                  <a:pt x="1709132" y="966494"/>
+                  <a:pt x="1734552" y="1112470"/>
+                </a:cubicBezTo>
+                <a:cubicBezTo>
+                  <a:pt x="1487679" y="1124370"/>
+                  <a:pt x="1437572" y="1100344"/>
+                  <a:pt x="1191059" y="1112470"/>
+                </a:cubicBezTo>
+                <a:cubicBezTo>
+                  <a:pt x="944546" y="1124596"/>
+                  <a:pt x="810797" y="1091914"/>
+                  <a:pt x="664912" y="1112470"/>
+                </a:cubicBezTo>
+                <a:cubicBezTo>
+                  <a:pt x="519027" y="1133026"/>
+                  <a:pt x="152425" y="1086073"/>
+                  <a:pt x="0" y="1112470"/>
+                </a:cubicBezTo>
+                <a:cubicBezTo>
+                  <a:pt x="16695" y="852371"/>
+                  <a:pt x="10271" y="759374"/>
+                  <a:pt x="0" y="578484"/>
+                </a:cubicBezTo>
+                <a:cubicBezTo>
+                  <a:pt x="-10271" y="397594"/>
+                  <a:pt x="-10345" y="230359"/>
+                  <a:pt x="0" y="0"/>
+                </a:cubicBezTo>
+                <a:close/>
+              </a:path>
+              <a:path w="1734552" h="1112470" stroke="0" extrusionOk="0">
+                <a:moveTo>
+                  <a:pt x="0" y="0"/>
+                </a:moveTo>
+                <a:cubicBezTo>
+                  <a:pt x="214577" y="-14718"/>
+                  <a:pt x="378134" y="18379"/>
+                  <a:pt x="543493" y="0"/>
+                </a:cubicBezTo>
+                <a:cubicBezTo>
+                  <a:pt x="708852" y="-18379"/>
+                  <a:pt x="950850" y="21036"/>
+                  <a:pt x="1121677" y="0"/>
+                </a:cubicBezTo>
+                <a:cubicBezTo>
+                  <a:pt x="1292504" y="-21036"/>
+                  <a:pt x="1558147" y="-18234"/>
+                  <a:pt x="1734552" y="0"/>
+                </a:cubicBezTo>
+                <a:cubicBezTo>
+                  <a:pt x="1753164" y="256220"/>
+                  <a:pt x="1731287" y="354675"/>
+                  <a:pt x="1734552" y="556235"/>
+                </a:cubicBezTo>
+                <a:cubicBezTo>
+                  <a:pt x="1737817" y="757795"/>
+                  <a:pt x="1722559" y="921806"/>
+                  <a:pt x="1734552" y="1112470"/>
+                </a:cubicBezTo>
+                <a:cubicBezTo>
+                  <a:pt x="1566112" y="1111819"/>
+                  <a:pt x="1338815" y="1113715"/>
+                  <a:pt x="1173714" y="1112470"/>
+                </a:cubicBezTo>
+                <a:cubicBezTo>
+                  <a:pt x="1008613" y="1111225"/>
+                  <a:pt x="784857" y="1119384"/>
+                  <a:pt x="612875" y="1112470"/>
+                </a:cubicBezTo>
+                <a:cubicBezTo>
+                  <a:pt x="440893" y="1105556"/>
+                  <a:pt x="245677" y="1126067"/>
+                  <a:pt x="0" y="1112470"/>
+                </a:cubicBezTo>
+                <a:cubicBezTo>
+                  <a:pt x="4974" y="910344"/>
+                  <a:pt x="-22057" y="703742"/>
+                  <a:pt x="0" y="545110"/>
+                </a:cubicBezTo>
+                <a:cubicBezTo>
+                  <a:pt x="22057" y="386478"/>
+                  <a:pt x="5408" y="154393"/>
+                  <a:pt x="0" y="0"/>
+                </a:cubicBezTo>
+                <a:close/>
+              </a:path>
+            </a:pathLst>
+          </a:custGeom>
+          <a:solidFill>
+            <a:srgbClr val="E0DFD5"/>
+          </a:solidFill>
+          <a:ln>
+            <a:solidFill>
+              <a:srgbClr val="F09D51"/>
+            </a:solidFill>
+            <a:extLst>
+              <a:ext uri="{C807C97D-BFC1-408E-A445-0C87EB9F89A2}">
+                <ask:lineSketchStyleProps xmlns:ask="http://schemas.microsoft.com/office/drawing/2018/sketchyshapes" sd="277475729">
+                  <a:prstGeom prst="rect">
+                    <a:avLst/>
+                  </a:prstGeom>
+                  <ask:type>
+                    <ask:lineSketchFreehand/>
+                  </ask:type>
+                </ask:lineSketchStyleProps>
+              </a:ext>
+            </a:extLst>
+          </a:ln>
+          <a:effectLst>
+            <a:outerShdw blurRad="152400" dist="317500" dir="5400000" sx="90000" sy="-19000" rotWithShape="0">
+              <a:prstClr val="black">
+                <a:alpha val="15000"/>
+              </a:prstClr>
+            </a:outerShdw>
+          </a:effectLst>
+        </p:spPr>
+        <p:style>
+          <a:lnRef idx="2">
+            <a:schemeClr val="accent1">
+              <a:shade val="15000"/>
+            </a:schemeClr>
+          </a:lnRef>
+          <a:fillRef idx="1">
+            <a:schemeClr val="accent1"/>
+          </a:fillRef>
+          <a:effectRef idx="0">
+            <a:schemeClr val="accent1"/>
+          </a:effectRef>
+          <a:fontRef idx="minor">
+            <a:schemeClr val="lt1"/>
+          </a:fontRef>
+        </p:style>
+        <p:txBody>
+          <a:bodyPr rtlCol="0" anchor="t"/>
+          <a:lstStyle/>
+          <a:p>
+            <a:pPr algn="ctr"/>
+            <a:r>
+              <a:rPr lang="de-DE" sz="1400" dirty="0">
+                <a:solidFill>
+                  <a:srgbClr val="313638"/>
+                </a:solidFill>
+                <a:latin typeface="OCRB" panose="020B0609020202020204" pitchFamily="49" charset="0"/>
+              </a:rPr>
+              <a:t>Milestone 4:</a:t>
+            </a:r>
+            <a:br>
+              <a:rPr lang="de-DE" sz="1400" dirty="0">
+                <a:solidFill>
+                  <a:srgbClr val="313638"/>
+                </a:solidFill>
+                <a:latin typeface="OCRB" panose="020B0609020202020204" pitchFamily="49" charset="0"/>
+              </a:rPr>
+            </a:br>
+            <a:r>
+              <a:rPr lang="de-DE" sz="1400" dirty="0">
+                <a:solidFill>
+                  <a:srgbClr val="313638"/>
+                </a:solidFill>
+                <a:latin typeface="OCRB" panose="020B0609020202020204" pitchFamily="49" charset="0"/>
+              </a:rPr>
+              <a:t>Data Analysis</a:t>
+            </a:r>
+          </a:p>
+        </p:txBody>
+      </p:sp>
+      <p:sp>
+        <p:nvSpPr>
+          <p:cNvPr id="35" name="Flussdiagramm: Vorbereitung 34">
+            <a:extLst>
+              <a:ext uri="{FF2B5EF4-FFF2-40B4-BE49-F238E27FC236}">
+                <a16:creationId xmlns:a16="http://schemas.microsoft.com/office/drawing/2014/main" id="{5A88F5AD-3EEF-343B-E9F9-A753DEE31762}"/>
+              </a:ext>
+            </a:extLst>
+          </p:cNvPr>
+          <p:cNvSpPr/>
+          <p:nvPr/>
+        </p:nvSpPr>
+        <p:spPr>
+          <a:xfrm>
+            <a:off x="2092417" y="5849078"/>
+            <a:ext cx="1130662" cy="597383"/>
+          </a:xfrm>
+          <a:prstGeom prst="flowChartPreparation">
+            <a:avLst/>
+          </a:prstGeom>
+          <a:solidFill>
+            <a:srgbClr val="E0DFD5"/>
+          </a:solidFill>
+          <a:ln>
+            <a:solidFill>
+              <a:srgbClr val="C50E1F"/>
+            </a:solidFill>
+          </a:ln>
+        </p:spPr>
+        <p:style>
+          <a:lnRef idx="2">
+            <a:schemeClr val="accent1">
+              <a:shade val="15000"/>
+            </a:schemeClr>
+          </a:lnRef>
+          <a:fillRef idx="1">
+            <a:schemeClr val="accent1"/>
+          </a:fillRef>
+          <a:effectRef idx="0">
+            <a:schemeClr val="accent1"/>
+          </a:effectRef>
+          <a:fontRef idx="minor">
+            <a:schemeClr val="lt1"/>
+          </a:fontRef>
+        </p:style>
+        <p:txBody>
+          <a:bodyPr rtlCol="0" anchor="ctr"/>
+          <a:lstStyle/>
+          <a:p>
+            <a:pPr algn="ctr"/>
+            <a:r>
+              <a:rPr lang="de-DE" sz="1200" dirty="0">
+                <a:solidFill>
+                  <a:srgbClr val="313638"/>
+                </a:solidFill>
+              </a:rPr>
+              <a:t>1-2 </a:t>
+            </a:r>
+            <a:r>
+              <a:rPr lang="de-DE" sz="1200" dirty="0" err="1">
+                <a:solidFill>
+                  <a:srgbClr val="313638"/>
+                </a:solidFill>
+              </a:rPr>
+              <a:t>Weeks</a:t>
+            </a:r>
+            <a:endParaRPr lang="de-DE" sz="1200" dirty="0">
+              <a:solidFill>
+                <a:srgbClr val="313638"/>
+              </a:solidFill>
+            </a:endParaRPr>
+          </a:p>
+        </p:txBody>
+      </p:sp>
+      <p:sp>
+        <p:nvSpPr>
+          <p:cNvPr id="36" name="Flussdiagramm: Vorbereitung 35">
+            <a:extLst>
+              <a:ext uri="{FF2B5EF4-FFF2-40B4-BE49-F238E27FC236}">
+                <a16:creationId xmlns:a16="http://schemas.microsoft.com/office/drawing/2014/main" id="{F0A60279-EBD7-A449-5F23-5A31F57A8C3C}"/>
+              </a:ext>
+            </a:extLst>
+          </p:cNvPr>
+          <p:cNvSpPr/>
+          <p:nvPr/>
+        </p:nvSpPr>
+        <p:spPr>
+          <a:xfrm>
+            <a:off x="5913550" y="5776012"/>
+            <a:ext cx="1130662" cy="597383"/>
+          </a:xfrm>
+          <a:prstGeom prst="flowChartPreparation">
+            <a:avLst/>
+          </a:prstGeom>
+          <a:solidFill>
+            <a:srgbClr val="E0DFD5"/>
+          </a:solidFill>
+          <a:ln>
+            <a:solidFill>
+              <a:srgbClr val="C50E1F"/>
+            </a:solidFill>
+          </a:ln>
+        </p:spPr>
+        <p:style>
+          <a:lnRef idx="2">
+            <a:schemeClr val="accent1">
+              <a:shade val="15000"/>
+            </a:schemeClr>
+          </a:lnRef>
+          <a:fillRef idx="1">
+            <a:schemeClr val="accent1"/>
+          </a:fillRef>
+          <a:effectRef idx="0">
+            <a:schemeClr val="accent1"/>
+          </a:effectRef>
+          <a:fontRef idx="minor">
+            <a:schemeClr val="lt1"/>
+          </a:fontRef>
+        </p:style>
+        <p:txBody>
+          <a:bodyPr rtlCol="0" anchor="ctr"/>
+          <a:lstStyle/>
+          <a:p>
+            <a:pPr algn="ctr"/>
+            <a:r>
+              <a:rPr lang="de-DE" sz="1200" dirty="0">
+                <a:solidFill>
+                  <a:srgbClr val="313638"/>
+                </a:solidFill>
+              </a:rPr>
+              <a:t>2-3 </a:t>
+            </a:r>
+            <a:r>
+              <a:rPr lang="de-DE" sz="1200" dirty="0" err="1">
+                <a:solidFill>
+                  <a:srgbClr val="313638"/>
+                </a:solidFill>
+              </a:rPr>
+              <a:t>Weeks</a:t>
+            </a:r>
+            <a:endParaRPr lang="de-DE" sz="1200" dirty="0">
+              <a:solidFill>
+                <a:srgbClr val="313638"/>
+              </a:solidFill>
+            </a:endParaRPr>
+          </a:p>
+        </p:txBody>
+      </p:sp>
+      <p:sp>
+        <p:nvSpPr>
+          <p:cNvPr id="37" name="Flussdiagramm: Vorbereitung 36">
+            <a:extLst>
+              <a:ext uri="{FF2B5EF4-FFF2-40B4-BE49-F238E27FC236}">
+                <a16:creationId xmlns:a16="http://schemas.microsoft.com/office/drawing/2014/main" id="{44A0C636-41F9-3CBD-D037-591BC0036830}"/>
+              </a:ext>
+            </a:extLst>
+          </p:cNvPr>
+          <p:cNvSpPr/>
+          <p:nvPr/>
+        </p:nvSpPr>
+        <p:spPr>
+          <a:xfrm>
+            <a:off x="3974587" y="5659075"/>
+            <a:ext cx="1130662" cy="597383"/>
+          </a:xfrm>
+          <a:prstGeom prst="flowChartPreparation">
+            <a:avLst/>
+          </a:prstGeom>
+          <a:solidFill>
+            <a:srgbClr val="E0DFD5"/>
+          </a:solidFill>
+          <a:ln>
+            <a:solidFill>
+              <a:srgbClr val="C50E1F"/>
+            </a:solidFill>
+          </a:ln>
+        </p:spPr>
+        <p:style>
+          <a:lnRef idx="2">
+            <a:schemeClr val="accent1">
+              <a:shade val="15000"/>
+            </a:schemeClr>
+          </a:lnRef>
+          <a:fillRef idx="1">
+            <a:schemeClr val="accent1"/>
+          </a:fillRef>
+          <a:effectRef idx="0">
+            <a:schemeClr val="accent1"/>
+          </a:effectRef>
+          <a:fontRef idx="minor">
+            <a:schemeClr val="lt1"/>
+          </a:fontRef>
+        </p:style>
+        <p:txBody>
+          <a:bodyPr rtlCol="0" anchor="ctr"/>
+          <a:lstStyle/>
+          <a:p>
+            <a:pPr algn="ctr"/>
+            <a:r>
+              <a:rPr lang="de-DE" sz="1200" dirty="0">
+                <a:solidFill>
+                  <a:srgbClr val="313638"/>
+                </a:solidFill>
+              </a:rPr>
+              <a:t>2 </a:t>
+            </a:r>
+          </a:p>
+          <a:p>
+            <a:pPr algn="ctr"/>
+            <a:r>
+              <a:rPr lang="de-DE" sz="1200" dirty="0">
+                <a:solidFill>
+                  <a:srgbClr val="313638"/>
+                </a:solidFill>
+              </a:rPr>
+              <a:t>Week</a:t>
+            </a:r>
+          </a:p>
+        </p:txBody>
+      </p:sp>
+      <p:sp>
+        <p:nvSpPr>
+          <p:cNvPr id="38" name="Flussdiagramm: Vorbereitung 37">
+            <a:extLst>
+              <a:ext uri="{FF2B5EF4-FFF2-40B4-BE49-F238E27FC236}">
+                <a16:creationId xmlns:a16="http://schemas.microsoft.com/office/drawing/2014/main" id="{36DF89BE-08ED-8E43-8D2C-F747D9123ED8}"/>
+              </a:ext>
+            </a:extLst>
+          </p:cNvPr>
+          <p:cNvSpPr/>
+          <p:nvPr/>
+        </p:nvSpPr>
+        <p:spPr>
+          <a:xfrm>
+            <a:off x="7944859" y="5673405"/>
+            <a:ext cx="1130662" cy="597383"/>
+          </a:xfrm>
+          <a:prstGeom prst="flowChartPreparation">
+            <a:avLst/>
+          </a:prstGeom>
+          <a:solidFill>
+            <a:srgbClr val="E0DFD5"/>
+          </a:solidFill>
+          <a:ln>
+            <a:solidFill>
+              <a:srgbClr val="C50E1F"/>
+            </a:solidFill>
+          </a:ln>
+        </p:spPr>
+        <p:style>
+          <a:lnRef idx="2">
+            <a:schemeClr val="accent1">
+              <a:shade val="15000"/>
+            </a:schemeClr>
+          </a:lnRef>
+          <a:fillRef idx="1">
+            <a:schemeClr val="accent1"/>
+          </a:fillRef>
+          <a:effectRef idx="0">
+            <a:schemeClr val="accent1"/>
+          </a:effectRef>
+          <a:fontRef idx="minor">
+            <a:schemeClr val="lt1"/>
+          </a:fontRef>
+        </p:style>
+        <p:txBody>
+          <a:bodyPr rtlCol="0" anchor="ctr"/>
+          <a:lstStyle/>
+          <a:p>
+            <a:pPr algn="ctr"/>
+            <a:r>
+              <a:rPr lang="de-DE" sz="1200" dirty="0">
+                <a:solidFill>
+                  <a:srgbClr val="313638"/>
+                </a:solidFill>
+              </a:rPr>
+              <a:t>2-3 </a:t>
+            </a:r>
+            <a:r>
+              <a:rPr lang="de-DE" sz="1200" dirty="0" err="1">
+                <a:solidFill>
+                  <a:srgbClr val="313638"/>
+                </a:solidFill>
+              </a:rPr>
+              <a:t>Weeks</a:t>
+            </a:r>
+            <a:endParaRPr lang="de-DE" sz="1200" dirty="0">
+              <a:solidFill>
+                <a:srgbClr val="313638"/>
+              </a:solidFill>
+            </a:endParaRPr>
+          </a:p>
+        </p:txBody>
+      </p:sp>
+      <p:graphicFrame>
+        <p:nvGraphicFramePr>
+          <p:cNvPr id="24" name="Objekt 23">
+            <a:extLst>
+              <a:ext uri="{FF2B5EF4-FFF2-40B4-BE49-F238E27FC236}">
+                <a16:creationId xmlns:a16="http://schemas.microsoft.com/office/drawing/2014/main" id="{CC871CD8-10B2-29E2-0E0B-1388F7B69C08}"/>
+              </a:ext>
+            </a:extLst>
+          </p:cNvPr>
+          <p:cNvGraphicFramePr>
+            <a:graphicFrameLocks noChangeAspect="1"/>
+          </p:cNvGraphicFramePr>
+          <p:nvPr/>
+        </p:nvGraphicFramePr>
+        <p:xfrm>
+          <a:off x="447389" y="3376613"/>
+          <a:ext cx="9712611" cy="157356"/>
+        </p:xfrm>
+        <a:graphic>
+          <a:graphicData uri="http://schemas.openxmlformats.org/presentationml/2006/ole">
+            <mc:AlternateContent xmlns:mc="http://schemas.openxmlformats.org/markup-compatibility/2006">
+              <mc:Choice xmlns:v="urn:schemas-microsoft-com:vml" Requires="v">
+                <p:oleObj name="Worksheet" r:id="rId3" imgW="15246227" imgH="190434" progId="Excel.Sheet.12">
+                  <p:embed/>
+                </p:oleObj>
+              </mc:Choice>
+              <mc:Fallback>
+                <p:oleObj name="Worksheet" r:id="rId3" imgW="15246227" imgH="190434" progId="Excel.Sheet.12">
+                  <p:embed/>
+                  <p:pic>
+                    <p:nvPicPr>
+                      <p:cNvPr id="24" name="Objekt 23">
+                        <a:extLst>
+                          <a:ext uri="{FF2B5EF4-FFF2-40B4-BE49-F238E27FC236}">
+                            <a16:creationId xmlns:a16="http://schemas.microsoft.com/office/drawing/2014/main" id="{CC871CD8-10B2-29E2-0E0B-1388F7B69C08}"/>
+                          </a:ext>
+                        </a:extLst>
+                      </p:cNvPr>
+                      <p:cNvPicPr/>
+                      <p:nvPr/>
+                    </p:nvPicPr>
+                    <p:blipFill>
+                      <a:blip r:embed="rId4"/>
+                      <a:stretch>
+                        <a:fillRect/>
+                      </a:stretch>
+                    </p:blipFill>
+                    <p:spPr>
+                      <a:xfrm>
+                        <a:off x="447389" y="3376613"/>
+                        <a:ext cx="9712611" cy="157356"/>
+                      </a:xfrm>
+                      <a:prstGeom prst="rect">
+                        <a:avLst/>
+                      </a:prstGeom>
+                    </p:spPr>
+                  </p:pic>
+                </p:oleObj>
+              </mc:Fallback>
+            </mc:AlternateContent>
+          </a:graphicData>
+        </a:graphic>
+      </p:graphicFrame>
+      <p:cxnSp>
+        <p:nvCxnSpPr>
+          <p:cNvPr id="25" name="Gerader Verbinder 24">
+            <a:extLst>
+              <a:ext uri="{FF2B5EF4-FFF2-40B4-BE49-F238E27FC236}">
+                <a16:creationId xmlns:a16="http://schemas.microsoft.com/office/drawing/2014/main" id="{3BB6FE20-2944-0A1B-8E1F-FFBFA13D3D34}"/>
+              </a:ext>
+            </a:extLst>
+          </p:cNvPr>
+          <p:cNvCxnSpPr/>
+          <p:nvPr/>
+        </p:nvCxnSpPr>
+        <p:spPr>
+          <a:xfrm flipV="1">
+            <a:off x="1187996" y="3533969"/>
+            <a:ext cx="0" cy="451313"/>
+          </a:xfrm>
+          <a:prstGeom prst="line">
+            <a:avLst/>
+          </a:prstGeom>
+          <a:ln w="15875">
+            <a:solidFill>
+              <a:srgbClr val="F09D51"/>
+            </a:solidFill>
+          </a:ln>
+        </p:spPr>
+        <p:style>
+          <a:lnRef idx="1">
+            <a:schemeClr val="accent1"/>
+          </a:lnRef>
+          <a:fillRef idx="0">
+            <a:schemeClr val="accent1"/>
+          </a:fillRef>
+          <a:effectRef idx="0">
+            <a:schemeClr val="accent1"/>
+          </a:effectRef>
+          <a:fontRef idx="minor">
+            <a:schemeClr val="tx1"/>
+          </a:fontRef>
+        </p:style>
+      </p:cxnSp>
+      <p:sp>
+        <p:nvSpPr>
+          <p:cNvPr id="34" name="Textfeld 33">
+            <a:extLst>
+              <a:ext uri="{FF2B5EF4-FFF2-40B4-BE49-F238E27FC236}">
+                <a16:creationId xmlns:a16="http://schemas.microsoft.com/office/drawing/2014/main" id="{24A53063-3E2A-1B68-3CFA-44A5D8EBBB37}"/>
+              </a:ext>
+            </a:extLst>
+          </p:cNvPr>
+          <p:cNvSpPr txBox="1"/>
+          <p:nvPr/>
+        </p:nvSpPr>
+        <p:spPr>
+          <a:xfrm>
+            <a:off x="621892" y="3995346"/>
+            <a:ext cx="1132208" cy="553998"/>
+          </a:xfrm>
+          <a:prstGeom prst="rect">
+            <a:avLst/>
+          </a:prstGeom>
+          <a:noFill/>
+        </p:spPr>
+        <p:txBody>
+          <a:bodyPr wrap="square" rtlCol="0">
+            <a:spAutoFit/>
+          </a:bodyPr>
+          <a:lstStyle/>
+          <a:p>
+            <a:pPr algn="ctr"/>
+            <a:r>
+              <a:rPr lang="de-DE" sz="1000" dirty="0">
+                <a:latin typeface="OCRB" panose="020B0609020202020204" pitchFamily="49" charset="0"/>
+              </a:rPr>
+              <a:t>01.11.23</a:t>
+            </a:r>
+            <a:br>
+              <a:rPr lang="de-DE" sz="1000" dirty="0">
+                <a:latin typeface="OCRB" panose="020B0609020202020204" pitchFamily="49" charset="0"/>
+              </a:rPr>
+            </a:br>
+            <a:r>
+              <a:rPr lang="de-DE" sz="1000" dirty="0">
+                <a:latin typeface="OCRB" panose="020B0609020202020204" pitchFamily="49" charset="0"/>
+              </a:rPr>
+              <a:t>Team </a:t>
+            </a:r>
+            <a:r>
+              <a:rPr lang="de-DE" sz="1000" dirty="0" err="1">
+                <a:latin typeface="OCRB" panose="020B0609020202020204" pitchFamily="49" charset="0"/>
+              </a:rPr>
+              <a:t>building</a:t>
+            </a:r>
+            <a:endParaRPr lang="de-DE" sz="1000" dirty="0">
+              <a:latin typeface="OCRB" panose="020B0609020202020204" pitchFamily="49" charset="0"/>
+            </a:endParaRPr>
+          </a:p>
+        </p:txBody>
+      </p:sp>
+      <p:cxnSp>
+        <p:nvCxnSpPr>
+          <p:cNvPr id="39" name="Gerader Verbinder 38">
+            <a:extLst>
+              <a:ext uri="{FF2B5EF4-FFF2-40B4-BE49-F238E27FC236}">
+                <a16:creationId xmlns:a16="http://schemas.microsoft.com/office/drawing/2014/main" id="{0AC30146-280D-DFD1-0F34-1CD04A4397ED}"/>
+              </a:ext>
+            </a:extLst>
+          </p:cNvPr>
+          <p:cNvCxnSpPr/>
+          <p:nvPr/>
+        </p:nvCxnSpPr>
+        <p:spPr>
+          <a:xfrm flipV="1">
+            <a:off x="2129213" y="3533968"/>
+            <a:ext cx="0" cy="451313"/>
+          </a:xfrm>
+          <a:prstGeom prst="line">
+            <a:avLst/>
+          </a:prstGeom>
+          <a:ln w="15875">
+            <a:solidFill>
+              <a:srgbClr val="F09D51"/>
+            </a:solidFill>
+          </a:ln>
+        </p:spPr>
+        <p:style>
+          <a:lnRef idx="1">
+            <a:schemeClr val="accent1"/>
+          </a:lnRef>
+          <a:fillRef idx="0">
+            <a:schemeClr val="accent1"/>
+          </a:fillRef>
+          <a:effectRef idx="0">
+            <a:schemeClr val="accent1"/>
+          </a:effectRef>
+          <a:fontRef idx="minor">
+            <a:schemeClr val="tx1"/>
+          </a:fontRef>
+        </p:style>
+      </p:cxnSp>
+      <p:sp>
+        <p:nvSpPr>
+          <p:cNvPr id="40" name="Textfeld 39">
+            <a:extLst>
+              <a:ext uri="{FF2B5EF4-FFF2-40B4-BE49-F238E27FC236}">
+                <a16:creationId xmlns:a16="http://schemas.microsoft.com/office/drawing/2014/main" id="{CA1BA5BC-F5B6-10C3-346E-B9E501E3FB1C}"/>
+              </a:ext>
+            </a:extLst>
+          </p:cNvPr>
+          <p:cNvSpPr txBox="1"/>
+          <p:nvPr/>
+        </p:nvSpPr>
+        <p:spPr>
+          <a:xfrm>
+            <a:off x="1563109" y="3982455"/>
+            <a:ext cx="1132208" cy="400110"/>
+          </a:xfrm>
+          <a:prstGeom prst="rect">
+            <a:avLst/>
+          </a:prstGeom>
+          <a:noFill/>
+        </p:spPr>
+        <p:txBody>
+          <a:bodyPr wrap="square" rtlCol="0">
+            <a:spAutoFit/>
+          </a:bodyPr>
+          <a:lstStyle/>
+          <a:p>
+            <a:pPr algn="ctr"/>
+            <a:r>
+              <a:rPr lang="de-DE" sz="1000" dirty="0">
+                <a:latin typeface="OCRB" panose="020B0609020202020204" pitchFamily="49" charset="0"/>
+              </a:rPr>
+              <a:t>15.11.23</a:t>
+            </a:r>
+            <a:br>
+              <a:rPr lang="de-DE" sz="1000" dirty="0">
+                <a:latin typeface="OCRB" panose="020B0609020202020204" pitchFamily="49" charset="0"/>
+              </a:rPr>
+            </a:br>
+            <a:r>
+              <a:rPr lang="de-DE" sz="1000" dirty="0">
+                <a:latin typeface="OCRB" panose="020B0609020202020204" pitchFamily="49" charset="0"/>
+              </a:rPr>
+              <a:t>Mockup</a:t>
+            </a:r>
+          </a:p>
+        </p:txBody>
+      </p:sp>
+      <p:sp>
+        <p:nvSpPr>
+          <p:cNvPr id="41" name="Rechteck 40">
+            <a:extLst>
+              <a:ext uri="{FF2B5EF4-FFF2-40B4-BE49-F238E27FC236}">
+                <a16:creationId xmlns:a16="http://schemas.microsoft.com/office/drawing/2014/main" id="{0ABE6DE4-C096-CAA8-2ACD-6207507F63FD}"/>
+              </a:ext>
+            </a:extLst>
+          </p:cNvPr>
+          <p:cNvSpPr/>
+          <p:nvPr/>
+        </p:nvSpPr>
+        <p:spPr>
+          <a:xfrm>
+            <a:off x="9114122" y="4750210"/>
+            <a:ext cx="1734552" cy="1169517"/>
+          </a:xfrm>
+          <a:custGeom>
+            <a:avLst/>
+            <a:gdLst>
+              <a:gd name="connsiteX0" fmla="*/ 0 w 1734552"/>
+              <a:gd name="connsiteY0" fmla="*/ 0 h 1169517"/>
+              <a:gd name="connsiteX1" fmla="*/ 612875 w 1734552"/>
+              <a:gd name="connsiteY1" fmla="*/ 0 h 1169517"/>
+              <a:gd name="connsiteX2" fmla="*/ 1156368 w 1734552"/>
+              <a:gd name="connsiteY2" fmla="*/ 0 h 1169517"/>
+              <a:gd name="connsiteX3" fmla="*/ 1734552 w 1734552"/>
+              <a:gd name="connsiteY3" fmla="*/ 0 h 1169517"/>
+              <a:gd name="connsiteX4" fmla="*/ 1734552 w 1734552"/>
+              <a:gd name="connsiteY4" fmla="*/ 573063 h 1169517"/>
+              <a:gd name="connsiteX5" fmla="*/ 1734552 w 1734552"/>
+              <a:gd name="connsiteY5" fmla="*/ 1169517 h 1169517"/>
+              <a:gd name="connsiteX6" fmla="*/ 1191059 w 1734552"/>
+              <a:gd name="connsiteY6" fmla="*/ 1169517 h 1169517"/>
+              <a:gd name="connsiteX7" fmla="*/ 664912 w 1734552"/>
+              <a:gd name="connsiteY7" fmla="*/ 1169517 h 1169517"/>
+              <a:gd name="connsiteX8" fmla="*/ 0 w 1734552"/>
+              <a:gd name="connsiteY8" fmla="*/ 1169517 h 1169517"/>
+              <a:gd name="connsiteX9" fmla="*/ 0 w 1734552"/>
+              <a:gd name="connsiteY9" fmla="*/ 608149 h 1169517"/>
+              <a:gd name="connsiteX10" fmla="*/ 0 w 1734552"/>
+              <a:gd name="connsiteY10" fmla="*/ 0 h 1169517"/>
+            </a:gdLst>
+            <a:ahLst/>
+            <a:cxnLst>
+              <a:cxn ang="0">
+                <a:pos x="connsiteX0" y="connsiteY0"/>
+              </a:cxn>
+              <a:cxn ang="0">
+                <a:pos x="connsiteX1" y="connsiteY1"/>
+              </a:cxn>
+              <a:cxn ang="0">
+                <a:pos x="connsiteX2" y="connsiteY2"/>
+              </a:cxn>
+              <a:cxn ang="0">
+                <a:pos x="connsiteX3" y="connsiteY3"/>
+              </a:cxn>
+              <a:cxn ang="0">
+                <a:pos x="connsiteX4" y="connsiteY4"/>
+              </a:cxn>
+              <a:cxn ang="0">
+                <a:pos x="connsiteX5" y="connsiteY5"/>
+              </a:cxn>
+              <a:cxn ang="0">
+                <a:pos x="connsiteX6" y="connsiteY6"/>
+              </a:cxn>
+              <a:cxn ang="0">
+                <a:pos x="connsiteX7" y="connsiteY7"/>
+              </a:cxn>
+              <a:cxn ang="0">
+                <a:pos x="connsiteX8" y="connsiteY8"/>
+              </a:cxn>
+              <a:cxn ang="0">
+                <a:pos x="connsiteX9" y="connsiteY9"/>
+              </a:cxn>
+              <a:cxn ang="0">
+                <a:pos x="connsiteX10" y="connsiteY10"/>
+              </a:cxn>
+            </a:cxnLst>
+            <a:rect l="l" t="t" r="r" b="b"/>
+            <a:pathLst>
+              <a:path w="1734552" h="1169517" fill="none" extrusionOk="0">
+                <a:moveTo>
+                  <a:pt x="0" y="0"/>
+                </a:moveTo>
+                <a:cubicBezTo>
+                  <a:pt x="196669" y="-18741"/>
+                  <a:pt x="419061" y="26267"/>
+                  <a:pt x="612875" y="0"/>
+                </a:cubicBezTo>
+                <a:cubicBezTo>
+                  <a:pt x="806689" y="-26267"/>
+                  <a:pt x="1047647" y="16956"/>
+                  <a:pt x="1156368" y="0"/>
+                </a:cubicBezTo>
+                <a:cubicBezTo>
+                  <a:pt x="1265089" y="-16956"/>
+                  <a:pt x="1456745" y="3434"/>
+                  <a:pt x="1734552" y="0"/>
+                </a:cubicBezTo>
+                <a:cubicBezTo>
+                  <a:pt x="1753869" y="134304"/>
+                  <a:pt x="1759449" y="410259"/>
+                  <a:pt x="1734552" y="573063"/>
+                </a:cubicBezTo>
+                <a:cubicBezTo>
+                  <a:pt x="1709655" y="735867"/>
+                  <a:pt x="1751178" y="889020"/>
+                  <a:pt x="1734552" y="1169517"/>
+                </a:cubicBezTo>
+                <a:cubicBezTo>
+                  <a:pt x="1487679" y="1181417"/>
+                  <a:pt x="1437572" y="1157391"/>
+                  <a:pt x="1191059" y="1169517"/>
+                </a:cubicBezTo>
+                <a:cubicBezTo>
+                  <a:pt x="944546" y="1181643"/>
+                  <a:pt x="810797" y="1148961"/>
+                  <a:pt x="664912" y="1169517"/>
+                </a:cubicBezTo>
+                <a:cubicBezTo>
+                  <a:pt x="519027" y="1190073"/>
+                  <a:pt x="152425" y="1143120"/>
+                  <a:pt x="0" y="1169517"/>
+                </a:cubicBezTo>
+                <a:cubicBezTo>
+                  <a:pt x="13003" y="894396"/>
+                  <a:pt x="24761" y="754755"/>
+                  <a:pt x="0" y="608149"/>
+                </a:cubicBezTo>
+                <a:cubicBezTo>
+                  <a:pt x="-24761" y="461543"/>
+                  <a:pt x="10195" y="202449"/>
+                  <a:pt x="0" y="0"/>
+                </a:cubicBezTo>
+                <a:close/>
+              </a:path>
+              <a:path w="1734552" h="1169517" stroke="0" extrusionOk="0">
+                <a:moveTo>
+                  <a:pt x="0" y="0"/>
+                </a:moveTo>
+                <a:cubicBezTo>
+                  <a:pt x="214577" y="-14718"/>
+                  <a:pt x="378134" y="18379"/>
+                  <a:pt x="543493" y="0"/>
+                </a:cubicBezTo>
+                <a:cubicBezTo>
+                  <a:pt x="708852" y="-18379"/>
+                  <a:pt x="950850" y="21036"/>
+                  <a:pt x="1121677" y="0"/>
+                </a:cubicBezTo>
+                <a:cubicBezTo>
+                  <a:pt x="1292504" y="-21036"/>
+                  <a:pt x="1558147" y="-18234"/>
+                  <a:pt x="1734552" y="0"/>
+                </a:cubicBezTo>
+                <a:cubicBezTo>
+                  <a:pt x="1735796" y="290412"/>
+                  <a:pt x="1742552" y="331763"/>
+                  <a:pt x="1734552" y="584759"/>
+                </a:cubicBezTo>
+                <a:cubicBezTo>
+                  <a:pt x="1726552" y="837755"/>
+                  <a:pt x="1752076" y="930327"/>
+                  <a:pt x="1734552" y="1169517"/>
+                </a:cubicBezTo>
+                <a:cubicBezTo>
+                  <a:pt x="1566112" y="1168866"/>
+                  <a:pt x="1338815" y="1170762"/>
+                  <a:pt x="1173714" y="1169517"/>
+                </a:cubicBezTo>
+                <a:cubicBezTo>
+                  <a:pt x="1008613" y="1168272"/>
+                  <a:pt x="784857" y="1176431"/>
+                  <a:pt x="612875" y="1169517"/>
+                </a:cubicBezTo>
+                <a:cubicBezTo>
+                  <a:pt x="440893" y="1162603"/>
+                  <a:pt x="245677" y="1183114"/>
+                  <a:pt x="0" y="1169517"/>
+                </a:cubicBezTo>
+                <a:cubicBezTo>
+                  <a:pt x="10501" y="985620"/>
+                  <a:pt x="26026" y="856724"/>
+                  <a:pt x="0" y="573063"/>
+                </a:cubicBezTo>
+                <a:cubicBezTo>
+                  <a:pt x="-26026" y="289402"/>
+                  <a:pt x="8254" y="270083"/>
+                  <a:pt x="0" y="0"/>
+                </a:cubicBezTo>
+                <a:close/>
+              </a:path>
+            </a:pathLst>
+          </a:custGeom>
+          <a:solidFill>
+            <a:srgbClr val="E0DFD5"/>
+          </a:solidFill>
+          <a:ln>
+            <a:solidFill>
+              <a:srgbClr val="F09D51"/>
+            </a:solidFill>
+            <a:extLst>
+              <a:ext uri="{C807C97D-BFC1-408E-A445-0C87EB9F89A2}">
+                <ask:lineSketchStyleProps xmlns:ask="http://schemas.microsoft.com/office/drawing/2018/sketchyshapes" sd="277475729">
+                  <a:prstGeom prst="rect">
+                    <a:avLst/>
+                  </a:prstGeom>
+                  <ask:type>
+                    <ask:lineSketchFreehand/>
+                  </ask:type>
+                </ask:lineSketchStyleProps>
+              </a:ext>
+            </a:extLst>
+          </a:ln>
+          <a:effectLst>
+            <a:outerShdw blurRad="152400" dist="317500" dir="5400000" sx="90000" sy="-19000" rotWithShape="0">
+              <a:prstClr val="black">
+                <a:alpha val="15000"/>
+              </a:prstClr>
+            </a:outerShdw>
+          </a:effectLst>
+        </p:spPr>
+        <p:style>
+          <a:lnRef idx="2">
+            <a:schemeClr val="accent1">
+              <a:shade val="15000"/>
+            </a:schemeClr>
+          </a:lnRef>
+          <a:fillRef idx="1">
+            <a:schemeClr val="accent1"/>
+          </a:fillRef>
+          <a:effectRef idx="0">
+            <a:schemeClr val="accent1"/>
+          </a:effectRef>
+          <a:fontRef idx="minor">
+            <a:schemeClr val="lt1"/>
+          </a:fontRef>
+        </p:style>
+        <p:txBody>
+          <a:bodyPr rtlCol="0" anchor="t"/>
+          <a:lstStyle/>
+          <a:p>
+            <a:pPr algn="ctr"/>
+            <a:r>
+              <a:rPr lang="de-DE" sz="1400" dirty="0">
+                <a:solidFill>
+                  <a:srgbClr val="313638"/>
+                </a:solidFill>
+                <a:latin typeface="OCRB" panose="020B0609020202020204" pitchFamily="49" charset="0"/>
+              </a:rPr>
+              <a:t>Milestone 5:</a:t>
+            </a:r>
+            <a:br>
+              <a:rPr lang="de-DE" sz="1400" dirty="0">
+                <a:solidFill>
+                  <a:srgbClr val="313638"/>
+                </a:solidFill>
+                <a:latin typeface="OCRB" panose="020B0609020202020204" pitchFamily="49" charset="0"/>
+              </a:rPr>
+            </a:br>
+            <a:r>
+              <a:rPr lang="de-DE" sz="1400" dirty="0">
+                <a:solidFill>
+                  <a:srgbClr val="313638"/>
+                </a:solidFill>
+                <a:latin typeface="OCRB" panose="020B0609020202020204" pitchFamily="49" charset="0"/>
+              </a:rPr>
+              <a:t>Report</a:t>
+            </a:r>
+          </a:p>
+        </p:txBody>
+      </p:sp>
+      <p:sp>
+        <p:nvSpPr>
+          <p:cNvPr id="42" name="Flussdiagramm: Vorbereitung 41">
+            <a:extLst>
+              <a:ext uri="{FF2B5EF4-FFF2-40B4-BE49-F238E27FC236}">
+                <a16:creationId xmlns:a16="http://schemas.microsoft.com/office/drawing/2014/main" id="{B16F0968-FDBB-5BB0-2929-C63072945E97}"/>
+              </a:ext>
+            </a:extLst>
+          </p:cNvPr>
+          <p:cNvSpPr/>
+          <p:nvPr/>
+        </p:nvSpPr>
+        <p:spPr>
+          <a:xfrm>
+            <a:off x="9692569" y="5719845"/>
+            <a:ext cx="1130662" cy="597383"/>
+          </a:xfrm>
+          <a:prstGeom prst="flowChartPreparation">
+            <a:avLst/>
+          </a:prstGeom>
+          <a:solidFill>
+            <a:srgbClr val="E0DFD5"/>
+          </a:solidFill>
+          <a:ln>
+            <a:solidFill>
+              <a:srgbClr val="C50E1F"/>
+            </a:solidFill>
+          </a:ln>
+        </p:spPr>
+        <p:style>
+          <a:lnRef idx="2">
+            <a:schemeClr val="accent1">
+              <a:shade val="15000"/>
+            </a:schemeClr>
+          </a:lnRef>
+          <a:fillRef idx="1">
+            <a:schemeClr val="accent1"/>
+          </a:fillRef>
+          <a:effectRef idx="0">
+            <a:schemeClr val="accent1"/>
+          </a:effectRef>
+          <a:fontRef idx="minor">
+            <a:schemeClr val="lt1"/>
+          </a:fontRef>
+        </p:style>
+        <p:txBody>
+          <a:bodyPr rtlCol="0" anchor="ctr"/>
+          <a:lstStyle/>
+          <a:p>
+            <a:pPr algn="ctr"/>
+            <a:r>
+              <a:rPr lang="de-DE" sz="1200" dirty="0">
+                <a:solidFill>
+                  <a:srgbClr val="313638"/>
+                </a:solidFill>
+              </a:rPr>
+              <a:t>2-3 </a:t>
+            </a:r>
+            <a:r>
+              <a:rPr lang="de-DE" sz="1200" dirty="0" err="1">
+                <a:solidFill>
+                  <a:srgbClr val="313638"/>
+                </a:solidFill>
+              </a:rPr>
+              <a:t>Weeks</a:t>
+            </a:r>
+            <a:endParaRPr lang="de-DE" sz="1200" dirty="0">
+              <a:solidFill>
+                <a:srgbClr val="313638"/>
+              </a:solidFill>
+            </a:endParaRPr>
+          </a:p>
+        </p:txBody>
+      </p:sp>
+      <mc:AlternateContent xmlns:mc="http://schemas.openxmlformats.org/markup-compatibility/2006" xmlns:p14="http://schemas.microsoft.com/office/powerpoint/2010/main" xmlns:aink="http://schemas.microsoft.com/office/drawing/2016/ink">
+        <mc:Choice Requires="p14 aink">
+          <p:contentPart p14:bwMode="auto" r:id="rId5">
+            <p14:nvContentPartPr>
+              <p14:cNvPr id="43" name="Freihand 42">
+                <a:extLst>
+                  <a:ext uri="{FF2B5EF4-FFF2-40B4-BE49-F238E27FC236}">
+                    <a16:creationId xmlns:a16="http://schemas.microsoft.com/office/drawing/2014/main" id="{30473062-8BB4-AD84-C38F-0191DD692876}"/>
+                  </a:ext>
+                </a:extLst>
+              </p14:cNvPr>
+              <p14:cNvContentPartPr/>
+              <p14:nvPr/>
+            </p14:nvContentPartPr>
+            <p14:xfrm>
+              <a:off x="2213088" y="3549439"/>
+              <a:ext cx="441720" cy="1152000"/>
+            </p14:xfrm>
+          </p:contentPart>
+        </mc:Choice>
+        <mc:Fallback xmlns="">
+          <p:pic>
+            <p:nvPicPr>
+              <p:cNvPr id="43" name="Freihand 42">
+                <a:extLst>
+                  <a:ext uri="{FF2B5EF4-FFF2-40B4-BE49-F238E27FC236}">
+                    <a16:creationId xmlns:a16="http://schemas.microsoft.com/office/drawing/2014/main" id="{30473062-8BB4-AD84-C38F-0191DD692876}"/>
+                  </a:ext>
+                </a:extLst>
+              </p:cNvPr>
+              <p:cNvPicPr/>
+              <p:nvPr/>
+            </p:nvPicPr>
+            <p:blipFill>
+              <a:blip r:embed="rId6"/>
+              <a:stretch>
+                <a:fillRect/>
+              </a:stretch>
+            </p:blipFill>
+            <p:spPr>
+              <a:xfrm>
+                <a:off x="2204088" y="3540439"/>
+                <a:ext cx="459360" cy="1169640"/>
+              </a:xfrm>
+              <a:prstGeom prst="rect">
+                <a:avLst/>
+              </a:prstGeom>
+            </p:spPr>
+          </p:pic>
+        </mc:Fallback>
+      </mc:AlternateContent>
+      <mc:AlternateContent xmlns:mc="http://schemas.openxmlformats.org/markup-compatibility/2006" xmlns:p14="http://schemas.microsoft.com/office/powerpoint/2010/main" xmlns:aink="http://schemas.microsoft.com/office/drawing/2016/ink">
+        <mc:Choice Requires="p14 aink">
+          <p:contentPart p14:bwMode="auto" r:id="rId7">
+            <p14:nvContentPartPr>
+              <p14:cNvPr id="44" name="Freihand 43">
+                <a:extLst>
+                  <a:ext uri="{FF2B5EF4-FFF2-40B4-BE49-F238E27FC236}">
+                    <a16:creationId xmlns:a16="http://schemas.microsoft.com/office/drawing/2014/main" id="{6A3F6547-D954-B55A-1BB1-FB5D3BB490CD}"/>
+                  </a:ext>
+                </a:extLst>
+              </p14:cNvPr>
+              <p14:cNvContentPartPr/>
+              <p14:nvPr/>
+            </p14:nvContentPartPr>
+            <p14:xfrm>
+              <a:off x="3657048" y="3550879"/>
+              <a:ext cx="510840" cy="1182240"/>
+            </p14:xfrm>
+          </p:contentPart>
+        </mc:Choice>
+        <mc:Fallback xmlns="">
+          <p:pic>
+            <p:nvPicPr>
+              <p:cNvPr id="44" name="Freihand 43">
+                <a:extLst>
+                  <a:ext uri="{FF2B5EF4-FFF2-40B4-BE49-F238E27FC236}">
+                    <a16:creationId xmlns:a16="http://schemas.microsoft.com/office/drawing/2014/main" id="{6A3F6547-D954-B55A-1BB1-FB5D3BB490CD}"/>
+                  </a:ext>
+                </a:extLst>
+              </p:cNvPr>
+              <p:cNvPicPr/>
+              <p:nvPr/>
+            </p:nvPicPr>
+            <p:blipFill>
+              <a:blip r:embed="rId8"/>
+              <a:stretch>
+                <a:fillRect/>
+              </a:stretch>
+            </p:blipFill>
+            <p:spPr>
+              <a:xfrm>
+                <a:off x="3648048" y="3541879"/>
+                <a:ext cx="528480" cy="1199880"/>
+              </a:xfrm>
+              <a:prstGeom prst="rect">
+                <a:avLst/>
+              </a:prstGeom>
+            </p:spPr>
+          </p:pic>
+        </mc:Fallback>
+      </mc:AlternateContent>
+      <mc:AlternateContent xmlns:mc="http://schemas.openxmlformats.org/markup-compatibility/2006" xmlns:p14="http://schemas.microsoft.com/office/powerpoint/2010/main" xmlns:aink="http://schemas.microsoft.com/office/drawing/2016/ink">
+        <mc:Choice Requires="p14 aink">
+          <p:contentPart p14:bwMode="auto" r:id="rId9">
+            <p14:nvContentPartPr>
+              <p14:cNvPr id="49" name="Freihand 48">
+                <a:extLst>
+                  <a:ext uri="{FF2B5EF4-FFF2-40B4-BE49-F238E27FC236}">
+                    <a16:creationId xmlns:a16="http://schemas.microsoft.com/office/drawing/2014/main" id="{1497F84D-1193-6872-C97F-F456E665BB3C}"/>
+                  </a:ext>
+                </a:extLst>
+              </p14:cNvPr>
+              <p14:cNvContentPartPr/>
+              <p14:nvPr/>
+            </p14:nvContentPartPr>
+            <p14:xfrm>
+              <a:off x="5972568" y="3543319"/>
+              <a:ext cx="63360" cy="1188000"/>
+            </p14:xfrm>
+          </p:contentPart>
+        </mc:Choice>
+        <mc:Fallback xmlns="">
+          <p:pic>
+            <p:nvPicPr>
+              <p:cNvPr id="49" name="Freihand 48">
+                <a:extLst>
+                  <a:ext uri="{FF2B5EF4-FFF2-40B4-BE49-F238E27FC236}">
+                    <a16:creationId xmlns:a16="http://schemas.microsoft.com/office/drawing/2014/main" id="{1497F84D-1193-6872-C97F-F456E665BB3C}"/>
+                  </a:ext>
+                </a:extLst>
+              </p:cNvPr>
+              <p:cNvPicPr/>
+              <p:nvPr/>
+            </p:nvPicPr>
+            <p:blipFill>
+              <a:blip r:embed="rId10"/>
+              <a:stretch>
+                <a:fillRect/>
+              </a:stretch>
+            </p:blipFill>
+            <p:spPr>
+              <a:xfrm>
+                <a:off x="5963517" y="3534319"/>
+                <a:ext cx="81101" cy="1205640"/>
+              </a:xfrm>
+              <a:prstGeom prst="rect">
+                <a:avLst/>
+              </a:prstGeom>
+            </p:spPr>
+          </p:pic>
+        </mc:Fallback>
+      </mc:AlternateContent>
+      <mc:AlternateContent xmlns:mc="http://schemas.openxmlformats.org/markup-compatibility/2006" xmlns:p14="http://schemas.microsoft.com/office/powerpoint/2010/main" xmlns:aink="http://schemas.microsoft.com/office/drawing/2016/ink">
+        <mc:Choice Requires="p14 aink">
+          <p:contentPart p14:bwMode="auto" r:id="rId11">
+            <p14:nvContentPartPr>
+              <p14:cNvPr id="50" name="Freihand 49">
+                <a:extLst>
+                  <a:ext uri="{FF2B5EF4-FFF2-40B4-BE49-F238E27FC236}">
+                    <a16:creationId xmlns:a16="http://schemas.microsoft.com/office/drawing/2014/main" id="{89CE0747-CD7F-4F83-EAD2-4961CED717D4}"/>
+                  </a:ext>
+                </a:extLst>
+              </p14:cNvPr>
+              <p14:cNvContentPartPr/>
+              <p14:nvPr/>
+            </p14:nvContentPartPr>
+            <p14:xfrm>
+              <a:off x="7585728" y="3542959"/>
+              <a:ext cx="443880" cy="1190160"/>
+            </p14:xfrm>
+          </p:contentPart>
+        </mc:Choice>
+        <mc:Fallback xmlns="">
+          <p:pic>
+            <p:nvPicPr>
+              <p:cNvPr id="50" name="Freihand 49">
+                <a:extLst>
+                  <a:ext uri="{FF2B5EF4-FFF2-40B4-BE49-F238E27FC236}">
+                    <a16:creationId xmlns:a16="http://schemas.microsoft.com/office/drawing/2014/main" id="{89CE0747-CD7F-4F83-EAD2-4961CED717D4}"/>
+                  </a:ext>
+                </a:extLst>
+              </p:cNvPr>
+              <p:cNvPicPr/>
+              <p:nvPr/>
+            </p:nvPicPr>
+            <p:blipFill>
+              <a:blip r:embed="rId12"/>
+              <a:stretch>
+                <a:fillRect/>
+              </a:stretch>
+            </p:blipFill>
+            <p:spPr>
+              <a:xfrm>
+                <a:off x="7576728" y="3533956"/>
+                <a:ext cx="461520" cy="1207805"/>
+              </a:xfrm>
+              <a:prstGeom prst="rect">
+                <a:avLst/>
+              </a:prstGeom>
+            </p:spPr>
+          </p:pic>
+        </mc:Fallback>
+      </mc:AlternateContent>
+      <mc:AlternateContent xmlns:mc="http://schemas.openxmlformats.org/markup-compatibility/2006" xmlns:p14="http://schemas.microsoft.com/office/powerpoint/2010/main" xmlns:aink="http://schemas.microsoft.com/office/drawing/2016/ink">
+        <mc:Choice Requires="p14 aink">
+          <p:contentPart p14:bwMode="auto" r:id="rId13">
+            <p14:nvContentPartPr>
+              <p14:cNvPr id="51" name="Freihand 50">
+                <a:extLst>
+                  <a:ext uri="{FF2B5EF4-FFF2-40B4-BE49-F238E27FC236}">
+                    <a16:creationId xmlns:a16="http://schemas.microsoft.com/office/drawing/2014/main" id="{557AF763-BE4E-B5F5-9E5B-261518DFFBB4}"/>
+                  </a:ext>
+                </a:extLst>
+              </p14:cNvPr>
+              <p14:cNvContentPartPr/>
+              <p14:nvPr/>
+            </p14:nvContentPartPr>
+            <p14:xfrm>
+              <a:off x="8983608" y="3541519"/>
+              <a:ext cx="1047600" cy="1211040"/>
+            </p14:xfrm>
+          </p:contentPart>
+        </mc:Choice>
+        <mc:Fallback xmlns="">
+          <p:pic>
+            <p:nvPicPr>
+              <p:cNvPr id="51" name="Freihand 50">
+                <a:extLst>
+                  <a:ext uri="{FF2B5EF4-FFF2-40B4-BE49-F238E27FC236}">
+                    <a16:creationId xmlns:a16="http://schemas.microsoft.com/office/drawing/2014/main" id="{557AF763-BE4E-B5F5-9E5B-261518DFFBB4}"/>
+                  </a:ext>
+                </a:extLst>
+              </p:cNvPr>
+              <p:cNvPicPr/>
+              <p:nvPr/>
+            </p:nvPicPr>
+            <p:blipFill>
+              <a:blip r:embed="rId14"/>
+              <a:stretch>
+                <a:fillRect/>
+              </a:stretch>
+            </p:blipFill>
+            <p:spPr>
+              <a:xfrm>
+                <a:off x="8974605" y="3532519"/>
+                <a:ext cx="1065246" cy="1228680"/>
+              </a:xfrm>
+              <a:prstGeom prst="rect">
+                <a:avLst/>
+              </a:prstGeom>
+            </p:spPr>
+          </p:pic>
+        </mc:Fallback>
+      </mc:AlternateContent>
+      <p:sp>
+        <p:nvSpPr>
+          <p:cNvPr id="52" name="Rechteck 51">
+            <a:extLst>
+              <a:ext uri="{FF2B5EF4-FFF2-40B4-BE49-F238E27FC236}">
+                <a16:creationId xmlns:a16="http://schemas.microsoft.com/office/drawing/2014/main" id="{054013E2-DC8B-77AE-444E-E18563ADDD7B}"/>
+              </a:ext>
+            </a:extLst>
+          </p:cNvPr>
+          <p:cNvSpPr/>
+          <p:nvPr/>
+        </p:nvSpPr>
+        <p:spPr>
+          <a:xfrm>
+            <a:off x="4336532" y="3065006"/>
+            <a:ext cx="969341" cy="204072"/>
+          </a:xfrm>
+          <a:prstGeom prst="rect">
+            <a:avLst/>
+          </a:prstGeom>
+          <a:solidFill>
+            <a:srgbClr val="C50E1F"/>
+          </a:solidFill>
+          <a:ln>
+            <a:noFill/>
+          </a:ln>
+        </p:spPr>
+        <p:style>
+          <a:lnRef idx="2">
+            <a:schemeClr val="accent1">
+              <a:shade val="15000"/>
+            </a:schemeClr>
+          </a:lnRef>
+          <a:fillRef idx="1">
+            <a:schemeClr val="accent1"/>
+          </a:fillRef>
+          <a:effectRef idx="0">
+            <a:schemeClr val="accent1"/>
+          </a:effectRef>
+          <a:fontRef idx="minor">
+            <a:schemeClr val="lt1"/>
+          </a:fontRef>
+        </p:style>
+        <p:txBody>
+          <a:bodyPr rtlCol="0" anchor="ctr"/>
+          <a:lstStyle/>
+          <a:p>
+            <a:pPr algn="ctr"/>
+            <a:r>
+              <a:rPr lang="de-DE" sz="1400" dirty="0" err="1">
+                <a:solidFill>
+                  <a:srgbClr val="E0DFD5"/>
+                </a:solidFill>
+              </a:rPr>
+              <a:t>Vacation</a:t>
+            </a:r>
+            <a:endParaRPr lang="de-DE" dirty="0">
+              <a:solidFill>
+                <a:srgbClr val="E0DFD5"/>
+              </a:solidFill>
+            </a:endParaRPr>
+          </a:p>
+        </p:txBody>
+      </p:sp>
+      <p:sp>
+        <p:nvSpPr>
+          <p:cNvPr id="53" name="Rechteck 52">
+            <a:extLst>
+              <a:ext uri="{FF2B5EF4-FFF2-40B4-BE49-F238E27FC236}">
+                <a16:creationId xmlns:a16="http://schemas.microsoft.com/office/drawing/2014/main" id="{6085362C-59B5-F7EA-E749-0F9D9FBD36C1}"/>
+              </a:ext>
+            </a:extLst>
+          </p:cNvPr>
+          <p:cNvSpPr/>
+          <p:nvPr/>
+        </p:nvSpPr>
+        <p:spPr>
+          <a:xfrm>
+            <a:off x="8724567" y="3065006"/>
+            <a:ext cx="2605359" cy="204072"/>
+          </a:xfrm>
+          <a:prstGeom prst="rect">
+            <a:avLst/>
+          </a:prstGeom>
+          <a:solidFill>
+            <a:srgbClr val="F09D51"/>
+          </a:solidFill>
+          <a:ln>
+            <a:noFill/>
+          </a:ln>
+        </p:spPr>
+        <p:style>
+          <a:lnRef idx="2">
+            <a:schemeClr val="accent1">
+              <a:shade val="15000"/>
+            </a:schemeClr>
+          </a:lnRef>
+          <a:fillRef idx="1">
+            <a:schemeClr val="accent1"/>
+          </a:fillRef>
+          <a:effectRef idx="0">
+            <a:schemeClr val="accent1"/>
+          </a:effectRef>
+          <a:fontRef idx="minor">
+            <a:schemeClr val="lt1"/>
+          </a:fontRef>
+        </p:style>
+        <p:txBody>
+          <a:bodyPr rtlCol="0" anchor="ctr"/>
+          <a:lstStyle/>
+          <a:p>
+            <a:pPr algn="ctr"/>
+            <a:r>
+              <a:rPr lang="de-DE" sz="1400" dirty="0" err="1">
+                <a:solidFill>
+                  <a:srgbClr val="E0DFD5"/>
+                </a:solidFill>
+              </a:rPr>
+              <a:t>Lecture</a:t>
+            </a:r>
+            <a:r>
+              <a:rPr lang="de-DE" sz="1400" dirty="0">
+                <a:solidFill>
+                  <a:srgbClr val="E0DFD5"/>
+                </a:solidFill>
+              </a:rPr>
+              <a:t> Free Time</a:t>
+            </a:r>
+          </a:p>
+        </p:txBody>
+      </p:sp>
+      <p:cxnSp>
+        <p:nvCxnSpPr>
+          <p:cNvPr id="2" name="Gerader Verbinder 29">
+            <a:extLst>
+              <a:ext uri="{FF2B5EF4-FFF2-40B4-BE49-F238E27FC236}">
+                <a16:creationId xmlns:a16="http://schemas.microsoft.com/office/drawing/2014/main" id="{E7EFC45A-0025-4542-A83C-48732E970808}"/>
+              </a:ext>
+            </a:extLst>
+          </p:cNvPr>
+          <p:cNvCxnSpPr/>
+          <p:nvPr/>
+        </p:nvCxnSpPr>
+        <p:spPr>
+          <a:xfrm flipV="1">
+            <a:off x="2660737" y="2885449"/>
+            <a:ext cx="0" cy="451313"/>
+          </a:xfrm>
+          <a:prstGeom prst="line">
+            <a:avLst/>
+          </a:prstGeom>
+          <a:ln w="15875">
+            <a:solidFill>
+              <a:srgbClr val="F09D51"/>
+            </a:solidFill>
+          </a:ln>
+        </p:spPr>
+        <p:style>
+          <a:lnRef idx="1">
+            <a:schemeClr val="accent1"/>
+          </a:lnRef>
+          <a:fillRef idx="0">
+            <a:schemeClr val="accent1"/>
+          </a:fillRef>
+          <a:effectRef idx="0">
+            <a:schemeClr val="accent1"/>
+          </a:effectRef>
+          <a:fontRef idx="minor">
+            <a:schemeClr val="tx1"/>
+          </a:fontRef>
+        </p:style>
+      </p:cxnSp>
+      <p:sp>
+        <p:nvSpPr>
+          <p:cNvPr id="7" name="Textfeld 6">
+            <a:extLst>
+              <a:ext uri="{FF2B5EF4-FFF2-40B4-BE49-F238E27FC236}">
+                <a16:creationId xmlns:a16="http://schemas.microsoft.com/office/drawing/2014/main" id="{C248CA13-C825-CA64-00CB-BABA36813210}"/>
+              </a:ext>
+            </a:extLst>
+          </p:cNvPr>
+          <p:cNvSpPr txBox="1"/>
+          <p:nvPr/>
+        </p:nvSpPr>
+        <p:spPr>
+          <a:xfrm>
+            <a:off x="2076204" y="2559940"/>
+            <a:ext cx="1132208" cy="400110"/>
+          </a:xfrm>
+          <a:prstGeom prst="rect">
+            <a:avLst/>
+          </a:prstGeom>
+          <a:noFill/>
+        </p:spPr>
+        <p:txBody>
+          <a:bodyPr wrap="square" rtlCol="0">
+            <a:spAutoFit/>
+          </a:bodyPr>
+          <a:lstStyle/>
+          <a:p>
+            <a:pPr algn="ctr"/>
+            <a:r>
+              <a:rPr lang="de-DE" sz="1000" dirty="0">
+                <a:latin typeface="OCRB" panose="020B0609020202020204" pitchFamily="49" charset="0"/>
+              </a:rPr>
+              <a:t>22.11.23</a:t>
+            </a:r>
+            <a:br>
+              <a:rPr lang="de-DE" sz="1000" dirty="0">
+                <a:latin typeface="OCRB" panose="020B0609020202020204" pitchFamily="49" charset="0"/>
+              </a:rPr>
+            </a:br>
+            <a:r>
+              <a:rPr lang="de-DE" sz="1000" dirty="0" err="1">
+                <a:latin typeface="OCRB" panose="020B0609020202020204" pitchFamily="49" charset="0"/>
+              </a:rPr>
+              <a:t>today</a:t>
+            </a:r>
+            <a:endParaRPr lang="de-DE" sz="1000" dirty="0">
+              <a:latin typeface="OCRB" panose="020B0609020202020204" pitchFamily="49" charset="0"/>
+            </a:endParaRPr>
+          </a:p>
+        </p:txBody>
+      </p:sp>
+    </p:spTree>
+    <p:extLst>
+      <p:ext uri="{BB962C8B-B14F-4D97-AF65-F5344CB8AC3E}">
+        <p14:creationId xmlns:p14="http://schemas.microsoft.com/office/powerpoint/2010/main" val="2592070839"/>
+      </p:ext>
+    </p:extLst>
+  </p:cSld>
+  <p:clrMapOvr>
+    <a:masterClrMapping/>
+  </p:clrMapOvr>
+</p:sld>
+</file>
+
 <file path=ppt/theme/theme1.xml><?xml version="1.0" encoding="utf-8"?>
 <a:theme xmlns:a="http://schemas.openxmlformats.org/drawingml/2006/main" name="Office">
   <a:themeElements>
@@ -5940,4 +13269,266 @@
     </a:ext>
   </a:extLst>
 </a:theme>
+</file>
+
+<file path=customXml/item1.xml><?xml version="1.0" encoding="utf-8"?>
+<?mso-contentType ?>
+<FormTemplates xmlns="http://schemas.microsoft.com/sharepoint/v3/contenttype/forms">
+  <Display>DocumentLibraryForm</Display>
+  <Edit>DocumentLibraryForm</Edit>
+  <New>DocumentLibraryForm</New>
+</FormTemplates>
+</file>
+
+<file path=customXml/item2.xml><?xml version="1.0" encoding="utf-8"?>
+<ct:contentTypeSchema xmlns:ct="http://schemas.microsoft.com/office/2006/metadata/contentType" xmlns:ma="http://schemas.microsoft.com/office/2006/metadata/properties/metaAttributes" ct:_="" ma:_="" ma:contentTypeName="Dokument" ma:contentTypeID="0x010100C9D8C7BA7814064293ABEA3A4102C3CC" ma:contentTypeVersion="10" ma:contentTypeDescription="Ein neues Dokument erstellen." ma:contentTypeScope="" ma:versionID="4f3cbbf49692f65681b8f49acfadea07">
+  <xsd:schema xmlns:xsd="http://www.w3.org/2001/XMLSchema" xmlns:xs="http://www.w3.org/2001/XMLSchema" xmlns:p="http://schemas.microsoft.com/office/2006/metadata/properties" xmlns:ns3="95105db0-af3c-44bb-818f-8b57eb7e0b99" xmlns:ns4="99f56e6a-c014-482f-900e-6b1344f05d70" targetNamespace="http://schemas.microsoft.com/office/2006/metadata/properties" ma:root="true" ma:fieldsID="3344efe407b033526633c22b1de208d2" ns3:_="" ns4:_="">
+    <xsd:import namespace="95105db0-af3c-44bb-818f-8b57eb7e0b99"/>
+    <xsd:import namespace="99f56e6a-c014-482f-900e-6b1344f05d70"/>
+    <xsd:element name="properties">
+      <xsd:complexType>
+        <xsd:sequence>
+          <xsd:element name="documentManagement">
+            <xsd:complexType>
+              <xsd:all>
+                <xsd:element ref="ns3:MediaServiceMetadata" minOccurs="0"/>
+                <xsd:element ref="ns3:MediaServiceFastMetadata" minOccurs="0"/>
+                <xsd:element ref="ns4:SharedWithUsers" minOccurs="0"/>
+                <xsd:element ref="ns4:SharedWithDetails" minOccurs="0"/>
+                <xsd:element ref="ns4:SharingHintHash" minOccurs="0"/>
+                <xsd:element ref="ns3:_activity" minOccurs="0"/>
+                <xsd:element ref="ns3:MediaServiceDateTaken" minOccurs="0"/>
+                <xsd:element ref="ns3:MediaServiceAutoTags" minOccurs="0"/>
+                <xsd:element ref="ns3:MediaLengthInSeconds" minOccurs="0"/>
+                <xsd:element ref="ns3:MediaServiceObjectDetectorVersions" minOccurs="0"/>
+              </xsd:all>
+            </xsd:complexType>
+          </xsd:element>
+        </xsd:sequence>
+      </xsd:complexType>
+    </xsd:element>
+  </xsd:schema>
+  <xsd:schema xmlns:xsd="http://www.w3.org/2001/XMLSchema" xmlns:xs="http://www.w3.org/2001/XMLSchema" xmlns:dms="http://schemas.microsoft.com/office/2006/documentManagement/types" xmlns:pc="http://schemas.microsoft.com/office/infopath/2007/PartnerControls" targetNamespace="95105db0-af3c-44bb-818f-8b57eb7e0b99" elementFormDefault="qualified">
+    <xsd:import namespace="http://schemas.microsoft.com/office/2006/documentManagement/types"/>
+    <xsd:import namespace="http://schemas.microsoft.com/office/infopath/2007/PartnerControls"/>
+    <xsd:element name="MediaServiceMetadata" ma:index="8" nillable="true" ma:displayName="MediaServiceMetadata" ma:hidden="true" ma:internalName="MediaServiceMetadata" ma:readOnly="true">
+      <xsd:simpleType>
+        <xsd:restriction base="dms:Note"/>
+      </xsd:simpleType>
+    </xsd:element>
+    <xsd:element name="MediaServiceFastMetadata" ma:index="9" nillable="true" ma:displayName="MediaServiceFastMetadata" ma:hidden="true" ma:internalName="MediaServiceFastMetadata" ma:readOnly="true">
+      <xsd:simpleType>
+        <xsd:restriction base="dms:Note"/>
+      </xsd:simpleType>
+    </xsd:element>
+    <xsd:element name="_activity" ma:index="13" nillable="true" ma:displayName="_activity" ma:hidden="true" ma:internalName="_activity">
+      <xsd:simpleType>
+        <xsd:restriction base="dms:Note"/>
+      </xsd:simpleType>
+    </xsd:element>
+    <xsd:element name="MediaServiceDateTaken" ma:index="14" nillable="true" ma:displayName="MediaServiceDateTaken" ma:hidden="true" ma:indexed="true" ma:internalName="MediaServiceDateTaken" ma:readOnly="true">
+      <xsd:simpleType>
+        <xsd:restriction base="dms:Text"/>
+      </xsd:simpleType>
+    </xsd:element>
+    <xsd:element name="MediaServiceAutoTags" ma:index="15" nillable="true" ma:displayName="Tags" ma:internalName="MediaServiceAutoTags" ma:readOnly="true">
+      <xsd:simpleType>
+        <xsd:restriction base="dms:Text"/>
+      </xsd:simpleType>
+    </xsd:element>
+    <xsd:element name="MediaLengthInSeconds" ma:index="16" nillable="true" ma:displayName="MediaLengthInSeconds" ma:hidden="true" ma:internalName="MediaLengthInSeconds" ma:readOnly="true">
+      <xsd:simpleType>
+        <xsd:restriction base="dms:Unknown"/>
+      </xsd:simpleType>
+    </xsd:element>
+    <xsd:element name="MediaServiceObjectDetectorVersions" ma:index="17" nillable="true" ma:displayName="MediaServiceObjectDetectorVersions" ma:hidden="true" ma:indexed="true" ma:internalName="MediaServiceObjectDetectorVersions" ma:readOnly="true">
+      <xsd:simpleType>
+        <xsd:restriction base="dms:Text"/>
+      </xsd:simpleType>
+    </xsd:element>
+  </xsd:schema>
+  <xsd:schema xmlns:xsd="http://www.w3.org/2001/XMLSchema" xmlns:xs="http://www.w3.org/2001/XMLSchema" xmlns:dms="http://schemas.microsoft.com/office/2006/documentManagement/types" xmlns:pc="http://schemas.microsoft.com/office/infopath/2007/PartnerControls" targetNamespace="99f56e6a-c014-482f-900e-6b1344f05d70" elementFormDefault="qualified">
+    <xsd:import namespace="http://schemas.microsoft.com/office/2006/documentManagement/types"/>
+    <xsd:import namespace="http://schemas.microsoft.com/office/infopath/2007/PartnerControls"/>
+    <xsd:element name="SharedWithUsers" ma:index="10" nillable="true" ma:displayName="Freigegeben für" ma:internalName="SharedWithUsers" ma:readOnly="true">
+      <xsd:complexType>
+        <xsd:complexContent>
+          <xsd:extension base="dms:UserMulti">
+            <xsd:sequence>
+              <xsd:element name="UserInfo" minOccurs="0" maxOccurs="unbounded">
+                <xsd:complexType>
+                  <xsd:sequence>
+                    <xsd:element name="DisplayName" type="xsd:string" minOccurs="0"/>
+                    <xsd:element name="AccountId" type="dms:UserId" minOccurs="0" nillable="true"/>
+                    <xsd:element name="AccountType" type="xsd:string" minOccurs="0"/>
+                  </xsd:sequence>
+                </xsd:complexType>
+              </xsd:element>
+            </xsd:sequence>
+          </xsd:extension>
+        </xsd:complexContent>
+      </xsd:complexType>
+    </xsd:element>
+    <xsd:element name="SharedWithDetails" ma:index="11" nillable="true" ma:displayName="Freigegeben für - Details" ma:internalName="SharedWithDetails" ma:readOnly="true">
+      <xsd:simpleType>
+        <xsd:restriction base="dms:Note">
+          <xsd:maxLength value="255"/>
+        </xsd:restriction>
+      </xsd:simpleType>
+    </xsd:element>
+    <xsd:element name="SharingHintHash" ma:index="12" nillable="true" ma:displayName="Freigabehinweishash" ma:hidden="true" ma:internalName="SharingHintHash" ma:readOnly="true">
+      <xsd:simpleType>
+        <xsd:restriction base="dms:Text"/>
+      </xsd:simpleType>
+    </xsd:element>
+  </xsd:schema>
+  <xsd:schema xmlns="http://schemas.openxmlformats.org/package/2006/metadata/core-properties" xmlns:xsd="http://www.w3.org/2001/XMLSchema" xmlns:xsi="http://www.w3.org/2001/XMLSchema-instance" xmlns:dc="http://purl.org/dc/elements/1.1/" xmlns:dcterms="http://purl.org/dc/terms/" xmlns:odoc="http://schemas.microsoft.com/internal/obd" targetNamespace="http://schemas.openxmlformats.org/package/2006/metadata/core-properties" elementFormDefault="qualified" attributeFormDefault="unqualified" blockDefault="#all">
+    <xsd:import namespace="http://purl.org/dc/elements/1.1/" schemaLocation="http://dublincore.org/schemas/xmls/qdc/2003/04/02/dc.xsd"/>
+    <xsd:import namespace="http://purl.org/dc/terms/" schemaLocation="http://dublincore.org/schemas/xmls/qdc/2003/04/02/dcterms.xsd"/>
+    <xsd:element name="coreProperties" type="CT_coreProperties"/>
+    <xsd:complexType name="CT_coreProperties">
+      <xsd:all>
+        <xsd:element ref="dc:creator" minOccurs="0" maxOccurs="1"/>
+        <xsd:element ref="dcterms:created" minOccurs="0" maxOccurs="1"/>
+        <xsd:element ref="dc:identifier" minOccurs="0" maxOccurs="1"/>
+        <xsd:element name="contentType" minOccurs="0" maxOccurs="1" type="xsd:string" ma:index="0" ma:displayName="Inhaltstyp"/>
+        <xsd:element ref="dc:title" minOccurs="0" maxOccurs="1" ma:index="4" ma:displayName="Titel"/>
+        <xsd:element ref="dc:subject" minOccurs="0" maxOccurs="1"/>
+        <xsd:element ref="dc:description" minOccurs="0" maxOccurs="1"/>
+        <xsd:element name="keywords" minOccurs="0" maxOccurs="1" type="xsd:string"/>
+        <xsd:element ref="dc:language" minOccurs="0" maxOccurs="1"/>
+        <xsd:element name="category" minOccurs="0" maxOccurs="1" type="xsd:string"/>
+        <xsd:element name="version" minOccurs="0" maxOccurs="1" type="xsd:string"/>
+        <xsd:element name="revision" minOccurs="0" maxOccurs="1" type="xsd:string">
+          <xsd:annotation>
+            <xsd:documentation>
+                        This value indicates the number of saves or revisions. The application is responsible for updating this value after each revision.
+                    </xsd:documentation>
+          </xsd:annotation>
+        </xsd:element>
+        <xsd:element name="lastModifiedBy" minOccurs="0" maxOccurs="1" type="xsd:string"/>
+        <xsd:element ref="dcterms:modified" minOccurs="0" maxOccurs="1"/>
+        <xsd:element name="contentStatus" minOccurs="0" maxOccurs="1" type="xsd:string"/>
+      </xsd:all>
+    </xsd:complexType>
+  </xsd:schema>
+  <xs:schema xmlns:pc="http://schemas.microsoft.com/office/infopath/2007/PartnerControls" xmlns:xs="http://www.w3.org/2001/XMLSchema" targetNamespace="http://schemas.microsoft.com/office/infopath/2007/PartnerControls" elementFormDefault="qualified" attributeFormDefault="unqualified">
+    <xs:element name="Person">
+      <xs:complexType>
+        <xs:sequence>
+          <xs:element ref="pc:DisplayName" minOccurs="0"/>
+          <xs:element ref="pc:AccountId" minOccurs="0"/>
+          <xs:element ref="pc:AccountType" minOccurs="0"/>
+        </xs:sequence>
+      </xs:complexType>
+    </xs:element>
+    <xs:element name="DisplayName" type="xs:string"/>
+    <xs:element name="AccountId" type="xs:string"/>
+    <xs:element name="AccountType" type="xs:string"/>
+    <xs:element name="BDCAssociatedEntity">
+      <xs:complexType>
+        <xs:sequence>
+          <xs:element ref="pc:BDCEntity" minOccurs="0" maxOccurs="unbounded"/>
+        </xs:sequence>
+        <xs:attribute ref="pc:EntityNamespace"/>
+        <xs:attribute ref="pc:EntityName"/>
+        <xs:attribute ref="pc:SystemInstanceName"/>
+        <xs:attribute ref="pc:AssociationName"/>
+      </xs:complexType>
+    </xs:element>
+    <xs:attribute name="EntityNamespace" type="xs:string"/>
+    <xs:attribute name="EntityName" type="xs:string"/>
+    <xs:attribute name="SystemInstanceName" type="xs:string"/>
+    <xs:attribute name="AssociationName" type="xs:string"/>
+    <xs:element name="BDCEntity">
+      <xs:complexType>
+        <xs:sequence>
+          <xs:element ref="pc:EntityDisplayName" minOccurs="0"/>
+          <xs:element ref="pc:EntityInstanceReference" minOccurs="0"/>
+          <xs:element ref="pc:EntityId1" minOccurs="0"/>
+          <xs:element ref="pc:EntityId2" minOccurs="0"/>
+          <xs:element ref="pc:EntityId3" minOccurs="0"/>
+          <xs:element ref="pc:EntityId4" minOccurs="0"/>
+          <xs:element ref="pc:EntityId5" minOccurs="0"/>
+        </xs:sequence>
+      </xs:complexType>
+    </xs:element>
+    <xs:element name="EntityDisplayName" type="xs:string"/>
+    <xs:element name="EntityInstanceReference" type="xs:string"/>
+    <xs:element name="EntityId1" type="xs:string"/>
+    <xs:element name="EntityId2" type="xs:string"/>
+    <xs:element name="EntityId3" type="xs:string"/>
+    <xs:element name="EntityId4" type="xs:string"/>
+    <xs:element name="EntityId5" type="xs:string"/>
+    <xs:element name="Terms">
+      <xs:complexType>
+        <xs:sequence>
+          <xs:element ref="pc:TermInfo" minOccurs="0" maxOccurs="unbounded"/>
+        </xs:sequence>
+      </xs:complexType>
+    </xs:element>
+    <xs:element name="TermInfo">
+      <xs:complexType>
+        <xs:sequence>
+          <xs:element ref="pc:TermName" minOccurs="0"/>
+          <xs:element ref="pc:TermId" minOccurs="0"/>
+        </xs:sequence>
+      </xs:complexType>
+    </xs:element>
+    <xs:element name="TermName" type="xs:string"/>
+    <xs:element name="TermId" type="xs:string"/>
+  </xs:schema>
+</ct:contentTypeSchema>
+</file>
+
+<file path=customXml/item3.xml><?xml version="1.0" encoding="utf-8"?>
+<p:properties xmlns:p="http://schemas.microsoft.com/office/2006/metadata/properties" xmlns:xsi="http://www.w3.org/2001/XMLSchema-instance" xmlns:pc="http://schemas.microsoft.com/office/infopath/2007/PartnerControls">
+  <documentManagement>
+    <_activity xmlns="95105db0-af3c-44bb-818f-8b57eb7e0b99" xsi:nil="true"/>
+  </documentManagement>
+</p:properties>
+</file>
+
+<file path=customXml/itemProps1.xml><?xml version="1.0" encoding="utf-8"?>
+<ds:datastoreItem xmlns:ds="http://schemas.openxmlformats.org/officeDocument/2006/customXml" ds:itemID="{69D179D9-9299-4059-AAC3-5FB076AAC8C1}">
+  <ds:schemaRefs>
+    <ds:schemaRef ds:uri="http://schemas.microsoft.com/sharepoint/v3/contenttype/forms"/>
+  </ds:schemaRefs>
+</ds:datastoreItem>
+</file>
+
+<file path=customXml/itemProps2.xml><?xml version="1.0" encoding="utf-8"?>
+<ds:datastoreItem xmlns:ds="http://schemas.openxmlformats.org/officeDocument/2006/customXml" ds:itemID="{55E0762A-CA6C-4C51-88F5-9E2FB07044A0}">
+  <ds:schemaRefs>
+    <ds:schemaRef ds:uri="95105db0-af3c-44bb-818f-8b57eb7e0b99"/>
+    <ds:schemaRef ds:uri="99f56e6a-c014-482f-900e-6b1344f05d70"/>
+    <ds:schemaRef ds:uri="http://purl.org/dc/elements/1.1/"/>
+    <ds:schemaRef ds:uri="http://purl.org/dc/terms/"/>
+    <ds:schemaRef ds:uri="http://schemas.microsoft.com/internal/obd"/>
+    <ds:schemaRef ds:uri="http://schemas.microsoft.com/office/2006/documentManagement/types"/>
+    <ds:schemaRef ds:uri="http://schemas.microsoft.com/office/2006/metadata/contentType"/>
+    <ds:schemaRef ds:uri="http://schemas.microsoft.com/office/2006/metadata/properties"/>
+    <ds:schemaRef ds:uri="http://schemas.microsoft.com/office/2006/metadata/properties/metaAttributes"/>
+    <ds:schemaRef ds:uri="http://schemas.microsoft.com/office/infopath/2007/PartnerControls"/>
+    <ds:schemaRef ds:uri="http://schemas.openxmlformats.org/package/2006/metadata/core-properties"/>
+    <ds:schemaRef ds:uri="http://www.w3.org/2001/XMLSchema"/>
+  </ds:schemaRefs>
+</ds:datastoreItem>
+</file>
+
+<file path=customXml/itemProps3.xml><?xml version="1.0" encoding="utf-8"?>
+<ds:datastoreItem xmlns:ds="http://schemas.openxmlformats.org/officeDocument/2006/customXml" ds:itemID="{01B2E023-F3D2-4E46-B5BC-97775325149E}">
+  <ds:schemaRefs>
+    <ds:schemaRef ds:uri="95105db0-af3c-44bb-818f-8b57eb7e0b99"/>
+    <ds:schemaRef ds:uri="99f56e6a-c014-482f-900e-6b1344f05d70"/>
+    <ds:schemaRef ds:uri="http://purl.org/dc/dcmitype/"/>
+    <ds:schemaRef ds:uri="http://purl.org/dc/elements/1.1/"/>
+    <ds:schemaRef ds:uri="http://purl.org/dc/terms/"/>
+    <ds:schemaRef ds:uri="http://schemas.microsoft.com/office/2006/documentManagement/types"/>
+    <ds:schemaRef ds:uri="http://schemas.microsoft.com/office/2006/metadata/properties"/>
+    <ds:schemaRef ds:uri="http://schemas.microsoft.com/office/infopath/2007/PartnerControls"/>
+    <ds:schemaRef ds:uri="http://schemas.openxmlformats.org/package/2006/metadata/core-properties"/>
+    <ds:schemaRef ds:uri="http://www.w3.org/XML/1998/namespace"/>
+  </ds:schemaRefs>
+</ds:datastoreItem>
 </file>